--- a/reactjs/ppt/1-2 React基础语法.pptx
+++ b/reactjs/ppt/1-2 React基础语法.pptx
@@ -8973,7 +8973,6 @@
               <a:rPr lang="en-US" altLang="zh-CN" dirty="0" smtClean="0"/>
               <a:t>this</a:t>
             </a:r>
-            <a:endParaRPr lang="en-US" altLang="zh-CN" dirty="0" smtClean="0"/>
           </a:p>
           <a:p>
             <a:pPr marL="591820" lvl="1"/>
@@ -9801,7 +9800,6 @@
               <a:rPr lang="en-US" altLang="zh-CN" sz="2400" dirty="0"/>
               <a:t>}</a:t>
             </a:r>
-            <a:endParaRPr lang="en-US" altLang="zh-CN" sz="2400" dirty="0"/>
           </a:p>
         </p:txBody>
       </p:sp>
@@ -10080,10 +10078,6 @@
               </a:rPr>
               <a:t>事件处理函数传参</a:t>
             </a:r>
-            <a:endParaRPr lang="zh-CN" altLang="en-US" dirty="0" smtClean="0">
-              <a:latin typeface="+mn-ea"/>
-              <a:ea typeface="+mn-ea"/>
-            </a:endParaRPr>
           </a:p>
         </p:txBody>
       </p:sp>
@@ -10176,11 +10170,7 @@
             </a:r>
             <a:r>
               <a:rPr lang="en-US" altLang="zh-CN" sz="2400" dirty="0"/>
-              <a:t>button&gt;</a:t>
-            </a:r>
-            <a:r>
-              <a:rPr lang="en-US" altLang="zh-CN" sz="2400" dirty="0"/>
-              <a:t> </a:t>
+              <a:t>button&gt; </a:t>
             </a:r>
             <a:endParaRPr lang="en-US" altLang="zh-CN" sz="2400" dirty="0" smtClean="0"/>
           </a:p>
@@ -10229,7 +10219,6 @@
               <a:rPr lang="en-US" altLang="zh-CN" sz="2400" dirty="0"/>
               <a:t>button&gt;</a:t>
             </a:r>
-            <a:endParaRPr lang="en-US" altLang="zh-CN" sz="2400" dirty="0"/>
           </a:p>
         </p:txBody>
       </p:sp>
@@ -13950,7 +13939,7 @@
   <a:extraClrSchemeLst/>
   <a:extLst>
     <a:ext uri="{05A4C25C-085E-4340-85A3-A5531E510DB2}">
-      <thm15:themeFamily xmlns:thm15="http://schemas.microsoft.com/office/thememl/2012/main" xmlns="" name="Office Theme" id="{62F939B6-93AF-4DB8-9C6B-D6C7DFDC589F}" vid="{4A3C46E8-61CC-4603-A589-7422A47A8E4A}"/>
+      <thm15:themeFamily xmlns="" xmlns:thm15="http://schemas.microsoft.com/office/thememl/2012/main" name="Office Theme" id="{62F939B6-93AF-4DB8-9C6B-D6C7DFDC589F}" vid="{4A3C46E8-61CC-4603-A589-7422A47A8E4A}"/>
     </a:ext>
   </a:extLst>
 </a:theme>
@@ -14238,7 +14227,7 @@
   <a:extraClrSchemeLst/>
   <a:extLst>
     <a:ext uri="{05A4C25C-085E-4340-85A3-A5531E510DB2}">
-      <thm15:themeFamily xmlns:thm15="http://schemas.microsoft.com/office/thememl/2012/main" xmlns="" name="Office Theme" id="{62F939B6-93AF-4DB8-9C6B-D6C7DFDC589F}" vid="{4A3C46E8-61CC-4603-A589-7422A47A8E4A}"/>
+      <thm15:themeFamily xmlns="" xmlns:thm15="http://schemas.microsoft.com/office/thememl/2012/main" name="Office Theme" id="{62F939B6-93AF-4DB8-9C6B-D6C7DFDC589F}" vid="{4A3C46E8-61CC-4603-A589-7422A47A8E4A}"/>
     </a:ext>
   </a:extLst>
 </a:theme>

--- a/reactjs/ppt/1-2 React基础语法.pptx
+++ b/reactjs/ppt/1-2 React基础语法.pptx
@@ -5255,7 +5255,7 @@
             <a:pPr marL="591820" lvl="1"/>
             <a:r>
               <a:rPr lang="zh-CN" altLang="en-US" dirty="0" smtClean="0"/>
-              <a:t>从</a:t>
+              <a:t> 从</a:t>
             </a:r>
             <a:r>
               <a:rPr lang="zh-CN" altLang="en-US" dirty="0"/>
@@ -5616,7 +5616,7 @@
                   <a:srgbClr val="FF0000"/>
                 </a:solidFill>
               </a:rPr>
-              <a:t>开</a:t>
+              <a:t>开头</a:t>
             </a:r>
             <a:endParaRPr lang="en-US" altLang="zh-CN" dirty="0" smtClean="0">
               <a:solidFill>
@@ -5625,15 +5625,9 @@
             </a:endParaRPr>
           </a:p>
           <a:p>
-            <a:pPr marL="591820" lvl="1"/>
-            <a:r>
-              <a:rPr lang="en-US" altLang="zh-CN" dirty="0">
-                <a:solidFill>
-                  <a:srgbClr val="FF0000"/>
-                </a:solidFill>
-              </a:rPr>
-              <a:t> </a:t>
-            </a:r>
+            <a:pPr marL="361315" lvl="1" indent="0">
+              <a:buNone/>
+            </a:pPr>
             <a:endParaRPr lang="en-US" altLang="zh-CN" sz="2200" dirty="0" smtClean="0">
               <a:solidFill>
                 <a:srgbClr val="FF0000"/>
@@ -6478,7 +6472,27 @@
             </a:r>
             <a:r>
               <a:rPr lang="zh-CN" altLang="en-US" dirty="0" smtClean="0"/>
-              <a:t>状态的声明</a:t>
+              <a:t>状态的声明（</a:t>
+            </a:r>
+            <a:r>
+              <a:rPr lang="zh-CN" altLang="en-US" dirty="0"/>
+              <a:t>构造函数是唯一能够初始化 </a:t>
+            </a:r>
+            <a:r>
+              <a:rPr lang="en-US" altLang="zh-CN" dirty="0" err="1"/>
+              <a:t>this.state</a:t>
+            </a:r>
+            <a:r>
+              <a:rPr lang="en-US" altLang="zh-CN" dirty="0"/>
+              <a:t> </a:t>
+            </a:r>
+            <a:r>
+              <a:rPr lang="zh-CN" altLang="en-US" dirty="0"/>
+              <a:t>的地方</a:t>
+            </a:r>
+            <a:r>
+              <a:rPr lang="zh-CN" altLang="en-US" dirty="0" smtClean="0"/>
+              <a:t>）</a:t>
             </a:r>
             <a:endParaRPr lang="en-US" altLang="zh-CN" dirty="0" smtClean="0"/>
           </a:p>
@@ -13939,7 +13953,7 @@
   <a:extraClrSchemeLst/>
   <a:extLst>
     <a:ext uri="{05A4C25C-085E-4340-85A3-A5531E510DB2}">
-      <thm15:themeFamily xmlns="" xmlns:thm15="http://schemas.microsoft.com/office/thememl/2012/main" name="Office Theme" id="{62F939B6-93AF-4DB8-9C6B-D6C7DFDC589F}" vid="{4A3C46E8-61CC-4603-A589-7422A47A8E4A}"/>
+      <thm15:themeFamily xmlns:thm15="http://schemas.microsoft.com/office/thememl/2012/main" xmlns="" name="Office Theme" id="{62F939B6-93AF-4DB8-9C6B-D6C7DFDC589F}" vid="{4A3C46E8-61CC-4603-A589-7422A47A8E4A}"/>
     </a:ext>
   </a:extLst>
 </a:theme>
@@ -14227,7 +14241,7 @@
   <a:extraClrSchemeLst/>
   <a:extLst>
     <a:ext uri="{05A4C25C-085E-4340-85A3-A5531E510DB2}">
-      <thm15:themeFamily xmlns="" xmlns:thm15="http://schemas.microsoft.com/office/thememl/2012/main" name="Office Theme" id="{62F939B6-93AF-4DB8-9C6B-D6C7DFDC589F}" vid="{4A3C46E8-61CC-4603-A589-7422A47A8E4A}"/>
+      <thm15:themeFamily xmlns:thm15="http://schemas.microsoft.com/office/thememl/2012/main" xmlns="" name="Office Theme" id="{62F939B6-93AF-4DB8-9C6B-D6C7DFDC589F}" vid="{4A3C46E8-61CC-4603-A589-7422A47A8E4A}"/>
     </a:ext>
   </a:extLst>
 </a:theme>

--- a/reactjs/ppt/1-2 React基础语法.pptx
+++ b/reactjs/ppt/1-2 React基础语法.pptx
@@ -13953,7 +13953,7 @@
   <a:extraClrSchemeLst/>
   <a:extLst>
     <a:ext uri="{05A4C25C-085E-4340-85A3-A5531E510DB2}">
-      <thm15:themeFamily xmlns:thm15="http://schemas.microsoft.com/office/thememl/2012/main" xmlns="" name="Office Theme" id="{62F939B6-93AF-4DB8-9C6B-D6C7DFDC589F}" vid="{4A3C46E8-61CC-4603-A589-7422A47A8E4A}"/>
+      <thm15:themeFamily xmlns="" xmlns:thm15="http://schemas.microsoft.com/office/thememl/2012/main" name="Office Theme" id="{62F939B6-93AF-4DB8-9C6B-D6C7DFDC589F}" vid="{4A3C46E8-61CC-4603-A589-7422A47A8E4A}"/>
     </a:ext>
   </a:extLst>
 </a:theme>
@@ -14241,7 +14241,7 @@
   <a:extraClrSchemeLst/>
   <a:extLst>
     <a:ext uri="{05A4C25C-085E-4340-85A3-A5531E510DB2}">
-      <thm15:themeFamily xmlns:thm15="http://schemas.microsoft.com/office/thememl/2012/main" xmlns="" name="Office Theme" id="{62F939B6-93AF-4DB8-9C6B-D6C7DFDC589F}" vid="{4A3C46E8-61CC-4603-A589-7422A47A8E4A}"/>
+      <thm15:themeFamily xmlns="" xmlns:thm15="http://schemas.microsoft.com/office/thememl/2012/main" name="Office Theme" id="{62F939B6-93AF-4DB8-9C6B-D6C7DFDC589F}" vid="{4A3C46E8-61CC-4603-A589-7422A47A8E4A}"/>
     </a:ext>
   </a:extLst>
 </a:theme>

--- a/reactjs/ppt/1-2 React基础语法.pptx
+++ b/reactjs/ppt/1-2 React基础语法.pptx
@@ -5,7 +5,7 @@
     <p:sldMasterId id="2147483648" r:id="rId1"/>
   </p:sldMasterIdLst>
   <p:notesMasterIdLst>
-    <p:notesMasterId r:id="rId25"/>
+    <p:notesMasterId r:id="rId28"/>
   </p:notesMasterIdLst>
   <p:sldIdLst>
     <p:sldId id="773" r:id="rId2"/>
@@ -22,15 +22,18 @@
     <p:sldId id="949" r:id="rId13"/>
     <p:sldId id="948" r:id="rId14"/>
     <p:sldId id="951" r:id="rId15"/>
-    <p:sldId id="950" r:id="rId16"/>
-    <p:sldId id="952" r:id="rId17"/>
-    <p:sldId id="953" r:id="rId18"/>
-    <p:sldId id="954" r:id="rId19"/>
-    <p:sldId id="955" r:id="rId20"/>
-    <p:sldId id="956" r:id="rId21"/>
-    <p:sldId id="958" r:id="rId22"/>
-    <p:sldId id="957" r:id="rId23"/>
-    <p:sldId id="937" r:id="rId24"/>
+    <p:sldId id="959" r:id="rId16"/>
+    <p:sldId id="960" r:id="rId17"/>
+    <p:sldId id="950" r:id="rId18"/>
+    <p:sldId id="961" r:id="rId19"/>
+    <p:sldId id="952" r:id="rId20"/>
+    <p:sldId id="953" r:id="rId21"/>
+    <p:sldId id="954" r:id="rId22"/>
+    <p:sldId id="955" r:id="rId23"/>
+    <p:sldId id="956" r:id="rId24"/>
+    <p:sldId id="958" r:id="rId25"/>
+    <p:sldId id="957" r:id="rId26"/>
+    <p:sldId id="937" r:id="rId27"/>
   </p:sldIdLst>
   <p:sldSz cx="12192000" cy="6858000"/>
   <p:notesSz cx="6797675" cy="9928225"/>
@@ -1461,9 +1464,9 @@
       </p:grpSpPr>
       <p:sp>
         <p:nvSpPr>
-          <p:cNvPr id="22530" name="幻灯片图像占位符 1"/>
+          <p:cNvPr id="2" name="幻灯片图像占位符 1"/>
           <p:cNvSpPr>
-            <a:spLocks noGrp="1" noRot="1" noChangeAspect="1" noTextEdit="1"/>
+            <a:spLocks noGrp="1" noRot="1" noChangeAspect="1"/>
           </p:cNvSpPr>
           <p:nvPr>
             <p:ph type="sldImg"/>
@@ -1473,7 +1476,7 @@
       </p:sp>
       <p:sp>
         <p:nvSpPr>
-          <p:cNvPr id="22531" name="备注占位符 2"/>
+          <p:cNvPr id="3" name="备注占位符 2"/>
           <p:cNvSpPr>
             <a:spLocks noGrp="1"/>
           </p:cNvSpPr>
@@ -1481,191 +1484,47 @@
             <p:ph type="body" idx="1"/>
           </p:nvPr>
         </p:nvSpPr>
-        <p:spPr>
-          <a:noFill/>
-          <a:extLst>
-            <a:ext uri="{909E8E84-426E-40DD-AFC4-6F175D3DCCD1}">
-              <a14:hiddenFill xmlns:a14="http://schemas.microsoft.com/office/drawing/2010/main">
-                <a:solidFill>
-                  <a:srgbClr val="FFFFFF"/>
-                </a:solidFill>
-              </a14:hiddenFill>
-            </a:ext>
-            <a:ext uri="{91240B29-F687-4F45-9708-019B960494DF}">
-              <a14:hiddenLine xmlns:a14="http://schemas.microsoft.com/office/drawing/2010/main" w="9525">
-                <a:solidFill>
-                  <a:srgbClr val="000000"/>
-                </a:solidFill>
-                <a:miter lim="800000"/>
-                <a:headEnd/>
-                <a:tailEnd/>
-              </a14:hiddenLine>
-            </a:ext>
-          </a:extLst>
-        </p:spPr>
+        <p:spPr/>
         <p:txBody>
           <a:bodyPr/>
           <a:lstStyle/>
           <a:p>
-            <a:endParaRPr lang="zh-CN" altLang="en-US" smtClean="0"/>
+            <a:endParaRPr lang="zh-CN" altLang="en-US" dirty="0"/>
           </a:p>
         </p:txBody>
       </p:sp>
       <p:sp>
         <p:nvSpPr>
-          <p:cNvPr id="22532" name="灯片编号占位符 3"/>
+          <p:cNvPr id="4" name="灯片编号占位符 3"/>
           <p:cNvSpPr>
             <a:spLocks noGrp="1"/>
           </p:cNvSpPr>
           <p:nvPr>
-            <p:ph type="sldNum" sz="quarter" idx="5"/>
+            <p:ph type="sldNum" sz="quarter" idx="10"/>
           </p:nvPr>
         </p:nvSpPr>
-        <p:spPr>
-          <a:noFill/>
-          <a:extLst>
-            <a:ext uri="{909E8E84-426E-40DD-AFC4-6F175D3DCCD1}">
-              <a14:hiddenFill xmlns:a14="http://schemas.microsoft.com/office/drawing/2010/main">
-                <a:solidFill>
-                  <a:srgbClr val="FFFFFF"/>
-                </a:solidFill>
-              </a14:hiddenFill>
-            </a:ext>
-            <a:ext uri="{91240B29-F687-4F45-9708-019B960494DF}">
-              <a14:hiddenLine xmlns:a14="http://schemas.microsoft.com/office/drawing/2010/main" w="9525">
-                <a:solidFill>
-                  <a:srgbClr val="000000"/>
-                </a:solidFill>
-                <a:miter lim="800000"/>
-                <a:headEnd/>
-                <a:tailEnd/>
-              </a14:hiddenLine>
-            </a:ext>
-          </a:extLst>
-        </p:spPr>
+        <p:spPr/>
         <p:txBody>
           <a:bodyPr/>
-          <a:lstStyle>
-            <a:lvl1pPr>
-              <a:defRPr sz="3200">
-                <a:solidFill>
-                  <a:schemeClr val="tx1"/>
-                </a:solidFill>
-                <a:latin typeface="Arial" panose="020B0604020202020204" pitchFamily="34" charset="0"/>
-                <a:ea typeface="微软雅黑" panose="020B0503020204020204" pitchFamily="34" charset="-122"/>
-              </a:defRPr>
-            </a:lvl1pPr>
-            <a:lvl2pPr marL="742950" indent="-285750">
-              <a:defRPr sz="3200">
-                <a:solidFill>
-                  <a:schemeClr val="tx1"/>
-                </a:solidFill>
-                <a:latin typeface="Arial" panose="020B0604020202020204" pitchFamily="34" charset="0"/>
-                <a:ea typeface="微软雅黑" panose="020B0503020204020204" pitchFamily="34" charset="-122"/>
-              </a:defRPr>
-            </a:lvl2pPr>
-            <a:lvl3pPr marL="1143000" indent="-228600">
-              <a:defRPr sz="3200">
-                <a:solidFill>
-                  <a:schemeClr val="tx1"/>
-                </a:solidFill>
-                <a:latin typeface="Arial" panose="020B0604020202020204" pitchFamily="34" charset="0"/>
-                <a:ea typeface="微软雅黑" panose="020B0503020204020204" pitchFamily="34" charset="-122"/>
-              </a:defRPr>
-            </a:lvl3pPr>
-            <a:lvl4pPr marL="1600200" indent="-228600">
-              <a:defRPr sz="3200">
-                <a:solidFill>
-                  <a:schemeClr val="tx1"/>
-                </a:solidFill>
-                <a:latin typeface="Arial" panose="020B0604020202020204" pitchFamily="34" charset="0"/>
-                <a:ea typeface="微软雅黑" panose="020B0503020204020204" pitchFamily="34" charset="-122"/>
-              </a:defRPr>
-            </a:lvl4pPr>
-            <a:lvl5pPr marL="2057400" indent="-228600">
-              <a:defRPr sz="3200">
-                <a:solidFill>
-                  <a:schemeClr val="tx1"/>
-                </a:solidFill>
-                <a:latin typeface="Arial" panose="020B0604020202020204" pitchFamily="34" charset="0"/>
-                <a:ea typeface="微软雅黑" panose="020B0503020204020204" pitchFamily="34" charset="-122"/>
-              </a:defRPr>
-            </a:lvl5pPr>
-            <a:lvl6pPr marL="2514600" indent="-228600" eaLnBrk="0" fontAlgn="base" hangingPunct="0">
-              <a:spcBef>
-                <a:spcPct val="0"/>
-              </a:spcBef>
-              <a:spcAft>
-                <a:spcPct val="0"/>
-              </a:spcAft>
-              <a:defRPr sz="3200">
-                <a:solidFill>
-                  <a:schemeClr val="tx1"/>
-                </a:solidFill>
-                <a:latin typeface="Arial" panose="020B0604020202020204" pitchFamily="34" charset="0"/>
-                <a:ea typeface="微软雅黑" panose="020B0503020204020204" pitchFamily="34" charset="-122"/>
-              </a:defRPr>
-            </a:lvl6pPr>
-            <a:lvl7pPr marL="2971800" indent="-228600" eaLnBrk="0" fontAlgn="base" hangingPunct="0">
-              <a:spcBef>
-                <a:spcPct val="0"/>
-              </a:spcBef>
-              <a:spcAft>
-                <a:spcPct val="0"/>
-              </a:spcAft>
-              <a:defRPr sz="3200">
-                <a:solidFill>
-                  <a:schemeClr val="tx1"/>
-                </a:solidFill>
-                <a:latin typeface="Arial" panose="020B0604020202020204" pitchFamily="34" charset="0"/>
-                <a:ea typeface="微软雅黑" panose="020B0503020204020204" pitchFamily="34" charset="-122"/>
-              </a:defRPr>
-            </a:lvl7pPr>
-            <a:lvl8pPr marL="3429000" indent="-228600" eaLnBrk="0" fontAlgn="base" hangingPunct="0">
-              <a:spcBef>
-                <a:spcPct val="0"/>
-              </a:spcBef>
-              <a:spcAft>
-                <a:spcPct val="0"/>
-              </a:spcAft>
-              <a:defRPr sz="3200">
-                <a:solidFill>
-                  <a:schemeClr val="tx1"/>
-                </a:solidFill>
-                <a:latin typeface="Arial" panose="020B0604020202020204" pitchFamily="34" charset="0"/>
-                <a:ea typeface="微软雅黑" panose="020B0503020204020204" pitchFamily="34" charset="-122"/>
-              </a:defRPr>
-            </a:lvl8pPr>
-            <a:lvl9pPr marL="3886200" indent="-228600" eaLnBrk="0" fontAlgn="base" hangingPunct="0">
-              <a:spcBef>
-                <a:spcPct val="0"/>
-              </a:spcBef>
-              <a:spcAft>
-                <a:spcPct val="0"/>
-              </a:spcAft>
-              <a:defRPr sz="3200">
-                <a:solidFill>
-                  <a:schemeClr val="tx1"/>
-                </a:solidFill>
-                <a:latin typeface="Arial" panose="020B0604020202020204" pitchFamily="34" charset="0"/>
-                <a:ea typeface="微软雅黑" panose="020B0503020204020204" pitchFamily="34" charset="-122"/>
-              </a:defRPr>
-            </a:lvl9pPr>
-          </a:lstStyle>
-          <a:p>
-            <a:fld id="{B94B757B-0235-4C13-B71B-044FB4BFFF15}" type="slidenum">
-              <a:rPr lang="zh-CN" altLang="zh-CN">
-                <a:ea typeface="宋体" panose="02010600030101010101" pitchFamily="2" charset="-122"/>
-              </a:rPr>
+          <a:lstStyle/>
+          <a:p>
+            <a:pPr>
+              <a:defRPr/>
+            </a:pPr>
+            <a:fld id="{F2CCABD1-AF70-44CD-8C26-4C379059FAC1}" type="slidenum">
+              <a:rPr lang="zh-CN" altLang="zh-CN" smtClean="0"/>
               <a:t>18</a:t>
             </a:fld>
-            <a:endParaRPr lang="zh-CN" altLang="zh-CN">
-              <a:ea typeface="宋体" panose="02010600030101010101" pitchFamily="2" charset="-122"/>
-            </a:endParaRPr>
+            <a:endParaRPr lang="zh-CN" altLang="zh-CN"/>
           </a:p>
         </p:txBody>
       </p:sp>
     </p:spTree>
+    <p:extLst>
+      <p:ext uri="{BB962C8B-B14F-4D97-AF65-F5344CB8AC3E}">
+        <p14:creationId xmlns:p14="http://schemas.microsoft.com/office/powerpoint/2010/main" val="3092771490"/>
+      </p:ext>
+    </p:extLst>
   </p:cSld>
   <p:clrMapOvr>
     <a:masterClrMapping/>
@@ -2241,9 +2100,9 @@
       </p:grpSpPr>
       <p:sp>
         <p:nvSpPr>
-          <p:cNvPr id="2" name="幻灯片图像占位符 1"/>
+          <p:cNvPr id="22530" name="幻灯片图像占位符 1"/>
           <p:cNvSpPr>
-            <a:spLocks noGrp="1" noRot="1" noChangeAspect="1"/>
+            <a:spLocks noGrp="1" noRot="1" noChangeAspect="1" noTextEdit="1"/>
           </p:cNvSpPr>
           <p:nvPr>
             <p:ph type="sldImg"/>
@@ -2253,7 +2112,7 @@
       </p:sp>
       <p:sp>
         <p:nvSpPr>
-          <p:cNvPr id="3" name="备注占位符 2"/>
+          <p:cNvPr id="22531" name="备注占位符 2"/>
           <p:cNvSpPr>
             <a:spLocks noGrp="1"/>
           </p:cNvSpPr>
@@ -2261,47 +2120,191 @@
             <p:ph type="body" idx="1"/>
           </p:nvPr>
         </p:nvSpPr>
-        <p:spPr/>
+        <p:spPr>
+          <a:noFill/>
+          <a:extLst>
+            <a:ext uri="{909E8E84-426E-40DD-AFC4-6F175D3DCCD1}">
+              <a14:hiddenFill xmlns:a14="http://schemas.microsoft.com/office/drawing/2010/main">
+                <a:solidFill>
+                  <a:srgbClr val="FFFFFF"/>
+                </a:solidFill>
+              </a14:hiddenFill>
+            </a:ext>
+            <a:ext uri="{91240B29-F687-4F45-9708-019B960494DF}">
+              <a14:hiddenLine xmlns:a14="http://schemas.microsoft.com/office/drawing/2010/main" w="9525">
+                <a:solidFill>
+                  <a:srgbClr val="000000"/>
+                </a:solidFill>
+                <a:miter lim="800000"/>
+                <a:headEnd/>
+                <a:tailEnd/>
+              </a14:hiddenLine>
+            </a:ext>
+          </a:extLst>
+        </p:spPr>
         <p:txBody>
           <a:bodyPr/>
           <a:lstStyle/>
           <a:p>
-            <a:endParaRPr lang="zh-CN" altLang="en-US" dirty="0"/>
+            <a:endParaRPr lang="zh-CN" altLang="en-US" smtClean="0"/>
           </a:p>
         </p:txBody>
       </p:sp>
       <p:sp>
         <p:nvSpPr>
-          <p:cNvPr id="4" name="灯片编号占位符 3"/>
+          <p:cNvPr id="22532" name="灯片编号占位符 3"/>
           <p:cNvSpPr>
             <a:spLocks noGrp="1"/>
           </p:cNvSpPr>
           <p:nvPr>
-            <p:ph type="sldNum" sz="quarter" idx="10"/>
+            <p:ph type="sldNum" sz="quarter" idx="5"/>
           </p:nvPr>
         </p:nvSpPr>
-        <p:spPr/>
+        <p:spPr>
+          <a:noFill/>
+          <a:extLst>
+            <a:ext uri="{909E8E84-426E-40DD-AFC4-6F175D3DCCD1}">
+              <a14:hiddenFill xmlns:a14="http://schemas.microsoft.com/office/drawing/2010/main">
+                <a:solidFill>
+                  <a:srgbClr val="FFFFFF"/>
+                </a:solidFill>
+              </a14:hiddenFill>
+            </a:ext>
+            <a:ext uri="{91240B29-F687-4F45-9708-019B960494DF}">
+              <a14:hiddenLine xmlns:a14="http://schemas.microsoft.com/office/drawing/2010/main" w="9525">
+                <a:solidFill>
+                  <a:srgbClr val="000000"/>
+                </a:solidFill>
+                <a:miter lim="800000"/>
+                <a:headEnd/>
+                <a:tailEnd/>
+              </a14:hiddenLine>
+            </a:ext>
+          </a:extLst>
+        </p:spPr>
         <p:txBody>
           <a:bodyPr/>
-          <a:lstStyle/>
-          <a:p>
-            <a:pPr>
-              <a:defRPr/>
-            </a:pPr>
-            <a:fld id="{F2CCABD1-AF70-44CD-8C26-4C379059FAC1}" type="slidenum">
-              <a:rPr lang="zh-CN" altLang="zh-CN" smtClean="0"/>
+          <a:lstStyle>
+            <a:lvl1pPr>
+              <a:defRPr sz="3200">
+                <a:solidFill>
+                  <a:schemeClr val="tx1"/>
+                </a:solidFill>
+                <a:latin typeface="Arial" panose="020B0604020202020204" pitchFamily="34" charset="0"/>
+                <a:ea typeface="微软雅黑" panose="020B0503020204020204" pitchFamily="34" charset="-122"/>
+              </a:defRPr>
+            </a:lvl1pPr>
+            <a:lvl2pPr marL="742950" indent="-285750">
+              <a:defRPr sz="3200">
+                <a:solidFill>
+                  <a:schemeClr val="tx1"/>
+                </a:solidFill>
+                <a:latin typeface="Arial" panose="020B0604020202020204" pitchFamily="34" charset="0"/>
+                <a:ea typeface="微软雅黑" panose="020B0503020204020204" pitchFamily="34" charset="-122"/>
+              </a:defRPr>
+            </a:lvl2pPr>
+            <a:lvl3pPr marL="1143000" indent="-228600">
+              <a:defRPr sz="3200">
+                <a:solidFill>
+                  <a:schemeClr val="tx1"/>
+                </a:solidFill>
+                <a:latin typeface="Arial" panose="020B0604020202020204" pitchFamily="34" charset="0"/>
+                <a:ea typeface="微软雅黑" panose="020B0503020204020204" pitchFamily="34" charset="-122"/>
+              </a:defRPr>
+            </a:lvl3pPr>
+            <a:lvl4pPr marL="1600200" indent="-228600">
+              <a:defRPr sz="3200">
+                <a:solidFill>
+                  <a:schemeClr val="tx1"/>
+                </a:solidFill>
+                <a:latin typeface="Arial" panose="020B0604020202020204" pitchFamily="34" charset="0"/>
+                <a:ea typeface="微软雅黑" panose="020B0503020204020204" pitchFamily="34" charset="-122"/>
+              </a:defRPr>
+            </a:lvl4pPr>
+            <a:lvl5pPr marL="2057400" indent="-228600">
+              <a:defRPr sz="3200">
+                <a:solidFill>
+                  <a:schemeClr val="tx1"/>
+                </a:solidFill>
+                <a:latin typeface="Arial" panose="020B0604020202020204" pitchFamily="34" charset="0"/>
+                <a:ea typeface="微软雅黑" panose="020B0503020204020204" pitchFamily="34" charset="-122"/>
+              </a:defRPr>
+            </a:lvl5pPr>
+            <a:lvl6pPr marL="2514600" indent="-228600" eaLnBrk="0" fontAlgn="base" hangingPunct="0">
+              <a:spcBef>
+                <a:spcPct val="0"/>
+              </a:spcBef>
+              <a:spcAft>
+                <a:spcPct val="0"/>
+              </a:spcAft>
+              <a:defRPr sz="3200">
+                <a:solidFill>
+                  <a:schemeClr val="tx1"/>
+                </a:solidFill>
+                <a:latin typeface="Arial" panose="020B0604020202020204" pitchFamily="34" charset="0"/>
+                <a:ea typeface="微软雅黑" panose="020B0503020204020204" pitchFamily="34" charset="-122"/>
+              </a:defRPr>
+            </a:lvl6pPr>
+            <a:lvl7pPr marL="2971800" indent="-228600" eaLnBrk="0" fontAlgn="base" hangingPunct="0">
+              <a:spcBef>
+                <a:spcPct val="0"/>
+              </a:spcBef>
+              <a:spcAft>
+                <a:spcPct val="0"/>
+              </a:spcAft>
+              <a:defRPr sz="3200">
+                <a:solidFill>
+                  <a:schemeClr val="tx1"/>
+                </a:solidFill>
+                <a:latin typeface="Arial" panose="020B0604020202020204" pitchFamily="34" charset="0"/>
+                <a:ea typeface="微软雅黑" panose="020B0503020204020204" pitchFamily="34" charset="-122"/>
+              </a:defRPr>
+            </a:lvl7pPr>
+            <a:lvl8pPr marL="3429000" indent="-228600" eaLnBrk="0" fontAlgn="base" hangingPunct="0">
+              <a:spcBef>
+                <a:spcPct val="0"/>
+              </a:spcBef>
+              <a:spcAft>
+                <a:spcPct val="0"/>
+              </a:spcAft>
+              <a:defRPr sz="3200">
+                <a:solidFill>
+                  <a:schemeClr val="tx1"/>
+                </a:solidFill>
+                <a:latin typeface="Arial" panose="020B0604020202020204" pitchFamily="34" charset="0"/>
+                <a:ea typeface="微软雅黑" panose="020B0503020204020204" pitchFamily="34" charset="-122"/>
+              </a:defRPr>
+            </a:lvl8pPr>
+            <a:lvl9pPr marL="3886200" indent="-228600" eaLnBrk="0" fontAlgn="base" hangingPunct="0">
+              <a:spcBef>
+                <a:spcPct val="0"/>
+              </a:spcBef>
+              <a:spcAft>
+                <a:spcPct val="0"/>
+              </a:spcAft>
+              <a:defRPr sz="3200">
+                <a:solidFill>
+                  <a:schemeClr val="tx1"/>
+                </a:solidFill>
+                <a:latin typeface="Arial" panose="020B0604020202020204" pitchFamily="34" charset="0"/>
+                <a:ea typeface="微软雅黑" panose="020B0503020204020204" pitchFamily="34" charset="-122"/>
+              </a:defRPr>
+            </a:lvl9pPr>
+          </a:lstStyle>
+          <a:p>
+            <a:fld id="{B94B757B-0235-4C13-B71B-044FB4BFFF15}" type="slidenum">
+              <a:rPr lang="zh-CN" altLang="zh-CN">
+                <a:ea typeface="宋体" panose="02010600030101010101" pitchFamily="2" charset="-122"/>
+              </a:rPr>
               <a:t>21</a:t>
             </a:fld>
-            <a:endParaRPr lang="zh-CN" altLang="zh-CN"/>
+            <a:endParaRPr lang="zh-CN" altLang="zh-CN">
+              <a:ea typeface="宋体" panose="02010600030101010101" pitchFamily="2" charset="-122"/>
+            </a:endParaRPr>
           </a:p>
         </p:txBody>
       </p:sp>
     </p:spTree>
-    <p:extLst>
-      <p:ext uri="{BB962C8B-B14F-4D97-AF65-F5344CB8AC3E}">
-        <p14:creationId xmlns:p14="http://schemas.microsoft.com/office/powerpoint/2010/main" val="3092771490"/>
-      </p:ext>
-    </p:extLst>
   </p:cSld>
   <p:clrMapOvr>
     <a:masterClrMapping/>
@@ -2378,6 +2381,267 @@
             <a:fld id="{F2CCABD1-AF70-44CD-8C26-4C379059FAC1}" type="slidenum">
               <a:rPr lang="zh-CN" altLang="zh-CN" smtClean="0"/>
               <a:t>22</a:t>
+            </a:fld>
+            <a:endParaRPr lang="zh-CN" altLang="zh-CN"/>
+          </a:p>
+        </p:txBody>
+      </p:sp>
+    </p:spTree>
+    <p:extLst>
+      <p:ext uri="{BB962C8B-B14F-4D97-AF65-F5344CB8AC3E}">
+        <p14:creationId xmlns:p14="http://schemas.microsoft.com/office/powerpoint/2010/main" val="3092771490"/>
+      </p:ext>
+    </p:extLst>
+  </p:cSld>
+  <p:clrMapOvr>
+    <a:masterClrMapping/>
+  </p:clrMapOvr>
+</p:notes>
+</file>
+
+<file path=ppt/notesSlides/notesSlide22.xml><?xml version="1.0" encoding="utf-8"?>
+<p:notes xmlns:a="http://schemas.openxmlformats.org/drawingml/2006/main" xmlns:r="http://schemas.openxmlformats.org/officeDocument/2006/relationships" xmlns:p="http://schemas.openxmlformats.org/presentationml/2006/main">
+  <p:cSld>
+    <p:spTree>
+      <p:nvGrpSpPr>
+        <p:cNvPr id="1" name=""/>
+        <p:cNvGrpSpPr/>
+        <p:nvPr/>
+      </p:nvGrpSpPr>
+      <p:grpSpPr>
+        <a:xfrm>
+          <a:off x="0" y="0"/>
+          <a:ext cx="0" cy="0"/>
+          <a:chOff x="0" y="0"/>
+          <a:chExt cx="0" cy="0"/>
+        </a:xfrm>
+      </p:grpSpPr>
+      <p:sp>
+        <p:nvSpPr>
+          <p:cNvPr id="2" name="幻灯片图像占位符 1"/>
+          <p:cNvSpPr>
+            <a:spLocks noGrp="1" noRot="1" noChangeAspect="1"/>
+          </p:cNvSpPr>
+          <p:nvPr>
+            <p:ph type="sldImg"/>
+          </p:nvPr>
+        </p:nvSpPr>
+        <p:spPr/>
+      </p:sp>
+      <p:sp>
+        <p:nvSpPr>
+          <p:cNvPr id="3" name="备注占位符 2"/>
+          <p:cNvSpPr>
+            <a:spLocks noGrp="1"/>
+          </p:cNvSpPr>
+          <p:nvPr>
+            <p:ph type="body" idx="1"/>
+          </p:nvPr>
+        </p:nvSpPr>
+        <p:spPr/>
+        <p:txBody>
+          <a:bodyPr/>
+          <a:lstStyle/>
+          <a:p>
+            <a:endParaRPr lang="zh-CN" altLang="en-US" dirty="0"/>
+          </a:p>
+        </p:txBody>
+      </p:sp>
+      <p:sp>
+        <p:nvSpPr>
+          <p:cNvPr id="4" name="灯片编号占位符 3"/>
+          <p:cNvSpPr>
+            <a:spLocks noGrp="1"/>
+          </p:cNvSpPr>
+          <p:nvPr>
+            <p:ph type="sldNum" sz="quarter" idx="10"/>
+          </p:nvPr>
+        </p:nvSpPr>
+        <p:spPr/>
+        <p:txBody>
+          <a:bodyPr/>
+          <a:lstStyle/>
+          <a:p>
+            <a:pPr>
+              <a:defRPr/>
+            </a:pPr>
+            <a:fld id="{F2CCABD1-AF70-44CD-8C26-4C379059FAC1}" type="slidenum">
+              <a:rPr lang="zh-CN" altLang="zh-CN" smtClean="0"/>
+              <a:t>23</a:t>
+            </a:fld>
+            <a:endParaRPr lang="zh-CN" altLang="zh-CN"/>
+          </a:p>
+        </p:txBody>
+      </p:sp>
+    </p:spTree>
+    <p:extLst>
+      <p:ext uri="{BB962C8B-B14F-4D97-AF65-F5344CB8AC3E}">
+        <p14:creationId xmlns:p14="http://schemas.microsoft.com/office/powerpoint/2010/main" val="3092771490"/>
+      </p:ext>
+    </p:extLst>
+  </p:cSld>
+  <p:clrMapOvr>
+    <a:masterClrMapping/>
+  </p:clrMapOvr>
+</p:notes>
+</file>
+
+<file path=ppt/notesSlides/notesSlide23.xml><?xml version="1.0" encoding="utf-8"?>
+<p:notes xmlns:a="http://schemas.openxmlformats.org/drawingml/2006/main" xmlns:r="http://schemas.openxmlformats.org/officeDocument/2006/relationships" xmlns:p="http://schemas.openxmlformats.org/presentationml/2006/main">
+  <p:cSld>
+    <p:spTree>
+      <p:nvGrpSpPr>
+        <p:cNvPr id="1" name=""/>
+        <p:cNvGrpSpPr/>
+        <p:nvPr/>
+      </p:nvGrpSpPr>
+      <p:grpSpPr>
+        <a:xfrm>
+          <a:off x="0" y="0"/>
+          <a:ext cx="0" cy="0"/>
+          <a:chOff x="0" y="0"/>
+          <a:chExt cx="0" cy="0"/>
+        </a:xfrm>
+      </p:grpSpPr>
+      <p:sp>
+        <p:nvSpPr>
+          <p:cNvPr id="2" name="幻灯片图像占位符 1"/>
+          <p:cNvSpPr>
+            <a:spLocks noGrp="1" noRot="1" noChangeAspect="1"/>
+          </p:cNvSpPr>
+          <p:nvPr>
+            <p:ph type="sldImg"/>
+          </p:nvPr>
+        </p:nvSpPr>
+        <p:spPr/>
+      </p:sp>
+      <p:sp>
+        <p:nvSpPr>
+          <p:cNvPr id="3" name="备注占位符 2"/>
+          <p:cNvSpPr>
+            <a:spLocks noGrp="1"/>
+          </p:cNvSpPr>
+          <p:nvPr>
+            <p:ph type="body" idx="1"/>
+          </p:nvPr>
+        </p:nvSpPr>
+        <p:spPr/>
+        <p:txBody>
+          <a:bodyPr/>
+          <a:lstStyle/>
+          <a:p>
+            <a:endParaRPr lang="zh-CN" altLang="en-US" dirty="0"/>
+          </a:p>
+        </p:txBody>
+      </p:sp>
+      <p:sp>
+        <p:nvSpPr>
+          <p:cNvPr id="4" name="灯片编号占位符 3"/>
+          <p:cNvSpPr>
+            <a:spLocks noGrp="1"/>
+          </p:cNvSpPr>
+          <p:nvPr>
+            <p:ph type="sldNum" sz="quarter" idx="10"/>
+          </p:nvPr>
+        </p:nvSpPr>
+        <p:spPr/>
+        <p:txBody>
+          <a:bodyPr/>
+          <a:lstStyle/>
+          <a:p>
+            <a:pPr>
+              <a:defRPr/>
+            </a:pPr>
+            <a:fld id="{F2CCABD1-AF70-44CD-8C26-4C379059FAC1}" type="slidenum">
+              <a:rPr lang="zh-CN" altLang="zh-CN" smtClean="0"/>
+              <a:t>24</a:t>
+            </a:fld>
+            <a:endParaRPr lang="zh-CN" altLang="zh-CN"/>
+          </a:p>
+        </p:txBody>
+      </p:sp>
+    </p:spTree>
+    <p:extLst>
+      <p:ext uri="{BB962C8B-B14F-4D97-AF65-F5344CB8AC3E}">
+        <p14:creationId xmlns:p14="http://schemas.microsoft.com/office/powerpoint/2010/main" val="3092771490"/>
+      </p:ext>
+    </p:extLst>
+  </p:cSld>
+  <p:clrMapOvr>
+    <a:masterClrMapping/>
+  </p:clrMapOvr>
+</p:notes>
+</file>
+
+<file path=ppt/notesSlides/notesSlide24.xml><?xml version="1.0" encoding="utf-8"?>
+<p:notes xmlns:a="http://schemas.openxmlformats.org/drawingml/2006/main" xmlns:r="http://schemas.openxmlformats.org/officeDocument/2006/relationships" xmlns:p="http://schemas.openxmlformats.org/presentationml/2006/main">
+  <p:cSld>
+    <p:spTree>
+      <p:nvGrpSpPr>
+        <p:cNvPr id="1" name=""/>
+        <p:cNvGrpSpPr/>
+        <p:nvPr/>
+      </p:nvGrpSpPr>
+      <p:grpSpPr>
+        <a:xfrm>
+          <a:off x="0" y="0"/>
+          <a:ext cx="0" cy="0"/>
+          <a:chOff x="0" y="0"/>
+          <a:chExt cx="0" cy="0"/>
+        </a:xfrm>
+      </p:grpSpPr>
+      <p:sp>
+        <p:nvSpPr>
+          <p:cNvPr id="2" name="幻灯片图像占位符 1"/>
+          <p:cNvSpPr>
+            <a:spLocks noGrp="1" noRot="1" noChangeAspect="1"/>
+          </p:cNvSpPr>
+          <p:nvPr>
+            <p:ph type="sldImg"/>
+          </p:nvPr>
+        </p:nvSpPr>
+        <p:spPr/>
+      </p:sp>
+      <p:sp>
+        <p:nvSpPr>
+          <p:cNvPr id="3" name="备注占位符 2"/>
+          <p:cNvSpPr>
+            <a:spLocks noGrp="1"/>
+          </p:cNvSpPr>
+          <p:nvPr>
+            <p:ph type="body" idx="1"/>
+          </p:nvPr>
+        </p:nvSpPr>
+        <p:spPr/>
+        <p:txBody>
+          <a:bodyPr/>
+          <a:lstStyle/>
+          <a:p>
+            <a:endParaRPr lang="zh-CN" altLang="en-US" dirty="0"/>
+          </a:p>
+        </p:txBody>
+      </p:sp>
+      <p:sp>
+        <p:nvSpPr>
+          <p:cNvPr id="4" name="灯片编号占位符 3"/>
+          <p:cNvSpPr>
+            <a:spLocks noGrp="1"/>
+          </p:cNvSpPr>
+          <p:nvPr>
+            <p:ph type="sldNum" sz="quarter" idx="10"/>
+          </p:nvPr>
+        </p:nvSpPr>
+        <p:spPr/>
+        <p:txBody>
+          <a:bodyPr/>
+          <a:lstStyle/>
+          <a:p>
+            <a:pPr>
+              <a:defRPr/>
+            </a:pPr>
+            <a:fld id="{F2CCABD1-AF70-44CD-8C26-4C379059FAC1}" type="slidenum">
+              <a:rPr lang="zh-CN" altLang="zh-CN" smtClean="0"/>
+              <a:t>25</a:t>
             </a:fld>
             <a:endParaRPr lang="zh-CN" altLang="zh-CN"/>
           </a:p>
@@ -5443,7 +5707,648 @@
   <p:timing>
     <p:tnLst>
       <p:par>
-        <p:cTn id="1" dur="indefinite" restart="never" nodeType="tmRoot"/>
+        <p:cTn id="1" dur="indefinite" restart="never" nodeType="tmRoot">
+          <p:childTnLst>
+            <p:seq concurrent="1" nextAc="seek">
+              <p:cTn id="2" dur="indefinite" nodeType="mainSeq">
+                <p:childTnLst>
+                  <p:par>
+                    <p:cTn id="3" fill="hold">
+                      <p:stCondLst>
+                        <p:cond delay="indefinite"/>
+                      </p:stCondLst>
+                      <p:childTnLst>
+                        <p:par>
+                          <p:cTn id="4" fill="hold">
+                            <p:stCondLst>
+                              <p:cond delay="0"/>
+                            </p:stCondLst>
+                            <p:childTnLst>
+                              <p:par>
+                                <p:cTn id="5" presetID="42" presetClass="entr" presetSubtype="0" fill="hold" nodeType="clickEffect">
+                                  <p:stCondLst>
+                                    <p:cond delay="0"/>
+                                  </p:stCondLst>
+                                  <p:childTnLst>
+                                    <p:set>
+                                      <p:cBhvr>
+                                        <p:cTn id="6" dur="1" fill="hold">
+                                          <p:stCondLst>
+                                            <p:cond delay="0"/>
+                                          </p:stCondLst>
+                                        </p:cTn>
+                                        <p:tgtEl>
+                                          <p:spTgt spid="30722">
+                                            <p:txEl>
+                                              <p:pRg st="1" end="1"/>
+                                            </p:txEl>
+                                          </p:spTgt>
+                                        </p:tgtEl>
+                                        <p:attrNameLst>
+                                          <p:attrName>style.visibility</p:attrName>
+                                        </p:attrNameLst>
+                                      </p:cBhvr>
+                                      <p:to>
+                                        <p:strVal val="visible"/>
+                                      </p:to>
+                                    </p:set>
+                                    <p:animEffect transition="in" filter="fade">
+                                      <p:cBhvr>
+                                        <p:cTn id="7" dur="1000"/>
+                                        <p:tgtEl>
+                                          <p:spTgt spid="30722">
+                                            <p:txEl>
+                                              <p:pRg st="1" end="1"/>
+                                            </p:txEl>
+                                          </p:spTgt>
+                                        </p:tgtEl>
+                                      </p:cBhvr>
+                                    </p:animEffect>
+                                    <p:anim calcmode="lin" valueType="num">
+                                      <p:cBhvr>
+                                        <p:cTn id="8" dur="1000" fill="hold"/>
+                                        <p:tgtEl>
+                                          <p:spTgt spid="30722">
+                                            <p:txEl>
+                                              <p:pRg st="1" end="1"/>
+                                            </p:txEl>
+                                          </p:spTgt>
+                                        </p:tgtEl>
+                                        <p:attrNameLst>
+                                          <p:attrName>ppt_x</p:attrName>
+                                        </p:attrNameLst>
+                                      </p:cBhvr>
+                                      <p:tavLst>
+                                        <p:tav tm="0">
+                                          <p:val>
+                                            <p:strVal val="#ppt_x"/>
+                                          </p:val>
+                                        </p:tav>
+                                        <p:tav tm="100000">
+                                          <p:val>
+                                            <p:strVal val="#ppt_x"/>
+                                          </p:val>
+                                        </p:tav>
+                                      </p:tavLst>
+                                    </p:anim>
+                                    <p:anim calcmode="lin" valueType="num">
+                                      <p:cBhvr>
+                                        <p:cTn id="9" dur="1000" fill="hold"/>
+                                        <p:tgtEl>
+                                          <p:spTgt spid="30722">
+                                            <p:txEl>
+                                              <p:pRg st="1" end="1"/>
+                                            </p:txEl>
+                                          </p:spTgt>
+                                        </p:tgtEl>
+                                        <p:attrNameLst>
+                                          <p:attrName>ppt_y</p:attrName>
+                                        </p:attrNameLst>
+                                      </p:cBhvr>
+                                      <p:tavLst>
+                                        <p:tav tm="0">
+                                          <p:val>
+                                            <p:strVal val="#ppt_y+.1"/>
+                                          </p:val>
+                                        </p:tav>
+                                        <p:tav tm="100000">
+                                          <p:val>
+                                            <p:strVal val="#ppt_y"/>
+                                          </p:val>
+                                        </p:tav>
+                                      </p:tavLst>
+                                    </p:anim>
+                                  </p:childTnLst>
+                                </p:cTn>
+                              </p:par>
+                              <p:par>
+                                <p:cTn id="10" presetID="42" presetClass="entr" presetSubtype="0" fill="hold" nodeType="withEffect">
+                                  <p:stCondLst>
+                                    <p:cond delay="0"/>
+                                  </p:stCondLst>
+                                  <p:childTnLst>
+                                    <p:set>
+                                      <p:cBhvr>
+                                        <p:cTn id="11" dur="1" fill="hold">
+                                          <p:stCondLst>
+                                            <p:cond delay="0"/>
+                                          </p:stCondLst>
+                                        </p:cTn>
+                                        <p:tgtEl>
+                                          <p:spTgt spid="30722">
+                                            <p:txEl>
+                                              <p:pRg st="2" end="2"/>
+                                            </p:txEl>
+                                          </p:spTgt>
+                                        </p:tgtEl>
+                                        <p:attrNameLst>
+                                          <p:attrName>style.visibility</p:attrName>
+                                        </p:attrNameLst>
+                                      </p:cBhvr>
+                                      <p:to>
+                                        <p:strVal val="visible"/>
+                                      </p:to>
+                                    </p:set>
+                                    <p:animEffect transition="in" filter="fade">
+                                      <p:cBhvr>
+                                        <p:cTn id="12" dur="1000"/>
+                                        <p:tgtEl>
+                                          <p:spTgt spid="30722">
+                                            <p:txEl>
+                                              <p:pRg st="2" end="2"/>
+                                            </p:txEl>
+                                          </p:spTgt>
+                                        </p:tgtEl>
+                                      </p:cBhvr>
+                                    </p:animEffect>
+                                    <p:anim calcmode="lin" valueType="num">
+                                      <p:cBhvr>
+                                        <p:cTn id="13" dur="1000" fill="hold"/>
+                                        <p:tgtEl>
+                                          <p:spTgt spid="30722">
+                                            <p:txEl>
+                                              <p:pRg st="2" end="2"/>
+                                            </p:txEl>
+                                          </p:spTgt>
+                                        </p:tgtEl>
+                                        <p:attrNameLst>
+                                          <p:attrName>ppt_x</p:attrName>
+                                        </p:attrNameLst>
+                                      </p:cBhvr>
+                                      <p:tavLst>
+                                        <p:tav tm="0">
+                                          <p:val>
+                                            <p:strVal val="#ppt_x"/>
+                                          </p:val>
+                                        </p:tav>
+                                        <p:tav tm="100000">
+                                          <p:val>
+                                            <p:strVal val="#ppt_x"/>
+                                          </p:val>
+                                        </p:tav>
+                                      </p:tavLst>
+                                    </p:anim>
+                                    <p:anim calcmode="lin" valueType="num">
+                                      <p:cBhvr>
+                                        <p:cTn id="14" dur="1000" fill="hold"/>
+                                        <p:tgtEl>
+                                          <p:spTgt spid="30722">
+                                            <p:txEl>
+                                              <p:pRg st="2" end="2"/>
+                                            </p:txEl>
+                                          </p:spTgt>
+                                        </p:tgtEl>
+                                        <p:attrNameLst>
+                                          <p:attrName>ppt_y</p:attrName>
+                                        </p:attrNameLst>
+                                      </p:cBhvr>
+                                      <p:tavLst>
+                                        <p:tav tm="0">
+                                          <p:val>
+                                            <p:strVal val="#ppt_y+.1"/>
+                                          </p:val>
+                                        </p:tav>
+                                        <p:tav tm="100000">
+                                          <p:val>
+                                            <p:strVal val="#ppt_y"/>
+                                          </p:val>
+                                        </p:tav>
+                                      </p:tavLst>
+                                    </p:anim>
+                                  </p:childTnLst>
+                                </p:cTn>
+                              </p:par>
+                              <p:par>
+                                <p:cTn id="15" presetID="42" presetClass="entr" presetSubtype="0" fill="hold" nodeType="withEffect">
+                                  <p:stCondLst>
+                                    <p:cond delay="0"/>
+                                  </p:stCondLst>
+                                  <p:childTnLst>
+                                    <p:set>
+                                      <p:cBhvr>
+                                        <p:cTn id="16" dur="1" fill="hold">
+                                          <p:stCondLst>
+                                            <p:cond delay="0"/>
+                                          </p:stCondLst>
+                                        </p:cTn>
+                                        <p:tgtEl>
+                                          <p:spTgt spid="30722">
+                                            <p:txEl>
+                                              <p:pRg st="3" end="3"/>
+                                            </p:txEl>
+                                          </p:spTgt>
+                                        </p:tgtEl>
+                                        <p:attrNameLst>
+                                          <p:attrName>style.visibility</p:attrName>
+                                        </p:attrNameLst>
+                                      </p:cBhvr>
+                                      <p:to>
+                                        <p:strVal val="visible"/>
+                                      </p:to>
+                                    </p:set>
+                                    <p:animEffect transition="in" filter="fade">
+                                      <p:cBhvr>
+                                        <p:cTn id="17" dur="1000"/>
+                                        <p:tgtEl>
+                                          <p:spTgt spid="30722">
+                                            <p:txEl>
+                                              <p:pRg st="3" end="3"/>
+                                            </p:txEl>
+                                          </p:spTgt>
+                                        </p:tgtEl>
+                                      </p:cBhvr>
+                                    </p:animEffect>
+                                    <p:anim calcmode="lin" valueType="num">
+                                      <p:cBhvr>
+                                        <p:cTn id="18" dur="1000" fill="hold"/>
+                                        <p:tgtEl>
+                                          <p:spTgt spid="30722">
+                                            <p:txEl>
+                                              <p:pRg st="3" end="3"/>
+                                            </p:txEl>
+                                          </p:spTgt>
+                                        </p:tgtEl>
+                                        <p:attrNameLst>
+                                          <p:attrName>ppt_x</p:attrName>
+                                        </p:attrNameLst>
+                                      </p:cBhvr>
+                                      <p:tavLst>
+                                        <p:tav tm="0">
+                                          <p:val>
+                                            <p:strVal val="#ppt_x"/>
+                                          </p:val>
+                                        </p:tav>
+                                        <p:tav tm="100000">
+                                          <p:val>
+                                            <p:strVal val="#ppt_x"/>
+                                          </p:val>
+                                        </p:tav>
+                                      </p:tavLst>
+                                    </p:anim>
+                                    <p:anim calcmode="lin" valueType="num">
+                                      <p:cBhvr>
+                                        <p:cTn id="19" dur="1000" fill="hold"/>
+                                        <p:tgtEl>
+                                          <p:spTgt spid="30722">
+                                            <p:txEl>
+                                              <p:pRg st="3" end="3"/>
+                                            </p:txEl>
+                                          </p:spTgt>
+                                        </p:tgtEl>
+                                        <p:attrNameLst>
+                                          <p:attrName>ppt_y</p:attrName>
+                                        </p:attrNameLst>
+                                      </p:cBhvr>
+                                      <p:tavLst>
+                                        <p:tav tm="0">
+                                          <p:val>
+                                            <p:strVal val="#ppt_y+.1"/>
+                                          </p:val>
+                                        </p:tav>
+                                        <p:tav tm="100000">
+                                          <p:val>
+                                            <p:strVal val="#ppt_y"/>
+                                          </p:val>
+                                        </p:tav>
+                                      </p:tavLst>
+                                    </p:anim>
+                                  </p:childTnLst>
+                                </p:cTn>
+                              </p:par>
+                            </p:childTnLst>
+                          </p:cTn>
+                        </p:par>
+                      </p:childTnLst>
+                    </p:cTn>
+                  </p:par>
+                  <p:par>
+                    <p:cTn id="20" fill="hold">
+                      <p:stCondLst>
+                        <p:cond delay="indefinite"/>
+                      </p:stCondLst>
+                      <p:childTnLst>
+                        <p:par>
+                          <p:cTn id="21" fill="hold">
+                            <p:stCondLst>
+                              <p:cond delay="0"/>
+                            </p:stCondLst>
+                            <p:childTnLst>
+                              <p:par>
+                                <p:cTn id="22" presetID="42" presetClass="entr" presetSubtype="0" fill="hold" nodeType="clickEffect">
+                                  <p:stCondLst>
+                                    <p:cond delay="0"/>
+                                  </p:stCondLst>
+                                  <p:childTnLst>
+                                    <p:set>
+                                      <p:cBhvr>
+                                        <p:cTn id="23" dur="1" fill="hold">
+                                          <p:stCondLst>
+                                            <p:cond delay="0"/>
+                                          </p:stCondLst>
+                                        </p:cTn>
+                                        <p:tgtEl>
+                                          <p:spTgt spid="30722">
+                                            <p:txEl>
+                                              <p:pRg st="4" end="4"/>
+                                            </p:txEl>
+                                          </p:spTgt>
+                                        </p:tgtEl>
+                                        <p:attrNameLst>
+                                          <p:attrName>style.visibility</p:attrName>
+                                        </p:attrNameLst>
+                                      </p:cBhvr>
+                                      <p:to>
+                                        <p:strVal val="visible"/>
+                                      </p:to>
+                                    </p:set>
+                                    <p:animEffect transition="in" filter="fade">
+                                      <p:cBhvr>
+                                        <p:cTn id="24" dur="1000"/>
+                                        <p:tgtEl>
+                                          <p:spTgt spid="30722">
+                                            <p:txEl>
+                                              <p:pRg st="4" end="4"/>
+                                            </p:txEl>
+                                          </p:spTgt>
+                                        </p:tgtEl>
+                                      </p:cBhvr>
+                                    </p:animEffect>
+                                    <p:anim calcmode="lin" valueType="num">
+                                      <p:cBhvr>
+                                        <p:cTn id="25" dur="1000" fill="hold"/>
+                                        <p:tgtEl>
+                                          <p:spTgt spid="30722">
+                                            <p:txEl>
+                                              <p:pRg st="4" end="4"/>
+                                            </p:txEl>
+                                          </p:spTgt>
+                                        </p:tgtEl>
+                                        <p:attrNameLst>
+                                          <p:attrName>ppt_x</p:attrName>
+                                        </p:attrNameLst>
+                                      </p:cBhvr>
+                                      <p:tavLst>
+                                        <p:tav tm="0">
+                                          <p:val>
+                                            <p:strVal val="#ppt_x"/>
+                                          </p:val>
+                                        </p:tav>
+                                        <p:tav tm="100000">
+                                          <p:val>
+                                            <p:strVal val="#ppt_x"/>
+                                          </p:val>
+                                        </p:tav>
+                                      </p:tavLst>
+                                    </p:anim>
+                                    <p:anim calcmode="lin" valueType="num">
+                                      <p:cBhvr>
+                                        <p:cTn id="26" dur="1000" fill="hold"/>
+                                        <p:tgtEl>
+                                          <p:spTgt spid="30722">
+                                            <p:txEl>
+                                              <p:pRg st="4" end="4"/>
+                                            </p:txEl>
+                                          </p:spTgt>
+                                        </p:tgtEl>
+                                        <p:attrNameLst>
+                                          <p:attrName>ppt_y</p:attrName>
+                                        </p:attrNameLst>
+                                      </p:cBhvr>
+                                      <p:tavLst>
+                                        <p:tav tm="0">
+                                          <p:val>
+                                            <p:strVal val="#ppt_y+.1"/>
+                                          </p:val>
+                                        </p:tav>
+                                        <p:tav tm="100000">
+                                          <p:val>
+                                            <p:strVal val="#ppt_y"/>
+                                          </p:val>
+                                        </p:tav>
+                                      </p:tavLst>
+                                    </p:anim>
+                                  </p:childTnLst>
+                                </p:cTn>
+                              </p:par>
+                              <p:par>
+                                <p:cTn id="27" presetID="42" presetClass="entr" presetSubtype="0" fill="hold" nodeType="withEffect">
+                                  <p:stCondLst>
+                                    <p:cond delay="0"/>
+                                  </p:stCondLst>
+                                  <p:childTnLst>
+                                    <p:set>
+                                      <p:cBhvr>
+                                        <p:cTn id="28" dur="1" fill="hold">
+                                          <p:stCondLst>
+                                            <p:cond delay="0"/>
+                                          </p:stCondLst>
+                                        </p:cTn>
+                                        <p:tgtEl>
+                                          <p:spTgt spid="30722">
+                                            <p:txEl>
+                                              <p:pRg st="5" end="5"/>
+                                            </p:txEl>
+                                          </p:spTgt>
+                                        </p:tgtEl>
+                                        <p:attrNameLst>
+                                          <p:attrName>style.visibility</p:attrName>
+                                        </p:attrNameLst>
+                                      </p:cBhvr>
+                                      <p:to>
+                                        <p:strVal val="visible"/>
+                                      </p:to>
+                                    </p:set>
+                                    <p:animEffect transition="in" filter="fade">
+                                      <p:cBhvr>
+                                        <p:cTn id="29" dur="1000"/>
+                                        <p:tgtEl>
+                                          <p:spTgt spid="30722">
+                                            <p:txEl>
+                                              <p:pRg st="5" end="5"/>
+                                            </p:txEl>
+                                          </p:spTgt>
+                                        </p:tgtEl>
+                                      </p:cBhvr>
+                                    </p:animEffect>
+                                    <p:anim calcmode="lin" valueType="num">
+                                      <p:cBhvr>
+                                        <p:cTn id="30" dur="1000" fill="hold"/>
+                                        <p:tgtEl>
+                                          <p:spTgt spid="30722">
+                                            <p:txEl>
+                                              <p:pRg st="5" end="5"/>
+                                            </p:txEl>
+                                          </p:spTgt>
+                                        </p:tgtEl>
+                                        <p:attrNameLst>
+                                          <p:attrName>ppt_x</p:attrName>
+                                        </p:attrNameLst>
+                                      </p:cBhvr>
+                                      <p:tavLst>
+                                        <p:tav tm="0">
+                                          <p:val>
+                                            <p:strVal val="#ppt_x"/>
+                                          </p:val>
+                                        </p:tav>
+                                        <p:tav tm="100000">
+                                          <p:val>
+                                            <p:strVal val="#ppt_x"/>
+                                          </p:val>
+                                        </p:tav>
+                                      </p:tavLst>
+                                    </p:anim>
+                                    <p:anim calcmode="lin" valueType="num">
+                                      <p:cBhvr>
+                                        <p:cTn id="31" dur="1000" fill="hold"/>
+                                        <p:tgtEl>
+                                          <p:spTgt spid="30722">
+                                            <p:txEl>
+                                              <p:pRg st="5" end="5"/>
+                                            </p:txEl>
+                                          </p:spTgt>
+                                        </p:tgtEl>
+                                        <p:attrNameLst>
+                                          <p:attrName>ppt_y</p:attrName>
+                                        </p:attrNameLst>
+                                      </p:cBhvr>
+                                      <p:tavLst>
+                                        <p:tav tm="0">
+                                          <p:val>
+                                            <p:strVal val="#ppt_y+.1"/>
+                                          </p:val>
+                                        </p:tav>
+                                        <p:tav tm="100000">
+                                          <p:val>
+                                            <p:strVal val="#ppt_y"/>
+                                          </p:val>
+                                        </p:tav>
+                                      </p:tavLst>
+                                    </p:anim>
+                                  </p:childTnLst>
+                                </p:cTn>
+                              </p:par>
+                              <p:par>
+                                <p:cTn id="32" presetID="42" presetClass="entr" presetSubtype="0" fill="hold" nodeType="withEffect">
+                                  <p:stCondLst>
+                                    <p:cond delay="0"/>
+                                  </p:stCondLst>
+                                  <p:childTnLst>
+                                    <p:set>
+                                      <p:cBhvr>
+                                        <p:cTn id="33" dur="1" fill="hold">
+                                          <p:stCondLst>
+                                            <p:cond delay="0"/>
+                                          </p:stCondLst>
+                                        </p:cTn>
+                                        <p:tgtEl>
+                                          <p:spTgt spid="30722">
+                                            <p:txEl>
+                                              <p:pRg st="6" end="6"/>
+                                            </p:txEl>
+                                          </p:spTgt>
+                                        </p:tgtEl>
+                                        <p:attrNameLst>
+                                          <p:attrName>style.visibility</p:attrName>
+                                        </p:attrNameLst>
+                                      </p:cBhvr>
+                                      <p:to>
+                                        <p:strVal val="visible"/>
+                                      </p:to>
+                                    </p:set>
+                                    <p:animEffect transition="in" filter="fade">
+                                      <p:cBhvr>
+                                        <p:cTn id="34" dur="1000"/>
+                                        <p:tgtEl>
+                                          <p:spTgt spid="30722">
+                                            <p:txEl>
+                                              <p:pRg st="6" end="6"/>
+                                            </p:txEl>
+                                          </p:spTgt>
+                                        </p:tgtEl>
+                                      </p:cBhvr>
+                                    </p:animEffect>
+                                    <p:anim calcmode="lin" valueType="num">
+                                      <p:cBhvr>
+                                        <p:cTn id="35" dur="1000" fill="hold"/>
+                                        <p:tgtEl>
+                                          <p:spTgt spid="30722">
+                                            <p:txEl>
+                                              <p:pRg st="6" end="6"/>
+                                            </p:txEl>
+                                          </p:spTgt>
+                                        </p:tgtEl>
+                                        <p:attrNameLst>
+                                          <p:attrName>ppt_x</p:attrName>
+                                        </p:attrNameLst>
+                                      </p:cBhvr>
+                                      <p:tavLst>
+                                        <p:tav tm="0">
+                                          <p:val>
+                                            <p:strVal val="#ppt_x"/>
+                                          </p:val>
+                                        </p:tav>
+                                        <p:tav tm="100000">
+                                          <p:val>
+                                            <p:strVal val="#ppt_x"/>
+                                          </p:val>
+                                        </p:tav>
+                                      </p:tavLst>
+                                    </p:anim>
+                                    <p:anim calcmode="lin" valueType="num">
+                                      <p:cBhvr>
+                                        <p:cTn id="36" dur="1000" fill="hold"/>
+                                        <p:tgtEl>
+                                          <p:spTgt spid="30722">
+                                            <p:txEl>
+                                              <p:pRg st="6" end="6"/>
+                                            </p:txEl>
+                                          </p:spTgt>
+                                        </p:tgtEl>
+                                        <p:attrNameLst>
+                                          <p:attrName>ppt_y</p:attrName>
+                                        </p:attrNameLst>
+                                      </p:cBhvr>
+                                      <p:tavLst>
+                                        <p:tav tm="0">
+                                          <p:val>
+                                            <p:strVal val="#ppt_y+.1"/>
+                                          </p:val>
+                                        </p:tav>
+                                        <p:tav tm="100000">
+                                          <p:val>
+                                            <p:strVal val="#ppt_y"/>
+                                          </p:val>
+                                        </p:tav>
+                                      </p:tavLst>
+                                    </p:anim>
+                                  </p:childTnLst>
+                                </p:cTn>
+                              </p:par>
+                            </p:childTnLst>
+                          </p:cTn>
+                        </p:par>
+                      </p:childTnLst>
+                    </p:cTn>
+                  </p:par>
+                </p:childTnLst>
+              </p:cTn>
+              <p:prevCondLst>
+                <p:cond evt="onPrev" delay="0">
+                  <p:tgtEl>
+                    <p:sldTgt/>
+                  </p:tgtEl>
+                </p:cond>
+              </p:prevCondLst>
+              <p:nextCondLst>
+                <p:cond evt="onNext" delay="0">
+                  <p:tgtEl>
+                    <p:sldTgt/>
+                  </p:tgtEl>
+                </p:cond>
+              </p:nextCondLst>
+            </p:seq>
+          </p:childTnLst>
+        </p:cTn>
       </p:par>
     </p:tnLst>
   </p:timing>
@@ -5843,6 +6748,35 @@
               <a:t>); </a:t>
             </a:r>
             <a:endParaRPr lang="en-US" altLang="zh-CN" sz="2400" dirty="0"/>
+          </a:p>
+        </p:txBody>
+      </p:sp>
+      <p:sp>
+        <p:nvSpPr>
+          <p:cNvPr id="5" name="矩形 4"/>
+          <p:cNvSpPr/>
+          <p:nvPr/>
+        </p:nvSpPr>
+        <p:spPr>
+          <a:xfrm>
+            <a:off x="10201881" y="5724591"/>
+            <a:ext cx="1368627" cy="461665"/>
+          </a:xfrm>
+          <a:prstGeom prst="rect">
+            <a:avLst/>
+          </a:prstGeom>
+        </p:spPr>
+        <p:txBody>
+          <a:bodyPr wrap="square">
+            <a:spAutoFit/>
+          </a:bodyPr>
+          <a:lstStyle/>
+          <a:p>
+            <a:r>
+              <a:rPr lang="en-US" altLang="zh-CN" sz="2400" dirty="0" smtClean="0"/>
+              <a:t>demo04</a:t>
+            </a:r>
+            <a:endParaRPr lang="zh-CN" altLang="en-US" sz="2400" dirty="0"/>
           </a:p>
         </p:txBody>
       </p:sp>
@@ -6832,6 +7766,35 @@
           </a:p>
         </p:txBody>
       </p:sp>
+      <p:sp>
+        <p:nvSpPr>
+          <p:cNvPr id="5" name="矩形 4"/>
+          <p:cNvSpPr/>
+          <p:nvPr/>
+        </p:nvSpPr>
+        <p:spPr>
+          <a:xfrm>
+            <a:off x="10201881" y="5724591"/>
+            <a:ext cx="1368627" cy="461665"/>
+          </a:xfrm>
+          <a:prstGeom prst="rect">
+            <a:avLst/>
+          </a:prstGeom>
+        </p:spPr>
+        <p:txBody>
+          <a:bodyPr wrap="square">
+            <a:spAutoFit/>
+          </a:bodyPr>
+          <a:lstStyle/>
+          <a:p>
+            <a:r>
+              <a:rPr lang="en-US" altLang="zh-CN" sz="2400" dirty="0" smtClean="0"/>
+              <a:t>demo05</a:t>
+            </a:r>
+            <a:endParaRPr lang="zh-CN" altLang="en-US" sz="2400" dirty="0"/>
+          </a:p>
+        </p:txBody>
+      </p:sp>
     </p:spTree>
     <p:extLst>
       <p:ext uri="{BB962C8B-B14F-4D97-AF65-F5344CB8AC3E}">
@@ -6972,131 +7935,7 @@
           <a:lstStyle/>
           <a:p>
             <a:pPr marL="360045"/>
-            <a:r>
-              <a:rPr lang="en-US" altLang="zh-CN" dirty="0"/>
-              <a:t> </a:t>
-            </a:r>
-            <a:r>
-              <a:rPr lang="zh-CN" altLang="en-US" dirty="0" smtClean="0"/>
-              <a:t>组件生命周期（</a:t>
-            </a:r>
-            <a:r>
-              <a:rPr lang="zh-CN" altLang="en-US" dirty="0"/>
-              <a:t>挂载、更新、卸载、</a:t>
-            </a:r>
-            <a:r>
-              <a:rPr lang="zh-CN" altLang="en-US" dirty="0" smtClean="0"/>
-              <a:t>错误）</a:t>
-            </a:r>
             <a:endParaRPr lang="en-US" altLang="zh-CN" dirty="0" smtClean="0"/>
-          </a:p>
-          <a:p>
-            <a:pPr marL="360045"/>
-            <a:r>
-              <a:rPr lang="zh-CN" altLang="en-US" dirty="0" smtClean="0"/>
-              <a:t> 挂载</a:t>
-            </a:r>
-            <a:endParaRPr lang="en-US" altLang="zh-CN" dirty="0" smtClean="0"/>
-          </a:p>
-          <a:p>
-            <a:pPr marL="591820" lvl="1"/>
-            <a:r>
-              <a:rPr lang="en-US" altLang="zh-CN" dirty="0"/>
-              <a:t> </a:t>
-            </a:r>
-            <a:r>
-              <a:rPr lang="en-US" altLang="zh-CN" dirty="0" smtClean="0"/>
-              <a:t>constructor( )</a:t>
-            </a:r>
-            <a:r>
-              <a:rPr lang="zh-CN" altLang="en-US" dirty="0" smtClean="0"/>
-              <a:t> </a:t>
-            </a:r>
-            <a:endParaRPr lang="en-US" altLang="zh-CN" dirty="0" smtClean="0"/>
-          </a:p>
-          <a:p>
-            <a:pPr marL="591820" lvl="1"/>
-            <a:r>
-              <a:rPr lang="en-US" altLang="zh-CN" dirty="0"/>
-              <a:t> static </a:t>
-            </a:r>
-            <a:r>
-              <a:rPr lang="en-US" altLang="zh-CN" dirty="0" err="1"/>
-              <a:t>getDerivedStateFromProps</a:t>
-            </a:r>
-            <a:r>
-              <a:rPr lang="en-US" altLang="zh-CN" dirty="0" smtClean="0"/>
-              <a:t>( )</a:t>
-            </a:r>
-          </a:p>
-          <a:p>
-            <a:pPr marL="591820" lvl="1"/>
-            <a:r>
-              <a:rPr lang="en-US" altLang="zh-CN" dirty="0" smtClean="0">
-                <a:latin typeface="+mj-ea"/>
-                <a:ea typeface="+mj-ea"/>
-              </a:rPr>
-              <a:t> </a:t>
-            </a:r>
-            <a:r>
-              <a:rPr lang="en-US" altLang="zh-CN" dirty="0" err="1">
-                <a:latin typeface="+mj-ea"/>
-                <a:ea typeface="+mj-ea"/>
-              </a:rPr>
-              <a:t>componentWillMount</a:t>
-            </a:r>
-            <a:r>
-              <a:rPr lang="en-US" altLang="zh-CN" dirty="0" smtClean="0">
-                <a:latin typeface="+mj-ea"/>
-                <a:ea typeface="+mj-ea"/>
-              </a:rPr>
-              <a:t>( )</a:t>
-            </a:r>
-          </a:p>
-          <a:p>
-            <a:pPr marL="591820" lvl="1"/>
-            <a:r>
-              <a:rPr lang="en-US" altLang="zh-CN" dirty="0">
-                <a:latin typeface="+mj-ea"/>
-                <a:ea typeface="+mj-ea"/>
-              </a:rPr>
-              <a:t> render</a:t>
-            </a:r>
-            <a:r>
-              <a:rPr lang="en-US" altLang="zh-CN" dirty="0" smtClean="0">
-                <a:latin typeface="+mj-ea"/>
-                <a:ea typeface="+mj-ea"/>
-              </a:rPr>
-              <a:t>( )</a:t>
-            </a:r>
-          </a:p>
-          <a:p>
-            <a:pPr marL="591820" lvl="1"/>
-            <a:r>
-              <a:rPr lang="en-US" altLang="zh-CN" dirty="0">
-                <a:latin typeface="+mj-ea"/>
-                <a:ea typeface="+mj-ea"/>
-              </a:rPr>
-              <a:t> </a:t>
-            </a:r>
-            <a:r>
-              <a:rPr lang="en-US" altLang="zh-CN" dirty="0" err="1">
-                <a:latin typeface="+mj-ea"/>
-                <a:ea typeface="+mj-ea"/>
-              </a:rPr>
-              <a:t>componentDidMount</a:t>
-            </a:r>
-            <a:r>
-              <a:rPr lang="en-US" altLang="zh-CN" dirty="0" smtClean="0">
-                <a:latin typeface="+mj-ea"/>
-                <a:ea typeface="+mj-ea"/>
-              </a:rPr>
-              <a:t>( )</a:t>
-            </a:r>
-            <a:endParaRPr lang="zh-CN" altLang="en-US" dirty="0" smtClean="0">
-              <a:latin typeface="+mj-ea"/>
-              <a:ea typeface="+mj-ea"/>
-            </a:endParaRPr>
           </a:p>
         </p:txBody>
       </p:sp>
@@ -7143,23 +7982,60 @@
               <a:defRPr/>
             </a:pPr>
             <a:r>
-              <a:rPr lang="zh-CN" altLang="en-US" dirty="0">
+              <a:rPr lang="zh-CN" altLang="en-US" dirty="0" smtClean="0">
                 <a:latin typeface="+mn-ea"/>
                 <a:ea typeface="+mn-ea"/>
               </a:rPr>
-              <a:t>组件</a:t>
-            </a:r>
-            <a:endParaRPr lang="zh-CN" altLang="en-US" dirty="0" smtClean="0">
-              <a:latin typeface="+mn-ea"/>
-              <a:ea typeface="+mn-ea"/>
-            </a:endParaRPr>
+              <a:t>组件生命周期</a:t>
+            </a:r>
           </a:p>
         </p:txBody>
       </p:sp>
+      <p:pic>
+        <p:nvPicPr>
+          <p:cNvPr id="1026" name="Picture 2" descr="C:\Users\小黑E550\Desktop\react\react\reactjs\ppt\生命周期.png"/>
+          <p:cNvPicPr>
+            <a:picLocks noChangeAspect="1" noChangeArrowheads="1"/>
+          </p:cNvPicPr>
+          <p:nvPr/>
+        </p:nvPicPr>
+        <p:blipFill>
+          <a:blip r:embed="rId3">
+            <a:extLst>
+              <a:ext uri="{28A0092B-C50C-407E-A947-70E740481C1C}">
+                <a14:useLocalDpi xmlns:a14="http://schemas.microsoft.com/office/drawing/2010/main" val="0"/>
+              </a:ext>
+            </a:extLst>
+          </a:blip>
+          <a:srcRect/>
+          <a:stretch>
+            <a:fillRect/>
+          </a:stretch>
+        </p:blipFill>
+        <p:spPr bwMode="auto">
+          <a:xfrm>
+            <a:off x="837591" y="1019383"/>
+            <a:ext cx="7347366" cy="4930772"/>
+          </a:xfrm>
+          <a:prstGeom prst="rect">
+            <a:avLst/>
+          </a:prstGeom>
+          <a:noFill/>
+          <a:extLst>
+            <a:ext uri="{909E8E84-426E-40DD-AFC4-6F175D3DCCD1}">
+              <a14:hiddenFill xmlns:a14="http://schemas.microsoft.com/office/drawing/2010/main">
+                <a:solidFill>
+                  <a:srgbClr val="FFFFFF"/>
+                </a:solidFill>
+              </a14:hiddenFill>
+            </a:ext>
+          </a:extLst>
+        </p:spPr>
+      </p:pic>
     </p:spTree>
     <p:extLst>
       <p:ext uri="{BB962C8B-B14F-4D97-AF65-F5344CB8AC3E}">
-        <p14:creationId xmlns:p14="http://schemas.microsoft.com/office/powerpoint/2010/main" val="3874321237"/>
+        <p14:creationId xmlns:p14="http://schemas.microsoft.com/office/powerpoint/2010/main" val="3912263614"/>
       </p:ext>
     </p:extLst>
   </p:cSld>
@@ -7218,170 +8094,101 @@
           <a:p>
             <a:pPr marL="360045"/>
             <a:r>
+              <a:rPr lang="zh-CN" altLang="en-US" dirty="0" smtClean="0"/>
+              <a:t> 生命周期函数</a:t>
+            </a:r>
+            <a:endParaRPr lang="en-US" altLang="zh-CN" dirty="0" smtClean="0"/>
+          </a:p>
+          <a:p>
+            <a:pPr marL="591820" lvl="1"/>
+            <a:r>
               <a:rPr lang="en-US" altLang="zh-CN" dirty="0"/>
               <a:t> </a:t>
             </a:r>
             <a:r>
               <a:rPr lang="zh-CN" altLang="en-US" dirty="0" smtClean="0"/>
-              <a:t>更新 </a:t>
+              <a:t>指在某一个时刻组件会自动执行的函数</a:t>
             </a:r>
             <a:endParaRPr lang="en-US" altLang="zh-CN" dirty="0" smtClean="0"/>
           </a:p>
           <a:p>
             <a:pPr marL="591820" lvl="1"/>
             <a:r>
-              <a:rPr lang="en-US" altLang="zh-CN" dirty="0">
-                <a:latin typeface="+mj-ea"/>
-                <a:ea typeface="+mj-ea"/>
-              </a:rPr>
+              <a:rPr lang="en-US" altLang="zh-CN" dirty="0"/>
               <a:t> </a:t>
             </a:r>
             <a:r>
-              <a:rPr lang="en-US" altLang="zh-CN" dirty="0" smtClean="0">
-                <a:latin typeface="+mj-ea"/>
-                <a:ea typeface="+mj-ea"/>
-              </a:rPr>
-              <a:t>static </a:t>
-            </a:r>
-            <a:r>
-              <a:rPr lang="en-US" altLang="zh-CN" dirty="0" err="1" smtClean="0">
-                <a:latin typeface="+mj-ea"/>
-                <a:ea typeface="+mj-ea"/>
-              </a:rPr>
-              <a:t>getDerivedStateFromProps</a:t>
-            </a:r>
-            <a:r>
-              <a:rPr lang="en-US" altLang="zh-CN" dirty="0" smtClean="0">
-                <a:latin typeface="+mj-ea"/>
-                <a:ea typeface="+mj-ea"/>
-              </a:rPr>
-              <a:t>( )</a:t>
-            </a:r>
-            <a:endParaRPr lang="en-US" altLang="zh-CN" dirty="0">
-              <a:latin typeface="+mj-ea"/>
-              <a:ea typeface="+mj-ea"/>
-            </a:endParaRPr>
+              <a:rPr lang="zh-CN" altLang="en-US" dirty="0" smtClean="0"/>
+              <a:t>只在类定义的组件中才有生命周期函数，函数方式定义的没有</a:t>
+            </a:r>
+            <a:endParaRPr lang="en-US" altLang="zh-CN" dirty="0" smtClean="0"/>
           </a:p>
           <a:p>
             <a:pPr marL="591820" lvl="1"/>
             <a:r>
-              <a:rPr lang="en-US" altLang="zh-CN" dirty="0">
-                <a:latin typeface="+mj-ea"/>
-                <a:ea typeface="+mj-ea"/>
-              </a:rPr>
+              <a:rPr lang="en-US" altLang="zh-CN" dirty="0"/>
               <a:t> </a:t>
             </a:r>
             <a:r>
-              <a:rPr lang="en-US" altLang="zh-CN" dirty="0" err="1">
-                <a:latin typeface="+mj-ea"/>
-                <a:ea typeface="+mj-ea"/>
-              </a:rPr>
-              <a:t>shouldComponentUpdate</a:t>
-            </a:r>
-            <a:r>
-              <a:rPr lang="en-US" altLang="zh-CN" dirty="0" smtClean="0">
-                <a:latin typeface="+mj-ea"/>
-                <a:ea typeface="+mj-ea"/>
-              </a:rPr>
-              <a:t>( )</a:t>
-            </a:r>
-            <a:endParaRPr lang="en-US" altLang="zh-CN" dirty="0">
-              <a:latin typeface="+mj-ea"/>
-              <a:ea typeface="+mj-ea"/>
-            </a:endParaRPr>
-          </a:p>
-          <a:p>
-            <a:pPr marL="591820" lvl="1"/>
-            <a:r>
-              <a:rPr lang="en-US" altLang="zh-CN" dirty="0">
-                <a:latin typeface="+mj-ea"/>
-                <a:ea typeface="+mj-ea"/>
-              </a:rPr>
+              <a:rPr lang="zh-CN" altLang="en-US" dirty="0" smtClean="0"/>
+              <a:t>周期生命周期包含的阶段</a:t>
+            </a:r>
+            <a:endParaRPr lang="en-US" altLang="zh-CN" dirty="0" smtClean="0"/>
+          </a:p>
+          <a:p>
+            <a:pPr marL="593090" lvl="2"/>
+            <a:r>
+              <a:rPr lang="zh-CN" altLang="en-US" dirty="0"/>
+              <a:t>初始化</a:t>
+            </a:r>
+            <a:r>
+              <a:rPr lang="en-US" altLang="zh-CN" dirty="0" smtClean="0"/>
               <a:t> </a:t>
             </a:r>
-            <a:r>
-              <a:rPr lang="en-US" altLang="zh-CN" dirty="0" err="1">
-                <a:latin typeface="+mj-ea"/>
-                <a:ea typeface="+mj-ea"/>
-              </a:rPr>
-              <a:t>componentWillUpdate</a:t>
-            </a:r>
-            <a:r>
-              <a:rPr lang="en-US" altLang="zh-CN" dirty="0" smtClean="0">
-                <a:latin typeface="+mj-ea"/>
-                <a:ea typeface="+mj-ea"/>
-              </a:rPr>
-              <a:t>( )</a:t>
-            </a:r>
-          </a:p>
-          <a:p>
-            <a:pPr marL="591820" lvl="1"/>
-            <a:r>
-              <a:rPr lang="en-US" altLang="zh-CN" dirty="0">
-                <a:latin typeface="+mj-ea"/>
-                <a:ea typeface="+mj-ea"/>
-              </a:rPr>
-              <a:t> render</a:t>
-            </a:r>
-            <a:r>
-              <a:rPr lang="en-US" altLang="zh-CN" dirty="0" smtClean="0">
-                <a:latin typeface="+mj-ea"/>
-                <a:ea typeface="+mj-ea"/>
-              </a:rPr>
-              <a:t>( )</a:t>
-            </a:r>
-          </a:p>
-          <a:p>
-            <a:pPr marL="591820" lvl="1"/>
-            <a:r>
-              <a:rPr lang="en-US" altLang="zh-CN" dirty="0" smtClean="0">
-                <a:latin typeface="+mj-ea"/>
-                <a:ea typeface="+mj-ea"/>
-              </a:rPr>
+          </a:p>
+          <a:p>
+            <a:pPr marL="593090" lvl="2"/>
+            <a:r>
+              <a:rPr lang="zh-CN" altLang="en-US" dirty="0" smtClean="0"/>
+              <a:t>挂载</a:t>
+            </a:r>
+            <a:endParaRPr lang="en-US" altLang="zh-CN" dirty="0" smtClean="0"/>
+          </a:p>
+          <a:p>
+            <a:pPr marL="593090" lvl="2"/>
+            <a:r>
+              <a:rPr lang="en-US" altLang="zh-CN" dirty="0"/>
               <a:t> </a:t>
             </a:r>
             <a:r>
-              <a:rPr lang="en-US" altLang="zh-CN" dirty="0" err="1" smtClean="0">
-                <a:latin typeface="+mj-ea"/>
-                <a:ea typeface="+mj-ea"/>
-              </a:rPr>
-              <a:t>getSnapshotBeforeUpdate</a:t>
-            </a:r>
-            <a:r>
-              <a:rPr lang="en-US" altLang="zh-CN" dirty="0" smtClean="0">
-                <a:latin typeface="+mj-ea"/>
-                <a:ea typeface="+mj-ea"/>
-              </a:rPr>
-              <a:t>( )</a:t>
-            </a:r>
-          </a:p>
-          <a:p>
-            <a:pPr marL="591820" lvl="1"/>
-            <a:r>
-              <a:rPr lang="en-US" altLang="zh-CN" dirty="0">
-                <a:latin typeface="+mj-ea"/>
-                <a:ea typeface="+mj-ea"/>
-              </a:rPr>
+              <a:rPr lang="zh-CN" altLang="en-US" dirty="0" smtClean="0"/>
+              <a:t>更新</a:t>
+            </a:r>
+            <a:endParaRPr lang="en-US" altLang="zh-CN" dirty="0" smtClean="0"/>
+          </a:p>
+          <a:p>
+            <a:pPr marL="593090" lvl="2"/>
+            <a:r>
+              <a:rPr lang="en-US" altLang="zh-CN" dirty="0"/>
               <a:t> </a:t>
             </a:r>
             <a:r>
-              <a:rPr lang="en-US" altLang="zh-CN" dirty="0" err="1">
-                <a:latin typeface="+mj-ea"/>
-                <a:ea typeface="+mj-ea"/>
-              </a:rPr>
-              <a:t>componentDidUpdate</a:t>
-            </a:r>
-            <a:r>
-              <a:rPr lang="en-US" altLang="zh-CN" dirty="0" smtClean="0">
-                <a:latin typeface="+mj-ea"/>
-                <a:ea typeface="+mj-ea"/>
-              </a:rPr>
-              <a:t>( )</a:t>
-            </a:r>
-            <a:endParaRPr lang="zh-CN" altLang="en-US" dirty="0" smtClean="0">
-              <a:latin typeface="+mj-ea"/>
-              <a:ea typeface="+mj-ea"/>
-            </a:endParaRPr>
+              <a:rPr lang="zh-CN" altLang="en-US" dirty="0" smtClean="0"/>
+              <a:t>卸载</a:t>
+            </a:r>
+            <a:endParaRPr lang="en-US" altLang="zh-CN" dirty="0" smtClean="0"/>
+          </a:p>
+          <a:p>
+            <a:pPr marL="593090" lvl="2"/>
+            <a:r>
+              <a:rPr lang="en-US" altLang="zh-CN" dirty="0"/>
+              <a:t> </a:t>
+            </a:r>
+            <a:r>
+              <a:rPr lang="zh-CN" altLang="en-US" dirty="0" smtClean="0"/>
+              <a:t>错误</a:t>
+            </a:r>
+            <a:endParaRPr lang="en-US" altLang="zh-CN" dirty="0" smtClean="0"/>
           </a:p>
         </p:txBody>
       </p:sp>
@@ -7428,23 +8235,19 @@
               <a:defRPr/>
             </a:pPr>
             <a:r>
-              <a:rPr lang="zh-CN" altLang="en-US" dirty="0">
+              <a:rPr lang="zh-CN" altLang="en-US" dirty="0" smtClean="0">
                 <a:latin typeface="+mn-ea"/>
                 <a:ea typeface="+mn-ea"/>
               </a:rPr>
-              <a:t>组件</a:t>
-            </a:r>
-            <a:endParaRPr lang="zh-CN" altLang="en-US" dirty="0" smtClean="0">
-              <a:latin typeface="+mn-ea"/>
-              <a:ea typeface="+mn-ea"/>
-            </a:endParaRPr>
+              <a:t>组件生命周期</a:t>
+            </a:r>
           </a:p>
         </p:txBody>
       </p:sp>
     </p:spTree>
     <p:extLst>
       <p:ext uri="{BB962C8B-B14F-4D97-AF65-F5344CB8AC3E}">
-        <p14:creationId xmlns:p14="http://schemas.microsoft.com/office/powerpoint/2010/main" val="608386522"/>
+        <p14:creationId xmlns:p14="http://schemas.microsoft.com/office/powerpoint/2010/main" val="4180485561"/>
       </p:ext>
     </p:extLst>
   </p:cSld>
@@ -7454,7 +8257,533 @@
   <p:timing>
     <p:tnLst>
       <p:par>
-        <p:cTn id="1" dur="indefinite" restart="never" nodeType="tmRoot"/>
+        <p:cTn id="1" dur="indefinite" restart="never" nodeType="tmRoot">
+          <p:childTnLst>
+            <p:seq concurrent="1" nextAc="seek">
+              <p:cTn id="2" dur="indefinite" nodeType="mainSeq">
+                <p:childTnLst>
+                  <p:par>
+                    <p:cTn id="3" fill="hold">
+                      <p:stCondLst>
+                        <p:cond delay="indefinite"/>
+                      </p:stCondLst>
+                      <p:childTnLst>
+                        <p:par>
+                          <p:cTn id="4" fill="hold">
+                            <p:stCondLst>
+                              <p:cond delay="0"/>
+                            </p:stCondLst>
+                            <p:childTnLst>
+                              <p:par>
+                                <p:cTn id="5" presetID="42" presetClass="entr" presetSubtype="0" fill="hold" nodeType="clickEffect">
+                                  <p:stCondLst>
+                                    <p:cond delay="0"/>
+                                  </p:stCondLst>
+                                  <p:childTnLst>
+                                    <p:set>
+                                      <p:cBhvr>
+                                        <p:cTn id="6" dur="1" fill="hold">
+                                          <p:stCondLst>
+                                            <p:cond delay="0"/>
+                                          </p:stCondLst>
+                                        </p:cTn>
+                                        <p:tgtEl>
+                                          <p:spTgt spid="30722">
+                                            <p:txEl>
+                                              <p:pRg st="4" end="4"/>
+                                            </p:txEl>
+                                          </p:spTgt>
+                                        </p:tgtEl>
+                                        <p:attrNameLst>
+                                          <p:attrName>style.visibility</p:attrName>
+                                        </p:attrNameLst>
+                                      </p:cBhvr>
+                                      <p:to>
+                                        <p:strVal val="visible"/>
+                                      </p:to>
+                                    </p:set>
+                                    <p:animEffect transition="in" filter="fade">
+                                      <p:cBhvr>
+                                        <p:cTn id="7" dur="1000"/>
+                                        <p:tgtEl>
+                                          <p:spTgt spid="30722">
+                                            <p:txEl>
+                                              <p:pRg st="4" end="4"/>
+                                            </p:txEl>
+                                          </p:spTgt>
+                                        </p:tgtEl>
+                                      </p:cBhvr>
+                                    </p:animEffect>
+                                    <p:anim calcmode="lin" valueType="num">
+                                      <p:cBhvr>
+                                        <p:cTn id="8" dur="1000" fill="hold"/>
+                                        <p:tgtEl>
+                                          <p:spTgt spid="30722">
+                                            <p:txEl>
+                                              <p:pRg st="4" end="4"/>
+                                            </p:txEl>
+                                          </p:spTgt>
+                                        </p:tgtEl>
+                                        <p:attrNameLst>
+                                          <p:attrName>ppt_x</p:attrName>
+                                        </p:attrNameLst>
+                                      </p:cBhvr>
+                                      <p:tavLst>
+                                        <p:tav tm="0">
+                                          <p:val>
+                                            <p:strVal val="#ppt_x"/>
+                                          </p:val>
+                                        </p:tav>
+                                        <p:tav tm="100000">
+                                          <p:val>
+                                            <p:strVal val="#ppt_x"/>
+                                          </p:val>
+                                        </p:tav>
+                                      </p:tavLst>
+                                    </p:anim>
+                                    <p:anim calcmode="lin" valueType="num">
+                                      <p:cBhvr>
+                                        <p:cTn id="9" dur="1000" fill="hold"/>
+                                        <p:tgtEl>
+                                          <p:spTgt spid="30722">
+                                            <p:txEl>
+                                              <p:pRg st="4" end="4"/>
+                                            </p:txEl>
+                                          </p:spTgt>
+                                        </p:tgtEl>
+                                        <p:attrNameLst>
+                                          <p:attrName>ppt_y</p:attrName>
+                                        </p:attrNameLst>
+                                      </p:cBhvr>
+                                      <p:tavLst>
+                                        <p:tav tm="0">
+                                          <p:val>
+                                            <p:strVal val="#ppt_y+.1"/>
+                                          </p:val>
+                                        </p:tav>
+                                        <p:tav tm="100000">
+                                          <p:val>
+                                            <p:strVal val="#ppt_y"/>
+                                          </p:val>
+                                        </p:tav>
+                                      </p:tavLst>
+                                    </p:anim>
+                                  </p:childTnLst>
+                                </p:cTn>
+                              </p:par>
+                              <p:par>
+                                <p:cTn id="10" presetID="42" presetClass="entr" presetSubtype="0" fill="hold" nodeType="withEffect">
+                                  <p:stCondLst>
+                                    <p:cond delay="0"/>
+                                  </p:stCondLst>
+                                  <p:childTnLst>
+                                    <p:set>
+                                      <p:cBhvr>
+                                        <p:cTn id="11" dur="1" fill="hold">
+                                          <p:stCondLst>
+                                            <p:cond delay="0"/>
+                                          </p:stCondLst>
+                                        </p:cTn>
+                                        <p:tgtEl>
+                                          <p:spTgt spid="30722">
+                                            <p:txEl>
+                                              <p:pRg st="5" end="5"/>
+                                            </p:txEl>
+                                          </p:spTgt>
+                                        </p:tgtEl>
+                                        <p:attrNameLst>
+                                          <p:attrName>style.visibility</p:attrName>
+                                        </p:attrNameLst>
+                                      </p:cBhvr>
+                                      <p:to>
+                                        <p:strVal val="visible"/>
+                                      </p:to>
+                                    </p:set>
+                                    <p:animEffect transition="in" filter="fade">
+                                      <p:cBhvr>
+                                        <p:cTn id="12" dur="1000"/>
+                                        <p:tgtEl>
+                                          <p:spTgt spid="30722">
+                                            <p:txEl>
+                                              <p:pRg st="5" end="5"/>
+                                            </p:txEl>
+                                          </p:spTgt>
+                                        </p:tgtEl>
+                                      </p:cBhvr>
+                                    </p:animEffect>
+                                    <p:anim calcmode="lin" valueType="num">
+                                      <p:cBhvr>
+                                        <p:cTn id="13" dur="1000" fill="hold"/>
+                                        <p:tgtEl>
+                                          <p:spTgt spid="30722">
+                                            <p:txEl>
+                                              <p:pRg st="5" end="5"/>
+                                            </p:txEl>
+                                          </p:spTgt>
+                                        </p:tgtEl>
+                                        <p:attrNameLst>
+                                          <p:attrName>ppt_x</p:attrName>
+                                        </p:attrNameLst>
+                                      </p:cBhvr>
+                                      <p:tavLst>
+                                        <p:tav tm="0">
+                                          <p:val>
+                                            <p:strVal val="#ppt_x"/>
+                                          </p:val>
+                                        </p:tav>
+                                        <p:tav tm="100000">
+                                          <p:val>
+                                            <p:strVal val="#ppt_x"/>
+                                          </p:val>
+                                        </p:tav>
+                                      </p:tavLst>
+                                    </p:anim>
+                                    <p:anim calcmode="lin" valueType="num">
+                                      <p:cBhvr>
+                                        <p:cTn id="14" dur="1000" fill="hold"/>
+                                        <p:tgtEl>
+                                          <p:spTgt spid="30722">
+                                            <p:txEl>
+                                              <p:pRg st="5" end="5"/>
+                                            </p:txEl>
+                                          </p:spTgt>
+                                        </p:tgtEl>
+                                        <p:attrNameLst>
+                                          <p:attrName>ppt_y</p:attrName>
+                                        </p:attrNameLst>
+                                      </p:cBhvr>
+                                      <p:tavLst>
+                                        <p:tav tm="0">
+                                          <p:val>
+                                            <p:strVal val="#ppt_y+.1"/>
+                                          </p:val>
+                                        </p:tav>
+                                        <p:tav tm="100000">
+                                          <p:val>
+                                            <p:strVal val="#ppt_y"/>
+                                          </p:val>
+                                        </p:tav>
+                                      </p:tavLst>
+                                    </p:anim>
+                                  </p:childTnLst>
+                                </p:cTn>
+                              </p:par>
+                              <p:par>
+                                <p:cTn id="15" presetID="42" presetClass="entr" presetSubtype="0" fill="hold" nodeType="withEffect">
+                                  <p:stCondLst>
+                                    <p:cond delay="0"/>
+                                  </p:stCondLst>
+                                  <p:childTnLst>
+                                    <p:set>
+                                      <p:cBhvr>
+                                        <p:cTn id="16" dur="1" fill="hold">
+                                          <p:stCondLst>
+                                            <p:cond delay="0"/>
+                                          </p:stCondLst>
+                                        </p:cTn>
+                                        <p:tgtEl>
+                                          <p:spTgt spid="30722">
+                                            <p:txEl>
+                                              <p:pRg st="6" end="6"/>
+                                            </p:txEl>
+                                          </p:spTgt>
+                                        </p:tgtEl>
+                                        <p:attrNameLst>
+                                          <p:attrName>style.visibility</p:attrName>
+                                        </p:attrNameLst>
+                                      </p:cBhvr>
+                                      <p:to>
+                                        <p:strVal val="visible"/>
+                                      </p:to>
+                                    </p:set>
+                                    <p:animEffect transition="in" filter="fade">
+                                      <p:cBhvr>
+                                        <p:cTn id="17" dur="1000"/>
+                                        <p:tgtEl>
+                                          <p:spTgt spid="30722">
+                                            <p:txEl>
+                                              <p:pRg st="6" end="6"/>
+                                            </p:txEl>
+                                          </p:spTgt>
+                                        </p:tgtEl>
+                                      </p:cBhvr>
+                                    </p:animEffect>
+                                    <p:anim calcmode="lin" valueType="num">
+                                      <p:cBhvr>
+                                        <p:cTn id="18" dur="1000" fill="hold"/>
+                                        <p:tgtEl>
+                                          <p:spTgt spid="30722">
+                                            <p:txEl>
+                                              <p:pRg st="6" end="6"/>
+                                            </p:txEl>
+                                          </p:spTgt>
+                                        </p:tgtEl>
+                                        <p:attrNameLst>
+                                          <p:attrName>ppt_x</p:attrName>
+                                        </p:attrNameLst>
+                                      </p:cBhvr>
+                                      <p:tavLst>
+                                        <p:tav tm="0">
+                                          <p:val>
+                                            <p:strVal val="#ppt_x"/>
+                                          </p:val>
+                                        </p:tav>
+                                        <p:tav tm="100000">
+                                          <p:val>
+                                            <p:strVal val="#ppt_x"/>
+                                          </p:val>
+                                        </p:tav>
+                                      </p:tavLst>
+                                    </p:anim>
+                                    <p:anim calcmode="lin" valueType="num">
+                                      <p:cBhvr>
+                                        <p:cTn id="19" dur="1000" fill="hold"/>
+                                        <p:tgtEl>
+                                          <p:spTgt spid="30722">
+                                            <p:txEl>
+                                              <p:pRg st="6" end="6"/>
+                                            </p:txEl>
+                                          </p:spTgt>
+                                        </p:tgtEl>
+                                        <p:attrNameLst>
+                                          <p:attrName>ppt_y</p:attrName>
+                                        </p:attrNameLst>
+                                      </p:cBhvr>
+                                      <p:tavLst>
+                                        <p:tav tm="0">
+                                          <p:val>
+                                            <p:strVal val="#ppt_y+.1"/>
+                                          </p:val>
+                                        </p:tav>
+                                        <p:tav tm="100000">
+                                          <p:val>
+                                            <p:strVal val="#ppt_y"/>
+                                          </p:val>
+                                        </p:tav>
+                                      </p:tavLst>
+                                    </p:anim>
+                                  </p:childTnLst>
+                                </p:cTn>
+                              </p:par>
+                              <p:par>
+                                <p:cTn id="20" presetID="42" presetClass="entr" presetSubtype="0" fill="hold" nodeType="withEffect">
+                                  <p:stCondLst>
+                                    <p:cond delay="0"/>
+                                  </p:stCondLst>
+                                  <p:childTnLst>
+                                    <p:set>
+                                      <p:cBhvr>
+                                        <p:cTn id="21" dur="1" fill="hold">
+                                          <p:stCondLst>
+                                            <p:cond delay="0"/>
+                                          </p:stCondLst>
+                                        </p:cTn>
+                                        <p:tgtEl>
+                                          <p:spTgt spid="30722">
+                                            <p:txEl>
+                                              <p:pRg st="7" end="7"/>
+                                            </p:txEl>
+                                          </p:spTgt>
+                                        </p:tgtEl>
+                                        <p:attrNameLst>
+                                          <p:attrName>style.visibility</p:attrName>
+                                        </p:attrNameLst>
+                                      </p:cBhvr>
+                                      <p:to>
+                                        <p:strVal val="visible"/>
+                                      </p:to>
+                                    </p:set>
+                                    <p:animEffect transition="in" filter="fade">
+                                      <p:cBhvr>
+                                        <p:cTn id="22" dur="1000"/>
+                                        <p:tgtEl>
+                                          <p:spTgt spid="30722">
+                                            <p:txEl>
+                                              <p:pRg st="7" end="7"/>
+                                            </p:txEl>
+                                          </p:spTgt>
+                                        </p:tgtEl>
+                                      </p:cBhvr>
+                                    </p:animEffect>
+                                    <p:anim calcmode="lin" valueType="num">
+                                      <p:cBhvr>
+                                        <p:cTn id="23" dur="1000" fill="hold"/>
+                                        <p:tgtEl>
+                                          <p:spTgt spid="30722">
+                                            <p:txEl>
+                                              <p:pRg st="7" end="7"/>
+                                            </p:txEl>
+                                          </p:spTgt>
+                                        </p:tgtEl>
+                                        <p:attrNameLst>
+                                          <p:attrName>ppt_x</p:attrName>
+                                        </p:attrNameLst>
+                                      </p:cBhvr>
+                                      <p:tavLst>
+                                        <p:tav tm="0">
+                                          <p:val>
+                                            <p:strVal val="#ppt_x"/>
+                                          </p:val>
+                                        </p:tav>
+                                        <p:tav tm="100000">
+                                          <p:val>
+                                            <p:strVal val="#ppt_x"/>
+                                          </p:val>
+                                        </p:tav>
+                                      </p:tavLst>
+                                    </p:anim>
+                                    <p:anim calcmode="lin" valueType="num">
+                                      <p:cBhvr>
+                                        <p:cTn id="24" dur="1000" fill="hold"/>
+                                        <p:tgtEl>
+                                          <p:spTgt spid="30722">
+                                            <p:txEl>
+                                              <p:pRg st="7" end="7"/>
+                                            </p:txEl>
+                                          </p:spTgt>
+                                        </p:tgtEl>
+                                        <p:attrNameLst>
+                                          <p:attrName>ppt_y</p:attrName>
+                                        </p:attrNameLst>
+                                      </p:cBhvr>
+                                      <p:tavLst>
+                                        <p:tav tm="0">
+                                          <p:val>
+                                            <p:strVal val="#ppt_y+.1"/>
+                                          </p:val>
+                                        </p:tav>
+                                        <p:tav tm="100000">
+                                          <p:val>
+                                            <p:strVal val="#ppt_y"/>
+                                          </p:val>
+                                        </p:tav>
+                                      </p:tavLst>
+                                    </p:anim>
+                                  </p:childTnLst>
+                                </p:cTn>
+                              </p:par>
+                              <p:par>
+                                <p:cTn id="25" presetID="42" presetClass="entr" presetSubtype="0" fill="hold" nodeType="withEffect">
+                                  <p:stCondLst>
+                                    <p:cond delay="0"/>
+                                  </p:stCondLst>
+                                  <p:childTnLst>
+                                    <p:set>
+                                      <p:cBhvr>
+                                        <p:cTn id="26" dur="1" fill="hold">
+                                          <p:stCondLst>
+                                            <p:cond delay="0"/>
+                                          </p:stCondLst>
+                                        </p:cTn>
+                                        <p:tgtEl>
+                                          <p:spTgt spid="30722">
+                                            <p:txEl>
+                                              <p:pRg st="8" end="8"/>
+                                            </p:txEl>
+                                          </p:spTgt>
+                                        </p:tgtEl>
+                                        <p:attrNameLst>
+                                          <p:attrName>style.visibility</p:attrName>
+                                        </p:attrNameLst>
+                                      </p:cBhvr>
+                                      <p:to>
+                                        <p:strVal val="visible"/>
+                                      </p:to>
+                                    </p:set>
+                                    <p:animEffect transition="in" filter="fade">
+                                      <p:cBhvr>
+                                        <p:cTn id="27" dur="1000"/>
+                                        <p:tgtEl>
+                                          <p:spTgt spid="30722">
+                                            <p:txEl>
+                                              <p:pRg st="8" end="8"/>
+                                            </p:txEl>
+                                          </p:spTgt>
+                                        </p:tgtEl>
+                                      </p:cBhvr>
+                                    </p:animEffect>
+                                    <p:anim calcmode="lin" valueType="num">
+                                      <p:cBhvr>
+                                        <p:cTn id="28" dur="1000" fill="hold"/>
+                                        <p:tgtEl>
+                                          <p:spTgt spid="30722">
+                                            <p:txEl>
+                                              <p:pRg st="8" end="8"/>
+                                            </p:txEl>
+                                          </p:spTgt>
+                                        </p:tgtEl>
+                                        <p:attrNameLst>
+                                          <p:attrName>ppt_x</p:attrName>
+                                        </p:attrNameLst>
+                                      </p:cBhvr>
+                                      <p:tavLst>
+                                        <p:tav tm="0">
+                                          <p:val>
+                                            <p:strVal val="#ppt_x"/>
+                                          </p:val>
+                                        </p:tav>
+                                        <p:tav tm="100000">
+                                          <p:val>
+                                            <p:strVal val="#ppt_x"/>
+                                          </p:val>
+                                        </p:tav>
+                                      </p:tavLst>
+                                    </p:anim>
+                                    <p:anim calcmode="lin" valueType="num">
+                                      <p:cBhvr>
+                                        <p:cTn id="29" dur="1000" fill="hold"/>
+                                        <p:tgtEl>
+                                          <p:spTgt spid="30722">
+                                            <p:txEl>
+                                              <p:pRg st="8" end="8"/>
+                                            </p:txEl>
+                                          </p:spTgt>
+                                        </p:tgtEl>
+                                        <p:attrNameLst>
+                                          <p:attrName>ppt_y</p:attrName>
+                                        </p:attrNameLst>
+                                      </p:cBhvr>
+                                      <p:tavLst>
+                                        <p:tav tm="0">
+                                          <p:val>
+                                            <p:strVal val="#ppt_y+.1"/>
+                                          </p:val>
+                                        </p:tav>
+                                        <p:tav tm="100000">
+                                          <p:val>
+                                            <p:strVal val="#ppt_y"/>
+                                          </p:val>
+                                        </p:tav>
+                                      </p:tavLst>
+                                    </p:anim>
+                                  </p:childTnLst>
+                                </p:cTn>
+                              </p:par>
+                            </p:childTnLst>
+                          </p:cTn>
+                        </p:par>
+                      </p:childTnLst>
+                    </p:cTn>
+                  </p:par>
+                </p:childTnLst>
+              </p:cTn>
+              <p:prevCondLst>
+                <p:cond evt="onPrev" delay="0">
+                  <p:tgtEl>
+                    <p:sldTgt/>
+                  </p:tgtEl>
+                </p:cond>
+              </p:prevCondLst>
+              <p:nextCondLst>
+                <p:cond evt="onNext" delay="0">
+                  <p:tgtEl>
+                    <p:sldTgt/>
+                  </p:tgtEl>
+                </p:cond>
+              </p:nextCondLst>
+            </p:seq>
+          </p:childTnLst>
+        </p:cTn>
       </p:par>
     </p:tnLst>
   </p:timing>
@@ -7504,7 +8833,7 @@
             <a:pPr marL="360045"/>
             <a:r>
               <a:rPr lang="zh-CN" altLang="en-US" dirty="0" smtClean="0"/>
-              <a:t> 卸载</a:t>
+              <a:t> 初始化</a:t>
             </a:r>
             <a:endParaRPr lang="en-US" altLang="zh-CN" dirty="0" smtClean="0"/>
           </a:p>
@@ -7515,53 +8844,138 @@
               <a:t> </a:t>
             </a:r>
             <a:r>
-              <a:rPr lang="en-US" altLang="zh-CN" dirty="0" err="1"/>
-              <a:t>componentWillUnmount</a:t>
-            </a:r>
-            <a:r>
               <a:rPr lang="en-US" altLang="zh-CN" dirty="0" smtClean="0"/>
-              <a:t>( )</a:t>
-            </a:r>
-          </a:p>
-          <a:p>
-            <a:pPr marL="360045"/>
+              <a:t>constructor( )</a:t>
+            </a:r>
+            <a:r>
+              <a:rPr lang="zh-CN" altLang="en-US" dirty="0" smtClean="0"/>
+              <a:t> </a:t>
+            </a:r>
+            <a:endParaRPr lang="en-US" altLang="zh-CN" dirty="0" smtClean="0"/>
+          </a:p>
+          <a:p>
+            <a:pPr marL="593090" lvl="2"/>
+            <a:r>
+              <a:rPr lang="zh-CN" altLang="en-US" dirty="0" smtClean="0"/>
+              <a:t> 会</a:t>
+            </a:r>
+            <a:r>
+              <a:rPr lang="zh-CN" altLang="en-US" dirty="0"/>
+              <a:t>在其装载之前被</a:t>
+            </a:r>
+            <a:r>
+              <a:rPr lang="zh-CN" altLang="en-US" dirty="0" smtClean="0"/>
+              <a:t>调用</a:t>
+            </a:r>
+            <a:endParaRPr lang="en-US" altLang="zh-CN" dirty="0" smtClean="0"/>
+          </a:p>
+          <a:p>
+            <a:pPr marL="593090" lvl="2"/>
+            <a:r>
+              <a:rPr lang="zh-CN" altLang="en-US" dirty="0"/>
+              <a:t> </a:t>
+            </a:r>
+            <a:r>
+              <a:rPr lang="zh-CN" altLang="en-US" dirty="0" smtClean="0"/>
+              <a:t>在函数内应该</a:t>
+            </a:r>
+            <a:r>
+              <a:rPr lang="zh-CN" altLang="en-US" dirty="0"/>
+              <a:t>在任何其他的表达式之前调用</a:t>
+            </a:r>
+            <a:r>
+              <a:rPr lang="en-US" altLang="zh-CN" dirty="0"/>
+              <a:t>super(props</a:t>
+            </a:r>
+            <a:r>
+              <a:rPr lang="en-US" altLang="zh-CN" dirty="0" smtClean="0"/>
+              <a:t>)</a:t>
+            </a:r>
+            <a:r>
+              <a:rPr lang="zh-CN" altLang="en-US" dirty="0" smtClean="0"/>
+              <a:t>，</a:t>
+            </a:r>
+            <a:r>
+              <a:rPr lang="zh-CN" altLang="en-US" dirty="0"/>
+              <a:t>否则，</a:t>
+            </a:r>
+            <a:r>
+              <a:rPr lang="en-US" altLang="zh-CN" dirty="0" err="1" smtClean="0"/>
+              <a:t>this.props</a:t>
+            </a:r>
+            <a:r>
+              <a:rPr lang="en-US" altLang="zh-CN" dirty="0" smtClean="0"/>
+              <a:t> </a:t>
+            </a:r>
+            <a:r>
+              <a:rPr lang="zh-CN" altLang="en-US" dirty="0" smtClean="0"/>
+              <a:t>在</a:t>
+            </a:r>
+            <a:r>
+              <a:rPr lang="zh-CN" altLang="en-US" dirty="0"/>
+              <a:t>构造函数中将是未定义</a:t>
+            </a:r>
+            <a:r>
+              <a:rPr lang="zh-CN" altLang="en-US" dirty="0" smtClean="0"/>
+              <a:t>的</a:t>
+            </a:r>
+            <a:endParaRPr lang="en-US" altLang="zh-CN" dirty="0" smtClean="0"/>
+          </a:p>
+          <a:p>
+            <a:pPr marL="591820" lvl="1"/>
             <a:r>
               <a:rPr lang="en-US" altLang="zh-CN" dirty="0"/>
               <a:t> </a:t>
             </a:r>
             <a:r>
               <a:rPr lang="zh-CN" altLang="en-US" dirty="0" smtClean="0"/>
-              <a:t>错误处理</a:t>
+              <a:t>作用：</a:t>
             </a:r>
             <a:endParaRPr lang="en-US" altLang="zh-CN" dirty="0" smtClean="0"/>
           </a:p>
           <a:p>
-            <a:pPr marL="591820" lvl="1"/>
-            <a:r>
-              <a:rPr lang="en-US" altLang="zh-CN" dirty="0">
-                <a:latin typeface="+mj-ea"/>
-                <a:ea typeface="+mj-ea"/>
-              </a:rPr>
-              <a:t> </a:t>
-            </a:r>
-            <a:r>
-              <a:rPr lang="en-US" altLang="zh-CN" dirty="0" err="1">
-                <a:latin typeface="+mj-ea"/>
-                <a:ea typeface="+mj-ea"/>
-              </a:rPr>
-              <a:t>componentDidCatch</a:t>
-            </a:r>
-            <a:r>
-              <a:rPr lang="en-US" altLang="zh-CN" dirty="0" smtClean="0">
-                <a:latin typeface="+mj-ea"/>
-                <a:ea typeface="+mj-ea"/>
-              </a:rPr>
-              <a:t>( )</a:t>
-            </a:r>
-            <a:endParaRPr lang="zh-CN" altLang="en-US" dirty="0" smtClean="0">
-              <a:latin typeface="+mj-ea"/>
-              <a:ea typeface="+mj-ea"/>
-            </a:endParaRPr>
+            <a:pPr marL="593090" lvl="2"/>
+            <a:r>
+              <a:rPr lang="zh-CN" altLang="en-US" dirty="0" smtClean="0"/>
+              <a:t> 初始化状态</a:t>
+            </a:r>
+            <a:r>
+              <a:rPr lang="zh-CN" altLang="en-US" dirty="0"/>
+              <a:t>，通过赋值一个对象</a:t>
+            </a:r>
+            <a:r>
+              <a:rPr lang="zh-CN" altLang="en-US" dirty="0" smtClean="0"/>
+              <a:t>到 </a:t>
+            </a:r>
+            <a:r>
+              <a:rPr lang="en-US" altLang="zh-CN" dirty="0" err="1" smtClean="0"/>
+              <a:t>this.state</a:t>
+            </a:r>
+            <a:endParaRPr lang="en-US" altLang="zh-CN" dirty="0" smtClean="0"/>
+          </a:p>
+          <a:p>
+            <a:pPr marL="593090" lvl="2"/>
+            <a:r>
+              <a:rPr lang="zh-CN" altLang="en-US" dirty="0" smtClean="0"/>
+              <a:t> 绑定</a:t>
+            </a:r>
+            <a:r>
+              <a:rPr lang="zh-CN" altLang="en-US" dirty="0"/>
+              <a:t>事件</a:t>
+            </a:r>
+            <a:r>
+              <a:rPr lang="zh-CN" altLang="en-US" dirty="0" smtClean="0"/>
+              <a:t>处理函数到</a:t>
+            </a:r>
+            <a:r>
+              <a:rPr lang="zh-CN" altLang="en-US" dirty="0"/>
+              <a:t>一个</a:t>
+            </a:r>
+            <a:r>
+              <a:rPr lang="zh-CN" altLang="en-US" dirty="0" smtClean="0"/>
+              <a:t>实例</a:t>
+            </a:r>
+            <a:endParaRPr lang="en-US" altLang="zh-CN" dirty="0" smtClean="0"/>
           </a:p>
         </p:txBody>
       </p:sp>
@@ -7621,10 +9035,39 @@
           </a:p>
         </p:txBody>
       </p:sp>
+      <p:sp>
+        <p:nvSpPr>
+          <p:cNvPr id="4" name="矩形 3"/>
+          <p:cNvSpPr/>
+          <p:nvPr/>
+        </p:nvSpPr>
+        <p:spPr>
+          <a:xfrm>
+            <a:off x="10201881" y="5724591"/>
+            <a:ext cx="1368627" cy="461665"/>
+          </a:xfrm>
+          <a:prstGeom prst="rect">
+            <a:avLst/>
+          </a:prstGeom>
+        </p:spPr>
+        <p:txBody>
+          <a:bodyPr wrap="square">
+            <a:spAutoFit/>
+          </a:bodyPr>
+          <a:lstStyle/>
+          <a:p>
+            <a:r>
+              <a:rPr lang="en-US" altLang="zh-CN" sz="2400" dirty="0" smtClean="0"/>
+              <a:t>demo06</a:t>
+            </a:r>
+            <a:endParaRPr lang="zh-CN" altLang="en-US" sz="2400" dirty="0"/>
+          </a:p>
+        </p:txBody>
+      </p:sp>
     </p:spTree>
     <p:extLst>
       <p:ext uri="{BB962C8B-B14F-4D97-AF65-F5344CB8AC3E}">
-        <p14:creationId xmlns:p14="http://schemas.microsoft.com/office/powerpoint/2010/main" val="1077937378"/>
+        <p14:creationId xmlns:p14="http://schemas.microsoft.com/office/powerpoint/2010/main" val="3874321237"/>
       </p:ext>
     </p:extLst>
   </p:cSld>
@@ -7634,7 +9077,339 @@
   <p:timing>
     <p:tnLst>
       <p:par>
-        <p:cTn id="1" dur="indefinite" restart="never" nodeType="tmRoot"/>
+        <p:cTn id="1" dur="indefinite" restart="never" nodeType="tmRoot">
+          <p:childTnLst>
+            <p:seq concurrent="1" nextAc="seek">
+              <p:cTn id="2" dur="indefinite" nodeType="mainSeq">
+                <p:childTnLst>
+                  <p:par>
+                    <p:cTn id="3" fill="hold">
+                      <p:stCondLst>
+                        <p:cond delay="indefinite"/>
+                      </p:stCondLst>
+                      <p:childTnLst>
+                        <p:par>
+                          <p:cTn id="4" fill="hold">
+                            <p:stCondLst>
+                              <p:cond delay="0"/>
+                            </p:stCondLst>
+                            <p:childTnLst>
+                              <p:par>
+                                <p:cTn id="5" presetID="42" presetClass="entr" presetSubtype="0" fill="hold" nodeType="clickEffect">
+                                  <p:stCondLst>
+                                    <p:cond delay="0"/>
+                                  </p:stCondLst>
+                                  <p:childTnLst>
+                                    <p:set>
+                                      <p:cBhvr>
+                                        <p:cTn id="6" dur="1" fill="hold">
+                                          <p:stCondLst>
+                                            <p:cond delay="0"/>
+                                          </p:stCondLst>
+                                        </p:cTn>
+                                        <p:tgtEl>
+                                          <p:spTgt spid="30722">
+                                            <p:txEl>
+                                              <p:pRg st="4" end="4"/>
+                                            </p:txEl>
+                                          </p:spTgt>
+                                        </p:tgtEl>
+                                        <p:attrNameLst>
+                                          <p:attrName>style.visibility</p:attrName>
+                                        </p:attrNameLst>
+                                      </p:cBhvr>
+                                      <p:to>
+                                        <p:strVal val="visible"/>
+                                      </p:to>
+                                    </p:set>
+                                    <p:animEffect transition="in" filter="fade">
+                                      <p:cBhvr>
+                                        <p:cTn id="7" dur="1000"/>
+                                        <p:tgtEl>
+                                          <p:spTgt spid="30722">
+                                            <p:txEl>
+                                              <p:pRg st="4" end="4"/>
+                                            </p:txEl>
+                                          </p:spTgt>
+                                        </p:tgtEl>
+                                      </p:cBhvr>
+                                    </p:animEffect>
+                                    <p:anim calcmode="lin" valueType="num">
+                                      <p:cBhvr>
+                                        <p:cTn id="8" dur="1000" fill="hold"/>
+                                        <p:tgtEl>
+                                          <p:spTgt spid="30722">
+                                            <p:txEl>
+                                              <p:pRg st="4" end="4"/>
+                                            </p:txEl>
+                                          </p:spTgt>
+                                        </p:tgtEl>
+                                        <p:attrNameLst>
+                                          <p:attrName>ppt_x</p:attrName>
+                                        </p:attrNameLst>
+                                      </p:cBhvr>
+                                      <p:tavLst>
+                                        <p:tav tm="0">
+                                          <p:val>
+                                            <p:strVal val="#ppt_x"/>
+                                          </p:val>
+                                        </p:tav>
+                                        <p:tav tm="100000">
+                                          <p:val>
+                                            <p:strVal val="#ppt_x"/>
+                                          </p:val>
+                                        </p:tav>
+                                      </p:tavLst>
+                                    </p:anim>
+                                    <p:anim calcmode="lin" valueType="num">
+                                      <p:cBhvr>
+                                        <p:cTn id="9" dur="1000" fill="hold"/>
+                                        <p:tgtEl>
+                                          <p:spTgt spid="30722">
+                                            <p:txEl>
+                                              <p:pRg st="4" end="4"/>
+                                            </p:txEl>
+                                          </p:spTgt>
+                                        </p:tgtEl>
+                                        <p:attrNameLst>
+                                          <p:attrName>ppt_y</p:attrName>
+                                        </p:attrNameLst>
+                                      </p:cBhvr>
+                                      <p:tavLst>
+                                        <p:tav tm="0">
+                                          <p:val>
+                                            <p:strVal val="#ppt_y+.1"/>
+                                          </p:val>
+                                        </p:tav>
+                                        <p:tav tm="100000">
+                                          <p:val>
+                                            <p:strVal val="#ppt_y"/>
+                                          </p:val>
+                                        </p:tav>
+                                      </p:tavLst>
+                                    </p:anim>
+                                  </p:childTnLst>
+                                </p:cTn>
+                              </p:par>
+                              <p:par>
+                                <p:cTn id="10" presetID="42" presetClass="entr" presetSubtype="0" fill="hold" nodeType="withEffect">
+                                  <p:stCondLst>
+                                    <p:cond delay="0"/>
+                                  </p:stCondLst>
+                                  <p:childTnLst>
+                                    <p:set>
+                                      <p:cBhvr>
+                                        <p:cTn id="11" dur="1" fill="hold">
+                                          <p:stCondLst>
+                                            <p:cond delay="0"/>
+                                          </p:stCondLst>
+                                        </p:cTn>
+                                        <p:tgtEl>
+                                          <p:spTgt spid="30722">
+                                            <p:txEl>
+                                              <p:pRg st="5" end="5"/>
+                                            </p:txEl>
+                                          </p:spTgt>
+                                        </p:tgtEl>
+                                        <p:attrNameLst>
+                                          <p:attrName>style.visibility</p:attrName>
+                                        </p:attrNameLst>
+                                      </p:cBhvr>
+                                      <p:to>
+                                        <p:strVal val="visible"/>
+                                      </p:to>
+                                    </p:set>
+                                    <p:animEffect transition="in" filter="fade">
+                                      <p:cBhvr>
+                                        <p:cTn id="12" dur="1000"/>
+                                        <p:tgtEl>
+                                          <p:spTgt spid="30722">
+                                            <p:txEl>
+                                              <p:pRg st="5" end="5"/>
+                                            </p:txEl>
+                                          </p:spTgt>
+                                        </p:tgtEl>
+                                      </p:cBhvr>
+                                    </p:animEffect>
+                                    <p:anim calcmode="lin" valueType="num">
+                                      <p:cBhvr>
+                                        <p:cTn id="13" dur="1000" fill="hold"/>
+                                        <p:tgtEl>
+                                          <p:spTgt spid="30722">
+                                            <p:txEl>
+                                              <p:pRg st="5" end="5"/>
+                                            </p:txEl>
+                                          </p:spTgt>
+                                        </p:tgtEl>
+                                        <p:attrNameLst>
+                                          <p:attrName>ppt_x</p:attrName>
+                                        </p:attrNameLst>
+                                      </p:cBhvr>
+                                      <p:tavLst>
+                                        <p:tav tm="0">
+                                          <p:val>
+                                            <p:strVal val="#ppt_x"/>
+                                          </p:val>
+                                        </p:tav>
+                                        <p:tav tm="100000">
+                                          <p:val>
+                                            <p:strVal val="#ppt_x"/>
+                                          </p:val>
+                                        </p:tav>
+                                      </p:tavLst>
+                                    </p:anim>
+                                    <p:anim calcmode="lin" valueType="num">
+                                      <p:cBhvr>
+                                        <p:cTn id="14" dur="1000" fill="hold"/>
+                                        <p:tgtEl>
+                                          <p:spTgt spid="30722">
+                                            <p:txEl>
+                                              <p:pRg st="5" end="5"/>
+                                            </p:txEl>
+                                          </p:spTgt>
+                                        </p:tgtEl>
+                                        <p:attrNameLst>
+                                          <p:attrName>ppt_y</p:attrName>
+                                        </p:attrNameLst>
+                                      </p:cBhvr>
+                                      <p:tavLst>
+                                        <p:tav tm="0">
+                                          <p:val>
+                                            <p:strVal val="#ppt_y+.1"/>
+                                          </p:val>
+                                        </p:tav>
+                                        <p:tav tm="100000">
+                                          <p:val>
+                                            <p:strVal val="#ppt_y"/>
+                                          </p:val>
+                                        </p:tav>
+                                      </p:tavLst>
+                                    </p:anim>
+                                  </p:childTnLst>
+                                </p:cTn>
+                              </p:par>
+                              <p:par>
+                                <p:cTn id="15" presetID="42" presetClass="entr" presetSubtype="0" fill="hold" nodeType="withEffect">
+                                  <p:stCondLst>
+                                    <p:cond delay="0"/>
+                                  </p:stCondLst>
+                                  <p:childTnLst>
+                                    <p:set>
+                                      <p:cBhvr>
+                                        <p:cTn id="16" dur="1" fill="hold">
+                                          <p:stCondLst>
+                                            <p:cond delay="0"/>
+                                          </p:stCondLst>
+                                        </p:cTn>
+                                        <p:tgtEl>
+                                          <p:spTgt spid="30722">
+                                            <p:txEl>
+                                              <p:pRg st="6" end="6"/>
+                                            </p:txEl>
+                                          </p:spTgt>
+                                        </p:tgtEl>
+                                        <p:attrNameLst>
+                                          <p:attrName>style.visibility</p:attrName>
+                                        </p:attrNameLst>
+                                      </p:cBhvr>
+                                      <p:to>
+                                        <p:strVal val="visible"/>
+                                      </p:to>
+                                    </p:set>
+                                    <p:animEffect transition="in" filter="fade">
+                                      <p:cBhvr>
+                                        <p:cTn id="17" dur="1000"/>
+                                        <p:tgtEl>
+                                          <p:spTgt spid="30722">
+                                            <p:txEl>
+                                              <p:pRg st="6" end="6"/>
+                                            </p:txEl>
+                                          </p:spTgt>
+                                        </p:tgtEl>
+                                      </p:cBhvr>
+                                    </p:animEffect>
+                                    <p:anim calcmode="lin" valueType="num">
+                                      <p:cBhvr>
+                                        <p:cTn id="18" dur="1000" fill="hold"/>
+                                        <p:tgtEl>
+                                          <p:spTgt spid="30722">
+                                            <p:txEl>
+                                              <p:pRg st="6" end="6"/>
+                                            </p:txEl>
+                                          </p:spTgt>
+                                        </p:tgtEl>
+                                        <p:attrNameLst>
+                                          <p:attrName>ppt_x</p:attrName>
+                                        </p:attrNameLst>
+                                      </p:cBhvr>
+                                      <p:tavLst>
+                                        <p:tav tm="0">
+                                          <p:val>
+                                            <p:strVal val="#ppt_x"/>
+                                          </p:val>
+                                        </p:tav>
+                                        <p:tav tm="100000">
+                                          <p:val>
+                                            <p:strVal val="#ppt_x"/>
+                                          </p:val>
+                                        </p:tav>
+                                      </p:tavLst>
+                                    </p:anim>
+                                    <p:anim calcmode="lin" valueType="num">
+                                      <p:cBhvr>
+                                        <p:cTn id="19" dur="1000" fill="hold"/>
+                                        <p:tgtEl>
+                                          <p:spTgt spid="30722">
+                                            <p:txEl>
+                                              <p:pRg st="6" end="6"/>
+                                            </p:txEl>
+                                          </p:spTgt>
+                                        </p:tgtEl>
+                                        <p:attrNameLst>
+                                          <p:attrName>ppt_y</p:attrName>
+                                        </p:attrNameLst>
+                                      </p:cBhvr>
+                                      <p:tavLst>
+                                        <p:tav tm="0">
+                                          <p:val>
+                                            <p:strVal val="#ppt_y+.1"/>
+                                          </p:val>
+                                        </p:tav>
+                                        <p:tav tm="100000">
+                                          <p:val>
+                                            <p:strVal val="#ppt_y"/>
+                                          </p:val>
+                                        </p:tav>
+                                      </p:tavLst>
+                                    </p:anim>
+                                  </p:childTnLst>
+                                </p:cTn>
+                              </p:par>
+                            </p:childTnLst>
+                          </p:cTn>
+                        </p:par>
+                      </p:childTnLst>
+                    </p:cTn>
+                  </p:par>
+                </p:childTnLst>
+              </p:cTn>
+              <p:prevCondLst>
+                <p:cond evt="onPrev" delay="0">
+                  <p:tgtEl>
+                    <p:sldTgt/>
+                  </p:tgtEl>
+                </p:cond>
+              </p:prevCondLst>
+              <p:nextCondLst>
+                <p:cond evt="onNext" delay="0">
+                  <p:tgtEl>
+                    <p:sldTgt/>
+                  </p:tgtEl>
+                </p:cond>
+              </p:nextCondLst>
+            </p:seq>
+          </p:childTnLst>
+        </p:cTn>
       </p:par>
     </p:tnLst>
   </p:timing>
@@ -7660,24 +9435,184 @@
       </p:grpSpPr>
       <p:sp>
         <p:nvSpPr>
-          <p:cNvPr id="21506" name="矩形 2"/>
+          <p:cNvPr id="30722" name="内容占位符 3"/>
           <p:cNvSpPr>
-            <a:spLocks noChangeArrowheads="1"/>
+            <a:spLocks noGrp="1"/>
           </p:cNvSpPr>
-          <p:nvPr/>
+          <p:nvPr>
+            <p:ph sz="quarter" idx="10"/>
+          </p:nvPr>
         </p:nvSpPr>
         <p:spPr bwMode="auto">
           <a:xfrm>
-            <a:off x="1053690" y="258763"/>
-            <a:ext cx="3186523" cy="585787"/>
+            <a:off x="693525" y="907844"/>
+            <a:ext cx="9796487" cy="5114343"/>
           </a:xfrm>
-          <a:prstGeom prst="rect">
-            <a:avLst/>
-          </a:prstGeom>
-          <a:noFill/>
-          <a:ln>
-            <a:noFill/>
-          </a:ln>
+          <a:solidFill>
+            <a:schemeClr val="bg1"/>
+          </a:solidFill>
+        </p:spPr>
+        <p:txBody>
+          <a:bodyPr vert="horz" wrap="square" lIns="91440" tIns="45720" rIns="91440" bIns="45720" numCol="1" anchor="t" anchorCtr="0" compatLnSpc="1"/>
+          <a:lstStyle/>
+          <a:p>
+            <a:pPr marL="360045"/>
+            <a:r>
+              <a:rPr lang="zh-CN" altLang="en-US" dirty="0" smtClean="0"/>
+              <a:t> 挂载</a:t>
+            </a:r>
+            <a:endParaRPr lang="en-US" altLang="zh-CN" dirty="0" smtClean="0"/>
+          </a:p>
+          <a:p>
+            <a:pPr marL="591820" lvl="1"/>
+            <a:r>
+              <a:rPr lang="en-US" altLang="zh-CN" dirty="0" smtClean="0"/>
+              <a:t> static </a:t>
+            </a:r>
+            <a:r>
+              <a:rPr lang="en-US" altLang="zh-CN" dirty="0" err="1"/>
+              <a:t>getDerivedStateFromProps</a:t>
+            </a:r>
+            <a:r>
+              <a:rPr lang="en-US" altLang="zh-CN" dirty="0" smtClean="0"/>
+              <a:t>( )</a:t>
+            </a:r>
+          </a:p>
+          <a:p>
+            <a:pPr marL="593090" lvl="2"/>
+            <a:r>
+              <a:rPr lang="zh-CN" altLang="en-US" dirty="0" smtClean="0"/>
+              <a:t> 组件</a:t>
+            </a:r>
+            <a:r>
+              <a:rPr lang="zh-CN" altLang="en-US" dirty="0"/>
+              <a:t>实例化</a:t>
+            </a:r>
+            <a:r>
+              <a:rPr lang="zh-CN" altLang="en-US" dirty="0" smtClean="0"/>
+              <a:t>后或接受</a:t>
+            </a:r>
+            <a:r>
+              <a:rPr lang="zh-CN" altLang="en-US" dirty="0"/>
+              <a:t>新属性时将</a:t>
+            </a:r>
+            <a:r>
+              <a:rPr lang="zh-CN" altLang="en-US" dirty="0" smtClean="0"/>
+              <a:t>会被调用</a:t>
+            </a:r>
+            <a:endParaRPr lang="en-US" altLang="zh-CN" dirty="0" smtClean="0"/>
+          </a:p>
+          <a:p>
+            <a:pPr marL="593090" lvl="2"/>
+            <a:r>
+              <a:rPr lang="zh-CN" altLang="en-US" dirty="0" smtClean="0"/>
+              <a:t> 应该</a:t>
+            </a:r>
+            <a:r>
+              <a:rPr lang="zh-CN" altLang="en-US" dirty="0"/>
+              <a:t>返回一个对象来更新状态，或者</a:t>
+            </a:r>
+            <a:r>
+              <a:rPr lang="zh-CN" altLang="en-US" dirty="0" smtClean="0"/>
+              <a:t>返回 </a:t>
+            </a:r>
+            <a:r>
+              <a:rPr lang="en-US" altLang="zh-CN" dirty="0" smtClean="0"/>
+              <a:t>null </a:t>
+            </a:r>
+            <a:r>
+              <a:rPr lang="zh-CN" altLang="en-US" dirty="0" smtClean="0"/>
+              <a:t>来</a:t>
+            </a:r>
+            <a:r>
+              <a:rPr lang="zh-CN" altLang="en-US" dirty="0"/>
+              <a:t>表明新属性不需要更新任何状态</a:t>
+            </a:r>
+            <a:endParaRPr lang="en-US" altLang="zh-CN" dirty="0" smtClean="0"/>
+          </a:p>
+          <a:p>
+            <a:pPr marL="591820" lvl="1"/>
+            <a:r>
+              <a:rPr lang="en-US" altLang="zh-CN" dirty="0" smtClean="0">
+                <a:latin typeface="+mj-ea"/>
+                <a:ea typeface="+mj-ea"/>
+              </a:rPr>
+              <a:t> render( )</a:t>
+            </a:r>
+          </a:p>
+          <a:p>
+            <a:pPr marL="593090" lvl="2"/>
+            <a:r>
+              <a:rPr lang="zh-CN" altLang="en-US" dirty="0" smtClean="0"/>
+              <a:t> 类</a:t>
+            </a:r>
+            <a:r>
+              <a:rPr lang="zh-CN" altLang="en-US" dirty="0"/>
+              <a:t>组件唯一必须的方法</a:t>
+            </a:r>
+            <a:endParaRPr lang="en-US" altLang="zh-CN" dirty="0" smtClean="0">
+              <a:latin typeface="+mj-ea"/>
+              <a:ea typeface="+mj-ea"/>
+            </a:endParaRPr>
+          </a:p>
+          <a:p>
+            <a:pPr marL="591820" lvl="1"/>
+            <a:r>
+              <a:rPr lang="en-US" altLang="zh-CN" dirty="0">
+                <a:latin typeface="+mj-ea"/>
+                <a:ea typeface="+mj-ea"/>
+              </a:rPr>
+              <a:t> </a:t>
+            </a:r>
+            <a:r>
+              <a:rPr lang="en-US" altLang="zh-CN" dirty="0" err="1">
+                <a:latin typeface="+mj-ea"/>
+                <a:ea typeface="+mj-ea"/>
+              </a:rPr>
+              <a:t>componentDidMount</a:t>
+            </a:r>
+            <a:r>
+              <a:rPr lang="en-US" altLang="zh-CN" dirty="0" smtClean="0">
+                <a:latin typeface="+mj-ea"/>
+                <a:ea typeface="+mj-ea"/>
+              </a:rPr>
+              <a:t>( )</a:t>
+            </a:r>
+          </a:p>
+          <a:p>
+            <a:pPr marL="593090" lvl="2"/>
+            <a:r>
+              <a:rPr lang="en-US" altLang="zh-CN" dirty="0">
+                <a:latin typeface="+mj-ea"/>
+                <a:ea typeface="+mj-ea"/>
+              </a:rPr>
+              <a:t> </a:t>
+            </a:r>
+            <a:r>
+              <a:rPr lang="zh-CN" altLang="en-US" dirty="0" smtClean="0">
+                <a:latin typeface="+mj-ea"/>
+                <a:ea typeface="+mj-ea"/>
+              </a:rPr>
+              <a:t>组件挂载后立即调用，发送请求的好地方</a:t>
+            </a:r>
+          </a:p>
+        </p:txBody>
+      </p:sp>
+      <p:sp>
+        <p:nvSpPr>
+          <p:cNvPr id="25603" name="内容占位符 4"/>
+          <p:cNvSpPr>
+            <a:spLocks noGrp="1"/>
+          </p:cNvSpPr>
+          <p:nvPr>
+            <p:ph sz="quarter" idx="11"/>
+          </p:nvPr>
+        </p:nvSpPr>
+        <p:spPr bwMode="auto">
+          <a:xfrm>
+            <a:off x="909638" y="236538"/>
+            <a:ext cx="7575550" cy="490537"/>
+          </a:xfrm>
           <a:extLst>
             <a:ext uri="{909E8E84-426E-40DD-AFC4-6F175D3DCCD1}">
               <a14:hiddenFill xmlns:a14="http://schemas.microsoft.com/office/drawing/2010/main">
@@ -7699,395 +9634,22 @@
           </a:extLst>
         </p:spPr>
         <p:txBody>
-          <a:bodyPr wrap="square">
-            <a:spAutoFit/>
-          </a:bodyPr>
-          <a:lstStyle>
-            <a:lvl1pPr>
-              <a:defRPr sz="3200">
-                <a:solidFill>
-                  <a:schemeClr val="tx1"/>
-                </a:solidFill>
-                <a:latin typeface="Arial" panose="020B0604020202020204" pitchFamily="34" charset="0"/>
-                <a:ea typeface="微软雅黑" panose="020B0503020204020204" pitchFamily="34" charset="-122"/>
-              </a:defRPr>
-            </a:lvl1pPr>
-            <a:lvl2pPr marL="742950" indent="-285750">
-              <a:defRPr sz="3200">
-                <a:solidFill>
-                  <a:schemeClr val="tx1"/>
-                </a:solidFill>
-                <a:latin typeface="Arial" panose="020B0604020202020204" pitchFamily="34" charset="0"/>
-                <a:ea typeface="微软雅黑" panose="020B0503020204020204" pitchFamily="34" charset="-122"/>
-              </a:defRPr>
-            </a:lvl2pPr>
-            <a:lvl3pPr marL="1143000" indent="-228600">
-              <a:defRPr sz="3200">
-                <a:solidFill>
-                  <a:schemeClr val="tx1"/>
-                </a:solidFill>
-                <a:latin typeface="Arial" panose="020B0604020202020204" pitchFamily="34" charset="0"/>
-                <a:ea typeface="微软雅黑" panose="020B0503020204020204" pitchFamily="34" charset="-122"/>
-              </a:defRPr>
-            </a:lvl3pPr>
-            <a:lvl4pPr marL="1600200" indent="-228600">
-              <a:defRPr sz="3200">
-                <a:solidFill>
-                  <a:schemeClr val="tx1"/>
-                </a:solidFill>
-                <a:latin typeface="Arial" panose="020B0604020202020204" pitchFamily="34" charset="0"/>
-                <a:ea typeface="微软雅黑" panose="020B0503020204020204" pitchFamily="34" charset="-122"/>
-              </a:defRPr>
-            </a:lvl4pPr>
-            <a:lvl5pPr marL="2057400" indent="-228600">
-              <a:defRPr sz="3200">
-                <a:solidFill>
-                  <a:schemeClr val="tx1"/>
-                </a:solidFill>
-                <a:latin typeface="Arial" panose="020B0604020202020204" pitchFamily="34" charset="0"/>
-                <a:ea typeface="微软雅黑" panose="020B0503020204020204" pitchFamily="34" charset="-122"/>
-              </a:defRPr>
-            </a:lvl5pPr>
-            <a:lvl6pPr marL="2514600" indent="-228600" eaLnBrk="0" fontAlgn="base" hangingPunct="0">
-              <a:spcBef>
-                <a:spcPct val="0"/>
-              </a:spcBef>
-              <a:spcAft>
-                <a:spcPct val="0"/>
-              </a:spcAft>
-              <a:defRPr sz="3200">
-                <a:solidFill>
-                  <a:schemeClr val="tx1"/>
-                </a:solidFill>
-                <a:latin typeface="Arial" panose="020B0604020202020204" pitchFamily="34" charset="0"/>
-                <a:ea typeface="微软雅黑" panose="020B0503020204020204" pitchFamily="34" charset="-122"/>
-              </a:defRPr>
-            </a:lvl6pPr>
-            <a:lvl7pPr marL="2971800" indent="-228600" eaLnBrk="0" fontAlgn="base" hangingPunct="0">
-              <a:spcBef>
-                <a:spcPct val="0"/>
-              </a:spcBef>
-              <a:spcAft>
-                <a:spcPct val="0"/>
-              </a:spcAft>
-              <a:defRPr sz="3200">
-                <a:solidFill>
-                  <a:schemeClr val="tx1"/>
-                </a:solidFill>
-                <a:latin typeface="Arial" panose="020B0604020202020204" pitchFamily="34" charset="0"/>
-                <a:ea typeface="微软雅黑" panose="020B0503020204020204" pitchFamily="34" charset="-122"/>
-              </a:defRPr>
-            </a:lvl7pPr>
-            <a:lvl8pPr marL="3429000" indent="-228600" eaLnBrk="0" fontAlgn="base" hangingPunct="0">
-              <a:spcBef>
-                <a:spcPct val="0"/>
-              </a:spcBef>
-              <a:spcAft>
-                <a:spcPct val="0"/>
-              </a:spcAft>
-              <a:defRPr sz="3200">
-                <a:solidFill>
-                  <a:schemeClr val="tx1"/>
-                </a:solidFill>
-                <a:latin typeface="Arial" panose="020B0604020202020204" pitchFamily="34" charset="0"/>
-                <a:ea typeface="微软雅黑" panose="020B0503020204020204" pitchFamily="34" charset="-122"/>
-              </a:defRPr>
-            </a:lvl8pPr>
-            <a:lvl9pPr marL="3886200" indent="-228600" eaLnBrk="0" fontAlgn="base" hangingPunct="0">
-              <a:spcBef>
-                <a:spcPct val="0"/>
-              </a:spcBef>
-              <a:spcAft>
-                <a:spcPct val="0"/>
-              </a:spcAft>
-              <a:defRPr sz="3200">
-                <a:solidFill>
-                  <a:schemeClr val="tx1"/>
-                </a:solidFill>
-                <a:latin typeface="Arial" panose="020B0604020202020204" pitchFamily="34" charset="0"/>
-                <a:ea typeface="微软雅黑" panose="020B0503020204020204" pitchFamily="34" charset="-122"/>
-              </a:defRPr>
-            </a:lvl9pPr>
-          </a:lstStyle>
-          <a:p>
-            <a:r>
-              <a:rPr lang="zh-CN" altLang="en-US" dirty="0" smtClean="0">
-                <a:solidFill>
-                  <a:srgbClr val="C00000"/>
-                </a:solidFill>
-                <a:latin typeface="+mj-ea"/>
-                <a:ea typeface="+mj-ea"/>
-              </a:rPr>
-              <a:t>内容提纲</a:t>
-            </a:r>
-            <a:endParaRPr lang="zh-CN" altLang="en-US" dirty="0">
-              <a:solidFill>
-                <a:srgbClr val="C00000"/>
-              </a:solidFill>
-              <a:latin typeface="+mj-ea"/>
-              <a:ea typeface="+mj-ea"/>
-            </a:endParaRPr>
-          </a:p>
-        </p:txBody>
-      </p:sp>
-      <p:sp>
-        <p:nvSpPr>
-          <p:cNvPr id="21507" name="AutoShape 6"/>
-          <p:cNvSpPr>
-            <a:spLocks noChangeArrowheads="1"/>
-          </p:cNvSpPr>
-          <p:nvPr/>
-        </p:nvSpPr>
-        <p:spPr bwMode="auto">
-          <a:xfrm>
-            <a:off x="2309813" y="1428750"/>
-            <a:ext cx="6532562" cy="3943350"/>
-          </a:xfrm>
-          <a:prstGeom prst="roundRect">
-            <a:avLst>
-              <a:gd name="adj" fmla="val 16667"/>
-            </a:avLst>
-          </a:prstGeom>
-          <a:noFill/>
-          <a:ln w="28575">
-            <a:solidFill>
-              <a:srgbClr val="C0C0C0"/>
-            </a:solidFill>
-            <a:prstDash val="sysDot"/>
-            <a:round/>
-          </a:ln>
-          <a:extLst>
-            <a:ext uri="{909E8E84-426E-40DD-AFC4-6F175D3DCCD1}">
-              <a14:hiddenFill xmlns:a14="http://schemas.microsoft.com/office/drawing/2010/main">
-                <a:solidFill>
-                  <a:srgbClr val="FFFFFF"/>
-                </a:solidFill>
-              </a14:hiddenFill>
-            </a:ext>
-          </a:extLst>
-        </p:spPr>
-        <p:txBody>
-          <a:bodyPr wrap="none" anchor="ctr"/>
-          <a:lstStyle>
-            <a:lvl1pPr marL="457200" indent="-457200">
-              <a:defRPr sz="3200">
-                <a:solidFill>
-                  <a:schemeClr val="tx1"/>
-                </a:solidFill>
-                <a:latin typeface="Arial" panose="020B0604020202020204" pitchFamily="34" charset="0"/>
-                <a:ea typeface="微软雅黑" panose="020B0503020204020204" pitchFamily="34" charset="-122"/>
-              </a:defRPr>
-            </a:lvl1pPr>
-            <a:lvl2pPr marL="742950" indent="-285750">
-              <a:defRPr sz="3200">
-                <a:solidFill>
-                  <a:schemeClr val="tx1"/>
-                </a:solidFill>
-                <a:latin typeface="Arial" panose="020B0604020202020204" pitchFamily="34" charset="0"/>
-                <a:ea typeface="微软雅黑" panose="020B0503020204020204" pitchFamily="34" charset="-122"/>
-              </a:defRPr>
-            </a:lvl2pPr>
-            <a:lvl3pPr marL="1143000" indent="-228600">
-              <a:defRPr sz="3200">
-                <a:solidFill>
-                  <a:schemeClr val="tx1"/>
-                </a:solidFill>
-                <a:latin typeface="Arial" panose="020B0604020202020204" pitchFamily="34" charset="0"/>
-                <a:ea typeface="微软雅黑" panose="020B0503020204020204" pitchFamily="34" charset="-122"/>
-              </a:defRPr>
-            </a:lvl3pPr>
-            <a:lvl4pPr marL="1600200" indent="-228600">
-              <a:defRPr sz="3200">
-                <a:solidFill>
-                  <a:schemeClr val="tx1"/>
-                </a:solidFill>
-                <a:latin typeface="Arial" panose="020B0604020202020204" pitchFamily="34" charset="0"/>
-                <a:ea typeface="微软雅黑" panose="020B0503020204020204" pitchFamily="34" charset="-122"/>
-              </a:defRPr>
-            </a:lvl4pPr>
-            <a:lvl5pPr marL="2057400" indent="-228600">
-              <a:defRPr sz="3200">
-                <a:solidFill>
-                  <a:schemeClr val="tx1"/>
-                </a:solidFill>
-                <a:latin typeface="Arial" panose="020B0604020202020204" pitchFamily="34" charset="0"/>
-                <a:ea typeface="微软雅黑" panose="020B0503020204020204" pitchFamily="34" charset="-122"/>
-              </a:defRPr>
-            </a:lvl5pPr>
-            <a:lvl6pPr marL="2514600" indent="-228600" eaLnBrk="0" fontAlgn="base" hangingPunct="0">
-              <a:spcBef>
-                <a:spcPct val="0"/>
-              </a:spcBef>
-              <a:spcAft>
-                <a:spcPct val="0"/>
-              </a:spcAft>
-              <a:defRPr sz="3200">
-                <a:solidFill>
-                  <a:schemeClr val="tx1"/>
-                </a:solidFill>
-                <a:latin typeface="Arial" panose="020B0604020202020204" pitchFamily="34" charset="0"/>
-                <a:ea typeface="微软雅黑" panose="020B0503020204020204" pitchFamily="34" charset="-122"/>
-              </a:defRPr>
-            </a:lvl6pPr>
-            <a:lvl7pPr marL="2971800" indent="-228600" eaLnBrk="0" fontAlgn="base" hangingPunct="0">
-              <a:spcBef>
-                <a:spcPct val="0"/>
-              </a:spcBef>
-              <a:spcAft>
-                <a:spcPct val="0"/>
-              </a:spcAft>
-              <a:defRPr sz="3200">
-                <a:solidFill>
-                  <a:schemeClr val="tx1"/>
-                </a:solidFill>
-                <a:latin typeface="Arial" panose="020B0604020202020204" pitchFamily="34" charset="0"/>
-                <a:ea typeface="微软雅黑" panose="020B0503020204020204" pitchFamily="34" charset="-122"/>
-              </a:defRPr>
-            </a:lvl7pPr>
-            <a:lvl8pPr marL="3429000" indent="-228600" eaLnBrk="0" fontAlgn="base" hangingPunct="0">
-              <a:spcBef>
-                <a:spcPct val="0"/>
-              </a:spcBef>
-              <a:spcAft>
-                <a:spcPct val="0"/>
-              </a:spcAft>
-              <a:defRPr sz="3200">
-                <a:solidFill>
-                  <a:schemeClr val="tx1"/>
-                </a:solidFill>
-                <a:latin typeface="Arial" panose="020B0604020202020204" pitchFamily="34" charset="0"/>
-                <a:ea typeface="微软雅黑" panose="020B0503020204020204" pitchFamily="34" charset="-122"/>
-              </a:defRPr>
-            </a:lvl8pPr>
-            <a:lvl9pPr marL="3886200" indent="-228600" eaLnBrk="0" fontAlgn="base" hangingPunct="0">
-              <a:spcBef>
-                <a:spcPct val="0"/>
-              </a:spcBef>
-              <a:spcAft>
-                <a:spcPct val="0"/>
-              </a:spcAft>
-              <a:defRPr sz="3200">
-                <a:solidFill>
-                  <a:schemeClr val="tx1"/>
-                </a:solidFill>
-                <a:latin typeface="Arial" panose="020B0604020202020204" pitchFamily="34" charset="0"/>
-                <a:ea typeface="微软雅黑" panose="020B0503020204020204" pitchFamily="34" charset="-122"/>
-              </a:defRPr>
-            </a:lvl9pPr>
-          </a:lstStyle>
+          <a:bodyPr vert="horz" wrap="square" lIns="91440" tIns="45720" rIns="91440" bIns="45720" numCol="1" anchor="t" anchorCtr="0" compatLnSpc="1"/>
+          <a:lstStyle/>
           <a:p>
             <a:pPr>
-              <a:lnSpc>
-                <a:spcPct val="200000"/>
-              </a:lnSpc>
-              <a:buClr>
-                <a:srgbClr val="92D050"/>
-              </a:buClr>
-              <a:buFont typeface="Wingdings" panose="05000000000000000000" pitchFamily="2" charset="2"/>
-              <a:buChar char="Ø"/>
+              <a:defRPr/>
             </a:pPr>
             <a:r>
-              <a:rPr lang="en-US" altLang="zh-CN" sz="2800" b="1" dirty="0" smtClean="0">
-                <a:latin typeface="+mj-ea"/>
-                <a:ea typeface="+mj-ea"/>
-              </a:rPr>
-              <a:t>JSX </a:t>
-            </a:r>
-            <a:r>
-              <a:rPr lang="zh-CN" altLang="en-US" sz="2800" b="1" dirty="0" smtClean="0">
-                <a:latin typeface="+mj-ea"/>
-                <a:ea typeface="+mj-ea"/>
-              </a:rPr>
-              <a:t>语法</a:t>
-            </a:r>
-            <a:endParaRPr lang="en-US" altLang="zh-CN" sz="2800" b="1" dirty="0">
-              <a:latin typeface="+mj-ea"/>
-              <a:ea typeface="+mj-ea"/>
-            </a:endParaRPr>
-          </a:p>
-          <a:p>
-            <a:pPr>
-              <a:lnSpc>
-                <a:spcPct val="200000"/>
-              </a:lnSpc>
-              <a:buClr>
-                <a:srgbClr val="92D050"/>
-              </a:buClr>
-              <a:buFont typeface="Wingdings" panose="05000000000000000000" pitchFamily="2" charset="2"/>
-              <a:buChar char="Ø"/>
-            </a:pPr>
-            <a:r>
-              <a:rPr lang="zh-CN" altLang="en-US" sz="2800" b="1" dirty="0" smtClean="0">
-                <a:latin typeface="+mj-ea"/>
-                <a:ea typeface="+mj-ea"/>
-              </a:rPr>
-              <a:t>元素渲染</a:t>
-            </a:r>
-            <a:endParaRPr lang="en-US" altLang="zh-CN" sz="2800" b="1" dirty="0" smtClean="0">
-              <a:latin typeface="+mj-ea"/>
-              <a:ea typeface="+mj-ea"/>
-            </a:endParaRPr>
-          </a:p>
-          <a:p>
-            <a:pPr>
-              <a:lnSpc>
-                <a:spcPct val="200000"/>
-              </a:lnSpc>
-              <a:buClr>
-                <a:srgbClr val="92D050"/>
-              </a:buClr>
-              <a:buFont typeface="Wingdings" panose="05000000000000000000" pitchFamily="2" charset="2"/>
-              <a:buChar char="Ø"/>
-            </a:pPr>
-            <a:r>
-              <a:rPr lang="zh-CN" altLang="en-US" sz="2800" b="1" dirty="0" smtClean="0">
-                <a:latin typeface="+mj-ea"/>
-                <a:ea typeface="+mj-ea"/>
+              <a:rPr lang="zh-CN" altLang="en-US" dirty="0">
+                <a:latin typeface="+mn-ea"/>
+                <a:ea typeface="+mn-ea"/>
               </a:rPr>
               <a:t>组件</a:t>
             </a:r>
-            <a:endParaRPr lang="en-US" altLang="zh-CN" sz="2800" b="1" dirty="0" smtClean="0">
-              <a:latin typeface="+mj-ea"/>
-              <a:ea typeface="+mj-ea"/>
-            </a:endParaRPr>
-          </a:p>
-          <a:p>
-            <a:pPr>
-              <a:lnSpc>
-                <a:spcPct val="200000"/>
-              </a:lnSpc>
-              <a:buClr>
-                <a:srgbClr val="92D050"/>
-              </a:buClr>
-              <a:buFont typeface="Wingdings" panose="05000000000000000000" pitchFamily="2" charset="2"/>
-              <a:buChar char="Ø"/>
-            </a:pPr>
-            <a:r>
-              <a:rPr lang="zh-CN" altLang="en-US" sz="2800" b="1" dirty="0" smtClean="0">
-                <a:solidFill>
-                  <a:srgbClr val="C00000"/>
-                </a:solidFill>
-                <a:latin typeface="+mj-ea"/>
-                <a:ea typeface="+mj-ea"/>
-              </a:rPr>
-              <a:t>事件</a:t>
-            </a:r>
-            <a:r>
-              <a:rPr lang="zh-CN" altLang="en-US" sz="2800" b="1" dirty="0">
-                <a:solidFill>
-                  <a:srgbClr val="C00000"/>
-                </a:solidFill>
-                <a:latin typeface="+mj-ea"/>
-                <a:ea typeface="+mj-ea"/>
-              </a:rPr>
-              <a:t>处理</a:t>
-            </a:r>
-            <a:endParaRPr lang="en-US" altLang="zh-CN" sz="2800" b="1" dirty="0">
-              <a:solidFill>
-                <a:srgbClr val="C00000"/>
-              </a:solidFill>
-              <a:latin typeface="+mj-ea"/>
-              <a:ea typeface="+mj-ea"/>
+            <a:endParaRPr lang="zh-CN" altLang="en-US" dirty="0" smtClean="0">
+              <a:latin typeface="+mn-ea"/>
+              <a:ea typeface="+mn-ea"/>
             </a:endParaRPr>
           </a:p>
         </p:txBody>
@@ -8095,18 +9657,482 @@
     </p:spTree>
     <p:extLst>
       <p:ext uri="{BB962C8B-B14F-4D97-AF65-F5344CB8AC3E}">
-        <p14:creationId xmlns:p14="http://schemas.microsoft.com/office/powerpoint/2010/main" val="4028929191"/>
+        <p14:creationId xmlns:p14="http://schemas.microsoft.com/office/powerpoint/2010/main" val="873850339"/>
       </p:ext>
     </p:extLst>
   </p:cSld>
   <p:clrMapOvr>
     <a:masterClrMapping/>
   </p:clrMapOvr>
-  <p:transition/>
   <p:timing>
     <p:tnLst>
       <p:par>
-        <p:cTn id="1" dur="indefinite" restart="never" nodeType="tmRoot"/>
+        <p:cTn id="1" dur="indefinite" restart="never" nodeType="tmRoot">
+          <p:childTnLst>
+            <p:seq concurrent="1" nextAc="seek">
+              <p:cTn id="2" dur="indefinite" nodeType="mainSeq">
+                <p:childTnLst>
+                  <p:par>
+                    <p:cTn id="3" fill="hold">
+                      <p:stCondLst>
+                        <p:cond delay="indefinite"/>
+                      </p:stCondLst>
+                      <p:childTnLst>
+                        <p:par>
+                          <p:cTn id="4" fill="hold">
+                            <p:stCondLst>
+                              <p:cond delay="0"/>
+                            </p:stCondLst>
+                            <p:childTnLst>
+                              <p:par>
+                                <p:cTn id="5" presetID="42" presetClass="entr" presetSubtype="0" fill="hold" nodeType="clickEffect">
+                                  <p:stCondLst>
+                                    <p:cond delay="0"/>
+                                  </p:stCondLst>
+                                  <p:childTnLst>
+                                    <p:set>
+                                      <p:cBhvr>
+                                        <p:cTn id="6" dur="1" fill="hold">
+                                          <p:stCondLst>
+                                            <p:cond delay="0"/>
+                                          </p:stCondLst>
+                                        </p:cTn>
+                                        <p:tgtEl>
+                                          <p:spTgt spid="30722">
+                                            <p:txEl>
+                                              <p:pRg st="2" end="2"/>
+                                            </p:txEl>
+                                          </p:spTgt>
+                                        </p:tgtEl>
+                                        <p:attrNameLst>
+                                          <p:attrName>style.visibility</p:attrName>
+                                        </p:attrNameLst>
+                                      </p:cBhvr>
+                                      <p:to>
+                                        <p:strVal val="visible"/>
+                                      </p:to>
+                                    </p:set>
+                                    <p:animEffect transition="in" filter="fade">
+                                      <p:cBhvr>
+                                        <p:cTn id="7" dur="1000"/>
+                                        <p:tgtEl>
+                                          <p:spTgt spid="30722">
+                                            <p:txEl>
+                                              <p:pRg st="2" end="2"/>
+                                            </p:txEl>
+                                          </p:spTgt>
+                                        </p:tgtEl>
+                                      </p:cBhvr>
+                                    </p:animEffect>
+                                    <p:anim calcmode="lin" valueType="num">
+                                      <p:cBhvr>
+                                        <p:cTn id="8" dur="1000" fill="hold"/>
+                                        <p:tgtEl>
+                                          <p:spTgt spid="30722">
+                                            <p:txEl>
+                                              <p:pRg st="2" end="2"/>
+                                            </p:txEl>
+                                          </p:spTgt>
+                                        </p:tgtEl>
+                                        <p:attrNameLst>
+                                          <p:attrName>ppt_x</p:attrName>
+                                        </p:attrNameLst>
+                                      </p:cBhvr>
+                                      <p:tavLst>
+                                        <p:tav tm="0">
+                                          <p:val>
+                                            <p:strVal val="#ppt_x"/>
+                                          </p:val>
+                                        </p:tav>
+                                        <p:tav tm="100000">
+                                          <p:val>
+                                            <p:strVal val="#ppt_x"/>
+                                          </p:val>
+                                        </p:tav>
+                                      </p:tavLst>
+                                    </p:anim>
+                                    <p:anim calcmode="lin" valueType="num">
+                                      <p:cBhvr>
+                                        <p:cTn id="9" dur="1000" fill="hold"/>
+                                        <p:tgtEl>
+                                          <p:spTgt spid="30722">
+                                            <p:txEl>
+                                              <p:pRg st="2" end="2"/>
+                                            </p:txEl>
+                                          </p:spTgt>
+                                        </p:tgtEl>
+                                        <p:attrNameLst>
+                                          <p:attrName>ppt_y</p:attrName>
+                                        </p:attrNameLst>
+                                      </p:cBhvr>
+                                      <p:tavLst>
+                                        <p:tav tm="0">
+                                          <p:val>
+                                            <p:strVal val="#ppt_y+.1"/>
+                                          </p:val>
+                                        </p:tav>
+                                        <p:tav tm="100000">
+                                          <p:val>
+                                            <p:strVal val="#ppt_y"/>
+                                          </p:val>
+                                        </p:tav>
+                                      </p:tavLst>
+                                    </p:anim>
+                                  </p:childTnLst>
+                                </p:cTn>
+                              </p:par>
+                              <p:par>
+                                <p:cTn id="10" presetID="42" presetClass="entr" presetSubtype="0" fill="hold" nodeType="withEffect">
+                                  <p:stCondLst>
+                                    <p:cond delay="0"/>
+                                  </p:stCondLst>
+                                  <p:childTnLst>
+                                    <p:set>
+                                      <p:cBhvr>
+                                        <p:cTn id="11" dur="1" fill="hold">
+                                          <p:stCondLst>
+                                            <p:cond delay="0"/>
+                                          </p:stCondLst>
+                                        </p:cTn>
+                                        <p:tgtEl>
+                                          <p:spTgt spid="30722">
+                                            <p:txEl>
+                                              <p:pRg st="3" end="3"/>
+                                            </p:txEl>
+                                          </p:spTgt>
+                                        </p:tgtEl>
+                                        <p:attrNameLst>
+                                          <p:attrName>style.visibility</p:attrName>
+                                        </p:attrNameLst>
+                                      </p:cBhvr>
+                                      <p:to>
+                                        <p:strVal val="visible"/>
+                                      </p:to>
+                                    </p:set>
+                                    <p:animEffect transition="in" filter="fade">
+                                      <p:cBhvr>
+                                        <p:cTn id="12" dur="1000"/>
+                                        <p:tgtEl>
+                                          <p:spTgt spid="30722">
+                                            <p:txEl>
+                                              <p:pRg st="3" end="3"/>
+                                            </p:txEl>
+                                          </p:spTgt>
+                                        </p:tgtEl>
+                                      </p:cBhvr>
+                                    </p:animEffect>
+                                    <p:anim calcmode="lin" valueType="num">
+                                      <p:cBhvr>
+                                        <p:cTn id="13" dur="1000" fill="hold"/>
+                                        <p:tgtEl>
+                                          <p:spTgt spid="30722">
+                                            <p:txEl>
+                                              <p:pRg st="3" end="3"/>
+                                            </p:txEl>
+                                          </p:spTgt>
+                                        </p:tgtEl>
+                                        <p:attrNameLst>
+                                          <p:attrName>ppt_x</p:attrName>
+                                        </p:attrNameLst>
+                                      </p:cBhvr>
+                                      <p:tavLst>
+                                        <p:tav tm="0">
+                                          <p:val>
+                                            <p:strVal val="#ppt_x"/>
+                                          </p:val>
+                                        </p:tav>
+                                        <p:tav tm="100000">
+                                          <p:val>
+                                            <p:strVal val="#ppt_x"/>
+                                          </p:val>
+                                        </p:tav>
+                                      </p:tavLst>
+                                    </p:anim>
+                                    <p:anim calcmode="lin" valueType="num">
+                                      <p:cBhvr>
+                                        <p:cTn id="14" dur="1000" fill="hold"/>
+                                        <p:tgtEl>
+                                          <p:spTgt spid="30722">
+                                            <p:txEl>
+                                              <p:pRg st="3" end="3"/>
+                                            </p:txEl>
+                                          </p:spTgt>
+                                        </p:tgtEl>
+                                        <p:attrNameLst>
+                                          <p:attrName>ppt_y</p:attrName>
+                                        </p:attrNameLst>
+                                      </p:cBhvr>
+                                      <p:tavLst>
+                                        <p:tav tm="0">
+                                          <p:val>
+                                            <p:strVal val="#ppt_y+.1"/>
+                                          </p:val>
+                                        </p:tav>
+                                        <p:tav tm="100000">
+                                          <p:val>
+                                            <p:strVal val="#ppt_y"/>
+                                          </p:val>
+                                        </p:tav>
+                                      </p:tavLst>
+                                    </p:anim>
+                                  </p:childTnLst>
+                                </p:cTn>
+                              </p:par>
+                            </p:childTnLst>
+                          </p:cTn>
+                        </p:par>
+                      </p:childTnLst>
+                    </p:cTn>
+                  </p:par>
+                  <p:par>
+                    <p:cTn id="15" fill="hold">
+                      <p:stCondLst>
+                        <p:cond delay="indefinite"/>
+                      </p:stCondLst>
+                      <p:childTnLst>
+                        <p:par>
+                          <p:cTn id="16" fill="hold">
+                            <p:stCondLst>
+                              <p:cond delay="0"/>
+                            </p:stCondLst>
+                            <p:childTnLst>
+                              <p:par>
+                                <p:cTn id="17" presetID="42" presetClass="entr" presetSubtype="0" fill="hold" nodeType="clickEffect">
+                                  <p:stCondLst>
+                                    <p:cond delay="0"/>
+                                  </p:stCondLst>
+                                  <p:childTnLst>
+                                    <p:set>
+                                      <p:cBhvr>
+                                        <p:cTn id="18" dur="1" fill="hold">
+                                          <p:stCondLst>
+                                            <p:cond delay="0"/>
+                                          </p:stCondLst>
+                                        </p:cTn>
+                                        <p:tgtEl>
+                                          <p:spTgt spid="30722">
+                                            <p:txEl>
+                                              <p:pRg st="5" end="5"/>
+                                            </p:txEl>
+                                          </p:spTgt>
+                                        </p:tgtEl>
+                                        <p:attrNameLst>
+                                          <p:attrName>style.visibility</p:attrName>
+                                        </p:attrNameLst>
+                                      </p:cBhvr>
+                                      <p:to>
+                                        <p:strVal val="visible"/>
+                                      </p:to>
+                                    </p:set>
+                                    <p:animEffect transition="in" filter="fade">
+                                      <p:cBhvr>
+                                        <p:cTn id="19" dur="1000"/>
+                                        <p:tgtEl>
+                                          <p:spTgt spid="30722">
+                                            <p:txEl>
+                                              <p:pRg st="5" end="5"/>
+                                            </p:txEl>
+                                          </p:spTgt>
+                                        </p:tgtEl>
+                                      </p:cBhvr>
+                                    </p:animEffect>
+                                    <p:anim calcmode="lin" valueType="num">
+                                      <p:cBhvr>
+                                        <p:cTn id="20" dur="1000" fill="hold"/>
+                                        <p:tgtEl>
+                                          <p:spTgt spid="30722">
+                                            <p:txEl>
+                                              <p:pRg st="5" end="5"/>
+                                            </p:txEl>
+                                          </p:spTgt>
+                                        </p:tgtEl>
+                                        <p:attrNameLst>
+                                          <p:attrName>ppt_x</p:attrName>
+                                        </p:attrNameLst>
+                                      </p:cBhvr>
+                                      <p:tavLst>
+                                        <p:tav tm="0">
+                                          <p:val>
+                                            <p:strVal val="#ppt_x"/>
+                                          </p:val>
+                                        </p:tav>
+                                        <p:tav tm="100000">
+                                          <p:val>
+                                            <p:strVal val="#ppt_x"/>
+                                          </p:val>
+                                        </p:tav>
+                                      </p:tavLst>
+                                    </p:anim>
+                                    <p:anim calcmode="lin" valueType="num">
+                                      <p:cBhvr>
+                                        <p:cTn id="21" dur="1000" fill="hold"/>
+                                        <p:tgtEl>
+                                          <p:spTgt spid="30722">
+                                            <p:txEl>
+                                              <p:pRg st="5" end="5"/>
+                                            </p:txEl>
+                                          </p:spTgt>
+                                        </p:tgtEl>
+                                        <p:attrNameLst>
+                                          <p:attrName>ppt_y</p:attrName>
+                                        </p:attrNameLst>
+                                      </p:cBhvr>
+                                      <p:tavLst>
+                                        <p:tav tm="0">
+                                          <p:val>
+                                            <p:strVal val="#ppt_y+.1"/>
+                                          </p:val>
+                                        </p:tav>
+                                        <p:tav tm="100000">
+                                          <p:val>
+                                            <p:strVal val="#ppt_y"/>
+                                          </p:val>
+                                        </p:tav>
+                                      </p:tavLst>
+                                    </p:anim>
+                                  </p:childTnLst>
+                                </p:cTn>
+                              </p:par>
+                            </p:childTnLst>
+                          </p:cTn>
+                        </p:par>
+                      </p:childTnLst>
+                    </p:cTn>
+                  </p:par>
+                  <p:par>
+                    <p:cTn id="22" fill="hold">
+                      <p:stCondLst>
+                        <p:cond delay="indefinite"/>
+                      </p:stCondLst>
+                      <p:childTnLst>
+                        <p:par>
+                          <p:cTn id="23" fill="hold">
+                            <p:stCondLst>
+                              <p:cond delay="0"/>
+                            </p:stCondLst>
+                            <p:childTnLst>
+                              <p:par>
+                                <p:cTn id="24" presetID="42" presetClass="entr" presetSubtype="0" fill="hold" nodeType="clickEffect">
+                                  <p:stCondLst>
+                                    <p:cond delay="0"/>
+                                  </p:stCondLst>
+                                  <p:childTnLst>
+                                    <p:set>
+                                      <p:cBhvr>
+                                        <p:cTn id="25" dur="1" fill="hold">
+                                          <p:stCondLst>
+                                            <p:cond delay="0"/>
+                                          </p:stCondLst>
+                                        </p:cTn>
+                                        <p:tgtEl>
+                                          <p:spTgt spid="30722">
+                                            <p:txEl>
+                                              <p:pRg st="7" end="7"/>
+                                            </p:txEl>
+                                          </p:spTgt>
+                                        </p:tgtEl>
+                                        <p:attrNameLst>
+                                          <p:attrName>style.visibility</p:attrName>
+                                        </p:attrNameLst>
+                                      </p:cBhvr>
+                                      <p:to>
+                                        <p:strVal val="visible"/>
+                                      </p:to>
+                                    </p:set>
+                                    <p:animEffect transition="in" filter="fade">
+                                      <p:cBhvr>
+                                        <p:cTn id="26" dur="1000"/>
+                                        <p:tgtEl>
+                                          <p:spTgt spid="30722">
+                                            <p:txEl>
+                                              <p:pRg st="7" end="7"/>
+                                            </p:txEl>
+                                          </p:spTgt>
+                                        </p:tgtEl>
+                                      </p:cBhvr>
+                                    </p:animEffect>
+                                    <p:anim calcmode="lin" valueType="num">
+                                      <p:cBhvr>
+                                        <p:cTn id="27" dur="1000" fill="hold"/>
+                                        <p:tgtEl>
+                                          <p:spTgt spid="30722">
+                                            <p:txEl>
+                                              <p:pRg st="7" end="7"/>
+                                            </p:txEl>
+                                          </p:spTgt>
+                                        </p:tgtEl>
+                                        <p:attrNameLst>
+                                          <p:attrName>ppt_x</p:attrName>
+                                        </p:attrNameLst>
+                                      </p:cBhvr>
+                                      <p:tavLst>
+                                        <p:tav tm="0">
+                                          <p:val>
+                                            <p:strVal val="#ppt_x"/>
+                                          </p:val>
+                                        </p:tav>
+                                        <p:tav tm="100000">
+                                          <p:val>
+                                            <p:strVal val="#ppt_x"/>
+                                          </p:val>
+                                        </p:tav>
+                                      </p:tavLst>
+                                    </p:anim>
+                                    <p:anim calcmode="lin" valueType="num">
+                                      <p:cBhvr>
+                                        <p:cTn id="28" dur="1000" fill="hold"/>
+                                        <p:tgtEl>
+                                          <p:spTgt spid="30722">
+                                            <p:txEl>
+                                              <p:pRg st="7" end="7"/>
+                                            </p:txEl>
+                                          </p:spTgt>
+                                        </p:tgtEl>
+                                        <p:attrNameLst>
+                                          <p:attrName>ppt_y</p:attrName>
+                                        </p:attrNameLst>
+                                      </p:cBhvr>
+                                      <p:tavLst>
+                                        <p:tav tm="0">
+                                          <p:val>
+                                            <p:strVal val="#ppt_y+.1"/>
+                                          </p:val>
+                                        </p:tav>
+                                        <p:tav tm="100000">
+                                          <p:val>
+                                            <p:strVal val="#ppt_y"/>
+                                          </p:val>
+                                        </p:tav>
+                                      </p:tavLst>
+                                    </p:anim>
+                                  </p:childTnLst>
+                                </p:cTn>
+                              </p:par>
+                            </p:childTnLst>
+                          </p:cTn>
+                        </p:par>
+                      </p:childTnLst>
+                    </p:cTn>
+                  </p:par>
+                </p:childTnLst>
+              </p:cTn>
+              <p:prevCondLst>
+                <p:cond evt="onPrev" delay="0">
+                  <p:tgtEl>
+                    <p:sldTgt/>
+                  </p:tgtEl>
+                </p:cond>
+              </p:prevCondLst>
+              <p:nextCondLst>
+                <p:cond evt="onNext" delay="0">
+                  <p:tgtEl>
+                    <p:sldTgt/>
+                  </p:tgtEl>
+                </p:cond>
+              </p:nextCondLst>
+            </p:seq>
+          </p:childTnLst>
+        </p:cTn>
       </p:par>
     </p:tnLst>
   </p:timing>
@@ -8142,12 +10168,10 @@
         </p:nvSpPr>
         <p:spPr bwMode="auto">
           <a:xfrm>
-            <a:off x="693526" y="907845"/>
+            <a:off x="693526" y="763779"/>
             <a:ext cx="9436322" cy="4898244"/>
           </a:xfrm>
-          <a:solidFill>
-            <a:schemeClr val="bg1"/>
-          </a:solidFill>
+          <a:noFill/>
         </p:spPr>
         <p:txBody>
           <a:bodyPr vert="horz" wrap="square" lIns="91440" tIns="45720" rIns="91440" bIns="45720" numCol="1" anchor="t" anchorCtr="0" compatLnSpc="1"/>
@@ -8160,79 +10184,209 @@
             </a:r>
             <a:r>
               <a:rPr lang="zh-CN" altLang="en-US" dirty="0" smtClean="0"/>
-              <a:t>事件绑定</a:t>
+              <a:t>更新 </a:t>
             </a:r>
             <a:endParaRPr lang="en-US" altLang="zh-CN" dirty="0" smtClean="0"/>
           </a:p>
           <a:p>
             <a:pPr marL="591820" lvl="1"/>
             <a:r>
-              <a:rPr lang="en-US" altLang="zh-CN" dirty="0"/>
-              <a:t> React </a:t>
-            </a:r>
-            <a:r>
-              <a:rPr lang="zh-CN" altLang="en-US" dirty="0"/>
-              <a:t>事件绑定属性的命名采用驼峰式写法，而不是小写</a:t>
-            </a:r>
-            <a:endParaRPr lang="en-US" altLang="zh-CN" dirty="0" smtClean="0"/>
-          </a:p>
-          <a:p>
-            <a:pPr marL="591820" lvl="1"/>
-            <a:r>
-              <a:rPr lang="zh-CN" altLang="en-US" dirty="0" smtClean="0"/>
-              <a:t> 采用 </a:t>
-            </a:r>
-            <a:r>
-              <a:rPr lang="en-US" altLang="zh-CN" dirty="0"/>
-              <a:t>JSX </a:t>
-            </a:r>
-            <a:r>
-              <a:rPr lang="zh-CN" altLang="en-US" dirty="0" smtClean="0"/>
-              <a:t>语法需传入</a:t>
-            </a:r>
-            <a:r>
-              <a:rPr lang="zh-CN" altLang="en-US" dirty="0"/>
-              <a:t>一个函数作为事件处理函数，而不是一个字符串</a:t>
-            </a:r>
-            <a:r>
-              <a:rPr lang="en-US" altLang="zh-CN" dirty="0" smtClean="0"/>
-              <a:t>( DOM</a:t>
-            </a:r>
-            <a:r>
-              <a:rPr lang="zh-CN" altLang="en-US" dirty="0"/>
-              <a:t>元素的</a:t>
-            </a:r>
-            <a:r>
-              <a:rPr lang="zh-CN" altLang="en-US" dirty="0" smtClean="0"/>
-              <a:t>写法 </a:t>
-            </a:r>
-            <a:r>
-              <a:rPr lang="en-US" altLang="zh-CN" dirty="0" smtClean="0"/>
-              <a:t>)</a:t>
-            </a:r>
-            <a:endParaRPr lang="en-US" altLang="zh-CN" sz="2000" dirty="0" smtClean="0"/>
-          </a:p>
-          <a:p>
-            <a:pPr marL="361315" lvl="1" indent="0">
-              <a:buNone/>
-            </a:pPr>
-            <a:endParaRPr lang="en-US" altLang="zh-CN" sz="2200" dirty="0" smtClean="0">
+              <a:rPr lang="en-US" altLang="zh-CN" dirty="0">
+                <a:latin typeface="+mj-ea"/>
+                <a:ea typeface="+mj-ea"/>
+              </a:rPr>
+              <a:t> </a:t>
+            </a:r>
+            <a:r>
+              <a:rPr lang="en-US" altLang="zh-CN" dirty="0" smtClean="0">
+                <a:latin typeface="+mj-ea"/>
+                <a:ea typeface="+mj-ea"/>
+              </a:rPr>
+              <a:t>static </a:t>
+            </a:r>
+            <a:r>
+              <a:rPr lang="en-US" altLang="zh-CN" dirty="0" err="1" smtClean="0">
+                <a:latin typeface="+mj-ea"/>
+                <a:ea typeface="+mj-ea"/>
+              </a:rPr>
+              <a:t>getDerivedStateFromProps</a:t>
+            </a:r>
+            <a:r>
+              <a:rPr lang="en-US" altLang="zh-CN" dirty="0" smtClean="0">
+                <a:latin typeface="+mj-ea"/>
+                <a:ea typeface="+mj-ea"/>
+              </a:rPr>
+              <a:t>( )</a:t>
+            </a:r>
+            <a:endParaRPr lang="en-US" altLang="zh-CN" dirty="0">
               <a:latin typeface="+mj-ea"/>
               <a:ea typeface="+mj-ea"/>
             </a:endParaRPr>
           </a:p>
           <a:p>
-            <a:pPr marL="360045" lvl="1" indent="0">
-              <a:buFont typeface="Arial" panose="020B0604020202020204" pitchFamily="34" charset="0"/>
-              <a:buNone/>
-              <a:defRPr/>
-            </a:pPr>
-            <a:r>
-              <a:rPr lang="en-US" altLang="zh-CN" sz="2400" dirty="0" smtClean="0">
+            <a:pPr marL="591820" lvl="1"/>
+            <a:r>
+              <a:rPr lang="en-US" altLang="zh-CN" dirty="0">
                 <a:latin typeface="+mj-ea"/>
                 <a:ea typeface="+mj-ea"/>
               </a:rPr>
-              <a:t>		</a:t>
+              <a:t> </a:t>
+            </a:r>
+            <a:r>
+              <a:rPr lang="en-US" altLang="zh-CN" dirty="0" err="1">
+                <a:latin typeface="+mj-ea"/>
+                <a:ea typeface="+mj-ea"/>
+              </a:rPr>
+              <a:t>shouldComponentUpdate</a:t>
+            </a:r>
+            <a:r>
+              <a:rPr lang="en-US" altLang="zh-CN" dirty="0" smtClean="0">
+                <a:latin typeface="+mj-ea"/>
+                <a:ea typeface="+mj-ea"/>
+              </a:rPr>
+              <a:t>( )</a:t>
+            </a:r>
+          </a:p>
+          <a:p>
+            <a:pPr marL="593090" lvl="2"/>
+            <a:r>
+              <a:rPr lang="zh-CN" altLang="en-US" dirty="0"/>
+              <a:t>当接收到新属性或状态时</a:t>
+            </a:r>
+            <a:r>
+              <a:rPr lang="zh-CN" altLang="en-US" dirty="0" smtClean="0"/>
+              <a:t>，在</a:t>
+            </a:r>
+            <a:r>
+              <a:rPr lang="zh-CN" altLang="en-US" dirty="0"/>
+              <a:t>渲染前被</a:t>
+            </a:r>
+            <a:r>
+              <a:rPr lang="zh-CN" altLang="en-US" dirty="0" smtClean="0"/>
+              <a:t>调用，返回布尔值</a:t>
+            </a:r>
+            <a:endParaRPr lang="en-US" altLang="zh-CN" dirty="0">
+              <a:latin typeface="+mj-ea"/>
+              <a:ea typeface="+mj-ea"/>
+            </a:endParaRPr>
+          </a:p>
+          <a:p>
+            <a:pPr marL="591820" lvl="1"/>
+            <a:r>
+              <a:rPr lang="en-US" altLang="zh-CN" dirty="0" smtClean="0">
+                <a:latin typeface="+mj-ea"/>
+                <a:ea typeface="+mj-ea"/>
+              </a:rPr>
+              <a:t> render( )</a:t>
+            </a:r>
+          </a:p>
+          <a:p>
+            <a:pPr marL="591820" lvl="1"/>
+            <a:r>
+              <a:rPr lang="en-US" altLang="zh-CN" dirty="0" smtClean="0">
+                <a:latin typeface="+mj-ea"/>
+                <a:ea typeface="+mj-ea"/>
+              </a:rPr>
+              <a:t> </a:t>
+            </a:r>
+            <a:r>
+              <a:rPr lang="en-US" altLang="zh-CN" dirty="0" err="1" smtClean="0">
+                <a:latin typeface="+mj-ea"/>
+                <a:ea typeface="+mj-ea"/>
+              </a:rPr>
+              <a:t>getSnapshotBeforeUpdate</a:t>
+            </a:r>
+            <a:r>
+              <a:rPr lang="en-US" altLang="zh-CN" dirty="0" smtClean="0">
+                <a:latin typeface="+mj-ea"/>
+                <a:ea typeface="+mj-ea"/>
+              </a:rPr>
+              <a:t>( )</a:t>
+            </a:r>
+          </a:p>
+          <a:p>
+            <a:pPr marL="593090" lvl="2"/>
+            <a:r>
+              <a:rPr lang="en-US" altLang="zh-CN" dirty="0">
+                <a:latin typeface="+mj-ea"/>
+                <a:ea typeface="+mj-ea"/>
+              </a:rPr>
+              <a:t> </a:t>
+            </a:r>
+            <a:r>
+              <a:rPr lang="zh-CN" altLang="en-US" dirty="0" smtClean="0">
+                <a:latin typeface="+mj-ea"/>
+                <a:ea typeface="+mj-ea"/>
+              </a:rPr>
+              <a:t>在</a:t>
+            </a:r>
+            <a:r>
+              <a:rPr lang="zh-CN" altLang="en-US" dirty="0"/>
+              <a:t>最新的渲染输出提交</a:t>
+            </a:r>
+            <a:r>
+              <a:rPr lang="zh-CN" altLang="en-US" dirty="0" smtClean="0"/>
+              <a:t>给 </a:t>
+            </a:r>
+            <a:r>
+              <a:rPr lang="en-US" altLang="zh-CN" dirty="0" smtClean="0"/>
+              <a:t>DOM </a:t>
+            </a:r>
+            <a:r>
+              <a:rPr lang="zh-CN" altLang="en-US" dirty="0" smtClean="0"/>
+              <a:t>前</a:t>
+            </a:r>
+            <a:r>
+              <a:rPr lang="zh-CN" altLang="en-US" dirty="0"/>
+              <a:t>将会立即</a:t>
+            </a:r>
+            <a:r>
+              <a:rPr lang="zh-CN" altLang="en-US" dirty="0" smtClean="0"/>
+              <a:t>调用</a:t>
+            </a:r>
+            <a:endParaRPr lang="en-US" altLang="zh-CN" dirty="0" smtClean="0"/>
+          </a:p>
+          <a:p>
+            <a:pPr marL="593090" lvl="2"/>
+            <a:r>
+              <a:rPr lang="zh-CN" altLang="en-US" dirty="0" smtClean="0"/>
+              <a:t> 该函数返回的</a:t>
+            </a:r>
+            <a:r>
+              <a:rPr lang="zh-CN" altLang="en-US" dirty="0"/>
+              <a:t>任何值将会 作为参数被传递给</a:t>
+            </a:r>
+            <a:r>
+              <a:rPr lang="en-US" altLang="zh-CN" dirty="0" err="1"/>
+              <a:t>componentDidUpdate</a:t>
+            </a:r>
+            <a:endParaRPr lang="en-US" altLang="zh-CN" dirty="0" smtClean="0">
+              <a:latin typeface="+mj-ea"/>
+              <a:ea typeface="+mj-ea"/>
+            </a:endParaRPr>
+          </a:p>
+          <a:p>
+            <a:pPr marL="591820" lvl="1"/>
+            <a:r>
+              <a:rPr lang="en-US" altLang="zh-CN" dirty="0">
+                <a:latin typeface="+mj-ea"/>
+                <a:ea typeface="+mj-ea"/>
+              </a:rPr>
+              <a:t> </a:t>
+            </a:r>
+            <a:r>
+              <a:rPr lang="en-US" altLang="zh-CN" dirty="0" err="1">
+                <a:latin typeface="+mj-ea"/>
+                <a:ea typeface="+mj-ea"/>
+              </a:rPr>
+              <a:t>componentDidUpdate</a:t>
+            </a:r>
+            <a:r>
+              <a:rPr lang="en-US" altLang="zh-CN" dirty="0" smtClean="0">
+                <a:latin typeface="+mj-ea"/>
+                <a:ea typeface="+mj-ea"/>
+              </a:rPr>
+              <a:t>( )</a:t>
             </a:r>
             <a:endParaRPr lang="zh-CN" altLang="en-US" dirty="0" smtClean="0">
               <a:latin typeface="+mj-ea"/>
@@ -8284,101 +10438,23 @@
               <a:defRPr/>
             </a:pPr>
             <a:r>
-              <a:rPr lang="zh-CN" altLang="en-US" dirty="0" smtClean="0">
+              <a:rPr lang="zh-CN" altLang="en-US" dirty="0">
                 <a:latin typeface="+mn-ea"/>
                 <a:ea typeface="+mn-ea"/>
               </a:rPr>
-              <a:t>事件绑定</a:t>
-            </a:r>
-          </a:p>
-        </p:txBody>
-      </p:sp>
-      <p:sp>
-        <p:nvSpPr>
-          <p:cNvPr id="4" name="TextBox 3"/>
-          <p:cNvSpPr txBox="1"/>
-          <p:nvPr/>
-        </p:nvSpPr>
-        <p:spPr>
-          <a:xfrm>
-            <a:off x="1125723" y="3669331"/>
-            <a:ext cx="9148191" cy="1200329"/>
-          </a:xfrm>
-          <a:prstGeom prst="rect">
-            <a:avLst/>
-          </a:prstGeom>
-          <a:solidFill>
-            <a:schemeClr val="accent1">
-              <a:lumMod val="10000"/>
-              <a:lumOff val="90000"/>
-            </a:schemeClr>
-          </a:solidFill>
-        </p:spPr>
-        <p:txBody>
-          <a:bodyPr wrap="square" rtlCol="0">
-            <a:spAutoFit/>
-          </a:bodyPr>
-          <a:lstStyle/>
-          <a:p>
-            <a:r>
-              <a:rPr lang="en-US" altLang="zh-CN" sz="2400" dirty="0"/>
-              <a:t>&lt;button </a:t>
-            </a:r>
-            <a:r>
-              <a:rPr lang="en-US" altLang="zh-CN" sz="2400" dirty="0" err="1">
-                <a:solidFill>
-                  <a:schemeClr val="accent3"/>
-                </a:solidFill>
-              </a:rPr>
-              <a:t>onClick</a:t>
-            </a:r>
-            <a:r>
-              <a:rPr lang="en-US" altLang="zh-CN" sz="2400" dirty="0" smtClean="0"/>
-              <a:t>={ </a:t>
-            </a:r>
-            <a:r>
-              <a:rPr lang="en-US" altLang="zh-CN" sz="2400" dirty="0" err="1" smtClean="0">
-                <a:solidFill>
-                  <a:schemeClr val="accent3"/>
-                </a:solidFill>
-              </a:rPr>
-              <a:t>handleClick</a:t>
-            </a:r>
-            <a:r>
-              <a:rPr lang="en-US" altLang="zh-CN" sz="2400" dirty="0" smtClean="0">
-                <a:solidFill>
-                  <a:schemeClr val="accent3"/>
-                </a:solidFill>
-              </a:rPr>
-              <a:t> </a:t>
-            </a:r>
-            <a:r>
-              <a:rPr lang="en-US" altLang="zh-CN" sz="2400" dirty="0" smtClean="0"/>
-              <a:t>}&gt; </a:t>
-            </a:r>
-          </a:p>
-          <a:p>
-            <a:r>
-              <a:rPr lang="en-US" altLang="zh-CN" sz="2400" dirty="0" smtClean="0"/>
-              <a:t>	Click </a:t>
-            </a:r>
-          </a:p>
-          <a:p>
-            <a:r>
-              <a:rPr lang="en-US" altLang="zh-CN" sz="2400" dirty="0" smtClean="0"/>
-              <a:t>&lt;/</a:t>
-            </a:r>
-            <a:r>
-              <a:rPr lang="en-US" altLang="zh-CN" sz="2400" dirty="0"/>
-              <a:t>button&gt;</a:t>
-            </a:r>
+              <a:t>组件</a:t>
+            </a:r>
+            <a:endParaRPr lang="zh-CN" altLang="en-US" dirty="0" smtClean="0">
+              <a:latin typeface="+mn-ea"/>
+              <a:ea typeface="+mn-ea"/>
+            </a:endParaRPr>
           </a:p>
         </p:txBody>
       </p:sp>
     </p:spTree>
     <p:extLst>
       <p:ext uri="{BB962C8B-B14F-4D97-AF65-F5344CB8AC3E}">
-        <p14:creationId xmlns:p14="http://schemas.microsoft.com/office/powerpoint/2010/main" val="2691461166"/>
+        <p14:creationId xmlns:p14="http://schemas.microsoft.com/office/powerpoint/2010/main" val="608386522"/>
       </p:ext>
     </p:extLst>
   </p:cSld>
@@ -8406,7 +10482,7 @@
                             </p:stCondLst>
                             <p:childTnLst>
                               <p:par>
-                                <p:cTn id="5" presetID="22" presetClass="entr" presetSubtype="4" fill="hold" grpId="0" nodeType="clickEffect">
+                                <p:cTn id="5" presetID="42" presetClass="entr" presetSubtype="0" fill="hold" nodeType="clickEffect">
                                   <p:stCondLst>
                                     <p:cond delay="0"/>
                                   </p:stCondLst>
@@ -8419,7 +10495,11 @@
                                           </p:stCondLst>
                                         </p:cTn>
                                         <p:tgtEl>
-                                          <p:spTgt spid="4"/>
+                                          <p:spTgt spid="30722">
+                                            <p:txEl>
+                                              <p:pRg st="3" end="3"/>
+                                            </p:txEl>
+                                          </p:spTgt>
                                         </p:tgtEl>
                                         <p:attrNameLst>
                                           <p:attrName>style.visibility</p:attrName>
@@ -8429,14 +10509,284 @@
                                         <p:strVal val="visible"/>
                                       </p:to>
                                     </p:set>
-                                    <p:animEffect transition="in" filter="wipe(down)">
+                                    <p:animEffect transition="in" filter="fade">
                                       <p:cBhvr>
-                                        <p:cTn id="7" dur="500"/>
+                                        <p:cTn id="7" dur="1000"/>
                                         <p:tgtEl>
-                                          <p:spTgt spid="4"/>
+                                          <p:spTgt spid="30722">
+                                            <p:txEl>
+                                              <p:pRg st="3" end="3"/>
+                                            </p:txEl>
+                                          </p:spTgt>
                                         </p:tgtEl>
                                       </p:cBhvr>
                                     </p:animEffect>
+                                    <p:anim calcmode="lin" valueType="num">
+                                      <p:cBhvr>
+                                        <p:cTn id="8" dur="1000" fill="hold"/>
+                                        <p:tgtEl>
+                                          <p:spTgt spid="30722">
+                                            <p:txEl>
+                                              <p:pRg st="3" end="3"/>
+                                            </p:txEl>
+                                          </p:spTgt>
+                                        </p:tgtEl>
+                                        <p:attrNameLst>
+                                          <p:attrName>ppt_x</p:attrName>
+                                        </p:attrNameLst>
+                                      </p:cBhvr>
+                                      <p:tavLst>
+                                        <p:tav tm="0">
+                                          <p:val>
+                                            <p:strVal val="#ppt_x"/>
+                                          </p:val>
+                                        </p:tav>
+                                        <p:tav tm="100000">
+                                          <p:val>
+                                            <p:strVal val="#ppt_x"/>
+                                          </p:val>
+                                        </p:tav>
+                                      </p:tavLst>
+                                    </p:anim>
+                                    <p:anim calcmode="lin" valueType="num">
+                                      <p:cBhvr>
+                                        <p:cTn id="9" dur="1000" fill="hold"/>
+                                        <p:tgtEl>
+                                          <p:spTgt spid="30722">
+                                            <p:txEl>
+                                              <p:pRg st="3" end="3"/>
+                                            </p:txEl>
+                                          </p:spTgt>
+                                        </p:tgtEl>
+                                        <p:attrNameLst>
+                                          <p:attrName>ppt_y</p:attrName>
+                                        </p:attrNameLst>
+                                      </p:cBhvr>
+                                      <p:tavLst>
+                                        <p:tav tm="0">
+                                          <p:val>
+                                            <p:strVal val="#ppt_y+.1"/>
+                                          </p:val>
+                                        </p:tav>
+                                        <p:tav tm="100000">
+                                          <p:val>
+                                            <p:strVal val="#ppt_y"/>
+                                          </p:val>
+                                        </p:tav>
+                                      </p:tavLst>
+                                    </p:anim>
+                                  </p:childTnLst>
+                                </p:cTn>
+                              </p:par>
+                            </p:childTnLst>
+                          </p:cTn>
+                        </p:par>
+                      </p:childTnLst>
+                    </p:cTn>
+                  </p:par>
+                  <p:par>
+                    <p:cTn id="10" fill="hold">
+                      <p:stCondLst>
+                        <p:cond delay="indefinite"/>
+                      </p:stCondLst>
+                      <p:childTnLst>
+                        <p:par>
+                          <p:cTn id="11" fill="hold">
+                            <p:stCondLst>
+                              <p:cond delay="0"/>
+                            </p:stCondLst>
+                            <p:childTnLst>
+                              <p:par>
+                                <p:cTn id="12" presetID="42" presetClass="entr" presetSubtype="0" fill="hold" nodeType="clickEffect">
+                                  <p:stCondLst>
+                                    <p:cond delay="0"/>
+                                  </p:stCondLst>
+                                  <p:childTnLst>
+                                    <p:set>
+                                      <p:cBhvr>
+                                        <p:cTn id="13" dur="1" fill="hold">
+                                          <p:stCondLst>
+                                            <p:cond delay="0"/>
+                                          </p:stCondLst>
+                                        </p:cTn>
+                                        <p:tgtEl>
+                                          <p:spTgt spid="30722">
+                                            <p:txEl>
+                                              <p:pRg st="6" end="6"/>
+                                            </p:txEl>
+                                          </p:spTgt>
+                                        </p:tgtEl>
+                                        <p:attrNameLst>
+                                          <p:attrName>style.visibility</p:attrName>
+                                        </p:attrNameLst>
+                                      </p:cBhvr>
+                                      <p:to>
+                                        <p:strVal val="visible"/>
+                                      </p:to>
+                                    </p:set>
+                                    <p:animEffect transition="in" filter="fade">
+                                      <p:cBhvr>
+                                        <p:cTn id="14" dur="1000"/>
+                                        <p:tgtEl>
+                                          <p:spTgt spid="30722">
+                                            <p:txEl>
+                                              <p:pRg st="6" end="6"/>
+                                            </p:txEl>
+                                          </p:spTgt>
+                                        </p:tgtEl>
+                                      </p:cBhvr>
+                                    </p:animEffect>
+                                    <p:anim calcmode="lin" valueType="num">
+                                      <p:cBhvr>
+                                        <p:cTn id="15" dur="1000" fill="hold"/>
+                                        <p:tgtEl>
+                                          <p:spTgt spid="30722">
+                                            <p:txEl>
+                                              <p:pRg st="6" end="6"/>
+                                            </p:txEl>
+                                          </p:spTgt>
+                                        </p:tgtEl>
+                                        <p:attrNameLst>
+                                          <p:attrName>ppt_x</p:attrName>
+                                        </p:attrNameLst>
+                                      </p:cBhvr>
+                                      <p:tavLst>
+                                        <p:tav tm="0">
+                                          <p:val>
+                                            <p:strVal val="#ppt_x"/>
+                                          </p:val>
+                                        </p:tav>
+                                        <p:tav tm="100000">
+                                          <p:val>
+                                            <p:strVal val="#ppt_x"/>
+                                          </p:val>
+                                        </p:tav>
+                                      </p:tavLst>
+                                    </p:anim>
+                                    <p:anim calcmode="lin" valueType="num">
+                                      <p:cBhvr>
+                                        <p:cTn id="16" dur="1000" fill="hold"/>
+                                        <p:tgtEl>
+                                          <p:spTgt spid="30722">
+                                            <p:txEl>
+                                              <p:pRg st="6" end="6"/>
+                                            </p:txEl>
+                                          </p:spTgt>
+                                        </p:tgtEl>
+                                        <p:attrNameLst>
+                                          <p:attrName>ppt_y</p:attrName>
+                                        </p:attrNameLst>
+                                      </p:cBhvr>
+                                      <p:tavLst>
+                                        <p:tav tm="0">
+                                          <p:val>
+                                            <p:strVal val="#ppt_y+.1"/>
+                                          </p:val>
+                                        </p:tav>
+                                        <p:tav tm="100000">
+                                          <p:val>
+                                            <p:strVal val="#ppt_y"/>
+                                          </p:val>
+                                        </p:tav>
+                                      </p:tavLst>
+                                    </p:anim>
+                                  </p:childTnLst>
+                                </p:cTn>
+                              </p:par>
+                              <p:par>
+                                <p:cTn id="17" presetID="42" presetClass="entr" presetSubtype="0" fill="hold" nodeType="withEffect">
+                                  <p:stCondLst>
+                                    <p:cond delay="0"/>
+                                  </p:stCondLst>
+                                  <p:childTnLst>
+                                    <p:set>
+                                      <p:cBhvr>
+                                        <p:cTn id="18" dur="1" fill="hold">
+                                          <p:stCondLst>
+                                            <p:cond delay="0"/>
+                                          </p:stCondLst>
+                                        </p:cTn>
+                                        <p:tgtEl>
+                                          <p:spTgt spid="30722">
+                                            <p:txEl>
+                                              <p:pRg st="7" end="7"/>
+                                            </p:txEl>
+                                          </p:spTgt>
+                                        </p:tgtEl>
+                                        <p:attrNameLst>
+                                          <p:attrName>style.visibility</p:attrName>
+                                        </p:attrNameLst>
+                                      </p:cBhvr>
+                                      <p:to>
+                                        <p:strVal val="visible"/>
+                                      </p:to>
+                                    </p:set>
+                                    <p:animEffect transition="in" filter="fade">
+                                      <p:cBhvr>
+                                        <p:cTn id="19" dur="1000"/>
+                                        <p:tgtEl>
+                                          <p:spTgt spid="30722">
+                                            <p:txEl>
+                                              <p:pRg st="7" end="7"/>
+                                            </p:txEl>
+                                          </p:spTgt>
+                                        </p:tgtEl>
+                                      </p:cBhvr>
+                                    </p:animEffect>
+                                    <p:anim calcmode="lin" valueType="num">
+                                      <p:cBhvr>
+                                        <p:cTn id="20" dur="1000" fill="hold"/>
+                                        <p:tgtEl>
+                                          <p:spTgt spid="30722">
+                                            <p:txEl>
+                                              <p:pRg st="7" end="7"/>
+                                            </p:txEl>
+                                          </p:spTgt>
+                                        </p:tgtEl>
+                                        <p:attrNameLst>
+                                          <p:attrName>ppt_x</p:attrName>
+                                        </p:attrNameLst>
+                                      </p:cBhvr>
+                                      <p:tavLst>
+                                        <p:tav tm="0">
+                                          <p:val>
+                                            <p:strVal val="#ppt_x"/>
+                                          </p:val>
+                                        </p:tav>
+                                        <p:tav tm="100000">
+                                          <p:val>
+                                            <p:strVal val="#ppt_x"/>
+                                          </p:val>
+                                        </p:tav>
+                                      </p:tavLst>
+                                    </p:anim>
+                                    <p:anim calcmode="lin" valueType="num">
+                                      <p:cBhvr>
+                                        <p:cTn id="21" dur="1000" fill="hold"/>
+                                        <p:tgtEl>
+                                          <p:spTgt spid="30722">
+                                            <p:txEl>
+                                              <p:pRg st="7" end="7"/>
+                                            </p:txEl>
+                                          </p:spTgt>
+                                        </p:tgtEl>
+                                        <p:attrNameLst>
+                                          <p:attrName>ppt_y</p:attrName>
+                                        </p:attrNameLst>
+                                      </p:cBhvr>
+                                      <p:tavLst>
+                                        <p:tav tm="0">
+                                          <p:val>
+                                            <p:strVal val="#ppt_y+.1"/>
+                                          </p:val>
+                                        </p:tav>
+                                        <p:tav tm="100000">
+                                          <p:val>
+                                            <p:strVal val="#ppt_y"/>
+                                          </p:val>
+                                        </p:tav>
+                                      </p:tavLst>
+                                    </p:anim>
                                   </p:childTnLst>
                                 </p:cTn>
                               </p:par>
@@ -8467,9 +10817,6 @@
         </p:cTn>
       </p:par>
     </p:tnLst>
-    <p:bldLst>
-      <p:bldP spid="4" grpId="0" animBg="1"/>
-    </p:bldLst>
   </p:timing>
 </p:sld>
 </file>
@@ -8976,103 +11323,60 @@
           <a:p>
             <a:pPr marL="360045"/>
             <a:r>
+              <a:rPr lang="zh-CN" altLang="en-US" dirty="0" smtClean="0"/>
+              <a:t> 卸载</a:t>
+            </a:r>
+            <a:endParaRPr lang="en-US" altLang="zh-CN" dirty="0" smtClean="0"/>
+          </a:p>
+          <a:p>
+            <a:pPr marL="591820" lvl="1"/>
+            <a:r>
               <a:rPr lang="en-US" altLang="zh-CN" dirty="0"/>
               <a:t> </a:t>
             </a:r>
             <a:r>
-              <a:rPr lang="zh-CN" altLang="en-US" dirty="0" smtClean="0"/>
-              <a:t>事件处理函数绑定 </a:t>
+              <a:rPr lang="en-US" altLang="zh-CN" dirty="0" err="1"/>
+              <a:t>componentWillUnmount</a:t>
             </a:r>
             <a:r>
               <a:rPr lang="en-US" altLang="zh-CN" dirty="0" smtClean="0"/>
-              <a:t>this</a:t>
-            </a:r>
-          </a:p>
-          <a:p>
-            <a:pPr marL="591820" lvl="1"/>
-            <a:r>
-              <a:rPr lang="zh-CN" altLang="en-US" dirty="0" smtClean="0"/>
-              <a:t> 类</a:t>
-            </a:r>
-            <a:r>
-              <a:rPr lang="zh-CN" altLang="en-US" dirty="0"/>
-              <a:t>的方法默认是不会绑定 </a:t>
-            </a:r>
-            <a:r>
-              <a:rPr lang="en-US" altLang="zh-CN" dirty="0"/>
-              <a:t>this</a:t>
-            </a:r>
-            <a:r>
-              <a:rPr lang="zh-CN" altLang="en-US" dirty="0"/>
-              <a:t> </a:t>
-            </a:r>
-            <a:r>
-              <a:rPr lang="zh-CN" altLang="en-US" dirty="0" smtClean="0"/>
-              <a:t>的</a:t>
-            </a:r>
-            <a:endParaRPr lang="en-US" altLang="zh-CN" dirty="0" smtClean="0"/>
-          </a:p>
-          <a:p>
-            <a:pPr marL="591820" lvl="1"/>
+              <a:t>( )</a:t>
+            </a:r>
+          </a:p>
+          <a:p>
+            <a:pPr marL="360045"/>
             <a:r>
               <a:rPr lang="en-US" altLang="zh-CN" dirty="0"/>
               <a:t> </a:t>
             </a:r>
             <a:r>
               <a:rPr lang="zh-CN" altLang="en-US" dirty="0" smtClean="0"/>
-              <a:t>通过 </a:t>
-            </a:r>
-            <a:r>
-              <a:rPr lang="en-US" altLang="zh-CN" dirty="0" smtClean="0"/>
-              <a:t>bind </a:t>
-            </a:r>
-            <a:r>
-              <a:rPr lang="zh-CN" altLang="en-US" dirty="0" smtClean="0"/>
-              <a:t>绑定 </a:t>
-            </a:r>
-            <a:r>
-              <a:rPr lang="en-US" altLang="zh-CN" dirty="0" smtClean="0"/>
-              <a:t>this</a:t>
-            </a:r>
-            <a:r>
-              <a:rPr lang="zh-CN" altLang="en-US" dirty="0" smtClean="0"/>
-              <a:t>（ </a:t>
-            </a:r>
-            <a:r>
-              <a:rPr lang="zh-CN" altLang="en-US" dirty="0" smtClean="0">
-                <a:solidFill>
-                  <a:srgbClr val="FF0000"/>
-                </a:solidFill>
-              </a:rPr>
-              <a:t>两种形式 </a:t>
-            </a:r>
-            <a:r>
-              <a:rPr lang="zh-CN" altLang="en-US" dirty="0" smtClean="0"/>
-              <a:t>）</a:t>
-            </a:r>
-            <a:endParaRPr lang="en-US" altLang="zh-CN" sz="2000" dirty="0" smtClean="0"/>
-          </a:p>
-          <a:p>
-            <a:pPr marL="361315" lvl="1" indent="0">
-              <a:buNone/>
-            </a:pPr>
-            <a:endParaRPr lang="en-US" altLang="zh-CN" sz="2200" dirty="0" smtClean="0">
-              <a:latin typeface="+mj-ea"/>
-              <a:ea typeface="+mj-ea"/>
-            </a:endParaRPr>
-          </a:p>
-          <a:p>
-            <a:pPr marL="360045" lvl="1" indent="0">
-              <a:buFont typeface="Arial" panose="020B0604020202020204" pitchFamily="34" charset="0"/>
-              <a:buNone/>
-              <a:defRPr/>
-            </a:pPr>
-            <a:r>
-              <a:rPr lang="en-US" altLang="zh-CN" sz="2400" dirty="0" smtClean="0">
+              <a:t>错误处理</a:t>
+            </a:r>
+            <a:endParaRPr lang="en-US" altLang="zh-CN" dirty="0" smtClean="0"/>
+          </a:p>
+          <a:p>
+            <a:pPr marL="591820" lvl="1"/>
+            <a:r>
+              <a:rPr lang="en-US" altLang="zh-CN" dirty="0">
                 <a:latin typeface="+mj-ea"/>
                 <a:ea typeface="+mj-ea"/>
               </a:rPr>
-              <a:t>		</a:t>
+              <a:t> </a:t>
+            </a:r>
+            <a:r>
+              <a:rPr lang="en-US" altLang="zh-CN" dirty="0" err="1">
+                <a:latin typeface="+mj-ea"/>
+                <a:ea typeface="+mj-ea"/>
+              </a:rPr>
+              <a:t>componentDidCatch</a:t>
+            </a:r>
+            <a:r>
+              <a:rPr lang="en-US" altLang="zh-CN" dirty="0" smtClean="0">
+                <a:latin typeface="+mj-ea"/>
+                <a:ea typeface="+mj-ea"/>
+              </a:rPr>
+              <a:t>( )</a:t>
             </a:r>
             <a:endParaRPr lang="zh-CN" altLang="en-US" dirty="0" smtClean="0">
               <a:latin typeface="+mj-ea"/>
@@ -9124,188 +11428,23 @@
               <a:defRPr/>
             </a:pPr>
             <a:r>
-              <a:rPr lang="en-US" altLang="zh-CN" dirty="0">
+              <a:rPr lang="zh-CN" altLang="en-US" dirty="0">
                 <a:latin typeface="+mn-ea"/>
                 <a:ea typeface="+mn-ea"/>
               </a:rPr>
-              <a:t>this</a:t>
+              <a:t>组件</a:t>
             </a:r>
             <a:endParaRPr lang="zh-CN" altLang="en-US" dirty="0" smtClean="0">
               <a:latin typeface="+mn-ea"/>
               <a:ea typeface="+mn-ea"/>
             </a:endParaRPr>
-          </a:p>
-        </p:txBody>
-      </p:sp>
-      <p:sp>
-        <p:nvSpPr>
-          <p:cNvPr id="4" name="TextBox 3"/>
-          <p:cNvSpPr txBox="1"/>
-          <p:nvPr/>
-        </p:nvSpPr>
-        <p:spPr>
-          <a:xfrm>
-            <a:off x="1125723" y="3140868"/>
-            <a:ext cx="9148191" cy="2677656"/>
-          </a:xfrm>
-          <a:prstGeom prst="rect">
-            <a:avLst/>
-          </a:prstGeom>
-          <a:solidFill>
-            <a:schemeClr val="accent1">
-              <a:lumMod val="10000"/>
-              <a:lumOff val="90000"/>
-            </a:schemeClr>
-          </a:solidFill>
-        </p:spPr>
-        <p:txBody>
-          <a:bodyPr wrap="square" rtlCol="0">
-            <a:spAutoFit/>
-          </a:bodyPr>
-          <a:lstStyle/>
-          <a:p>
-            <a:r>
-              <a:rPr lang="en-US" altLang="zh-CN" sz="2400" dirty="0">
-                <a:solidFill>
-                  <a:srgbClr val="FF0000"/>
-                </a:solidFill>
-              </a:rPr>
-              <a:t>constructor</a:t>
-            </a:r>
-            <a:r>
-              <a:rPr lang="en-US" altLang="zh-CN" sz="2400" dirty="0"/>
-              <a:t>( ){        </a:t>
-            </a:r>
-            <a:endParaRPr lang="en-US" altLang="zh-CN" sz="2400" dirty="0">
-              <a:solidFill>
-                <a:srgbClr val="FF0000"/>
-              </a:solidFill>
-            </a:endParaRPr>
-          </a:p>
-          <a:p>
-            <a:r>
-              <a:rPr lang="en-US" altLang="zh-CN" sz="2400" dirty="0"/>
-              <a:t>	</a:t>
-            </a:r>
-            <a:r>
-              <a:rPr lang="en-US" altLang="zh-CN" sz="2400" dirty="0" smtClean="0"/>
-              <a:t>super</a:t>
-            </a:r>
-            <a:r>
-              <a:rPr lang="en-US" altLang="zh-CN" sz="2400" dirty="0"/>
-              <a:t>();     </a:t>
-            </a:r>
-            <a:endParaRPr lang="en-US" altLang="zh-CN" sz="2400" dirty="0">
-              <a:solidFill>
-                <a:srgbClr val="FF0000"/>
-              </a:solidFill>
-            </a:endParaRPr>
-          </a:p>
-          <a:p>
-            <a:r>
-              <a:rPr lang="en-US" altLang="zh-CN" sz="2400" dirty="0"/>
-              <a:t>	</a:t>
-            </a:r>
-            <a:r>
-              <a:rPr lang="en-US" altLang="zh-CN" sz="2400" dirty="0" err="1" smtClean="0"/>
-              <a:t>this.handleClick</a:t>
-            </a:r>
-            <a:r>
-              <a:rPr lang="en-US" altLang="zh-CN" sz="2400" dirty="0" smtClean="0"/>
-              <a:t> = </a:t>
-            </a:r>
-            <a:r>
-              <a:rPr lang="en-US" altLang="zh-CN" sz="2400" dirty="0" err="1" smtClean="0"/>
-              <a:t>this.handleClick.</a:t>
-            </a:r>
-            <a:r>
-              <a:rPr lang="en-US" altLang="zh-CN" sz="2400" dirty="0" err="1" smtClean="0">
-                <a:solidFill>
-                  <a:srgbClr val="FF0000"/>
-                </a:solidFill>
-              </a:rPr>
-              <a:t>bind</a:t>
-            </a:r>
-            <a:r>
-              <a:rPr lang="en-US" altLang="zh-CN" sz="2400" dirty="0" smtClean="0"/>
-              <a:t>( this );</a:t>
-            </a:r>
-          </a:p>
-          <a:p>
-            <a:r>
-              <a:rPr lang="en-US" altLang="zh-CN" sz="2400" dirty="0" smtClean="0"/>
-              <a:t>}</a:t>
-            </a:r>
-          </a:p>
-          <a:p>
-            <a:r>
-              <a:rPr lang="en-US" altLang="zh-CN" sz="2400" dirty="0" smtClean="0"/>
-              <a:t>&lt;</a:t>
-            </a:r>
-            <a:r>
-              <a:rPr lang="en-US" altLang="zh-CN" sz="2400" dirty="0"/>
-              <a:t>button </a:t>
-            </a:r>
-            <a:r>
-              <a:rPr lang="en-US" altLang="zh-CN" sz="2400" dirty="0" err="1">
-                <a:solidFill>
-                  <a:schemeClr val="accent3"/>
-                </a:solidFill>
-              </a:rPr>
-              <a:t>onClick</a:t>
-            </a:r>
-            <a:r>
-              <a:rPr lang="en-US" altLang="zh-CN" sz="2400" dirty="0"/>
-              <a:t>={ </a:t>
-            </a:r>
-            <a:r>
-              <a:rPr lang="en-US" altLang="zh-CN" sz="2400" dirty="0" err="1" smtClean="0"/>
-              <a:t>this.handleClick</a:t>
-            </a:r>
-            <a:r>
-              <a:rPr lang="en-US" altLang="zh-CN" sz="2400" dirty="0" err="1" smtClean="0">
-                <a:solidFill>
-                  <a:schemeClr val="accent3"/>
-                </a:solidFill>
-              </a:rPr>
-              <a:t>.bind</a:t>
-            </a:r>
-            <a:r>
-              <a:rPr lang="en-US" altLang="zh-CN" sz="2400" dirty="0" smtClean="0">
-                <a:solidFill>
-                  <a:schemeClr val="accent3"/>
-                </a:solidFill>
-              </a:rPr>
-              <a:t>( this ) </a:t>
-            </a:r>
-            <a:r>
-              <a:rPr lang="en-US" altLang="zh-CN" sz="2400" dirty="0"/>
-              <a:t>}&gt; </a:t>
-            </a:r>
-          </a:p>
-          <a:p>
-            <a:r>
-              <a:rPr lang="en-US" altLang="zh-CN" sz="2400" dirty="0"/>
-              <a:t>	Click </a:t>
-            </a:r>
-          </a:p>
-          <a:p>
-            <a:r>
-              <a:rPr lang="en-US" altLang="zh-CN" sz="2400" dirty="0"/>
-              <a:t>&lt;/button</a:t>
-            </a:r>
-            <a:r>
-              <a:rPr lang="en-US" altLang="zh-CN" sz="2400" dirty="0" smtClean="0"/>
-              <a:t>&gt;</a:t>
-            </a:r>
-            <a:endParaRPr lang="en-US" altLang="zh-CN" sz="2400" dirty="0"/>
           </a:p>
         </p:txBody>
       </p:sp>
     </p:spTree>
     <p:extLst>
       <p:ext uri="{BB962C8B-B14F-4D97-AF65-F5344CB8AC3E}">
-        <p14:creationId xmlns:p14="http://schemas.microsoft.com/office/powerpoint/2010/main" val="4116435245"/>
+        <p14:creationId xmlns:p14="http://schemas.microsoft.com/office/powerpoint/2010/main" val="1077937378"/>
       </p:ext>
     </p:extLst>
   </p:cSld>
@@ -9315,88 +11454,9 @@
   <p:timing>
     <p:tnLst>
       <p:par>
-        <p:cTn id="1" dur="indefinite" restart="never" nodeType="tmRoot">
-          <p:childTnLst>
-            <p:seq concurrent="1" nextAc="seek">
-              <p:cTn id="2" dur="indefinite" nodeType="mainSeq">
-                <p:childTnLst>
-                  <p:par>
-                    <p:cTn id="3" fill="hold">
-                      <p:stCondLst>
-                        <p:cond delay="indefinite"/>
-                      </p:stCondLst>
-                      <p:childTnLst>
-                        <p:par>
-                          <p:cTn id="4" fill="hold">
-                            <p:stCondLst>
-                              <p:cond delay="0"/>
-                            </p:stCondLst>
-                            <p:childTnLst>
-                              <p:par>
-                                <p:cTn id="5" presetID="22" presetClass="entr" presetSubtype="4" fill="hold" grpId="0" nodeType="clickEffect">
-                                  <p:stCondLst>
-                                    <p:cond delay="0"/>
-                                  </p:stCondLst>
-                                  <p:childTnLst>
-                                    <p:set>
-                                      <p:cBhvr>
-                                        <p:cTn id="6" dur="1" fill="hold">
-                                          <p:stCondLst>
-                                            <p:cond delay="0"/>
-                                          </p:stCondLst>
-                                        </p:cTn>
-                                        <p:tgtEl>
-                                          <p:spTgt spid="4"/>
-                                        </p:tgtEl>
-                                        <p:attrNameLst>
-                                          <p:attrName>style.visibility</p:attrName>
-                                        </p:attrNameLst>
-                                      </p:cBhvr>
-                                      <p:to>
-                                        <p:strVal val="visible"/>
-                                      </p:to>
-                                    </p:set>
-                                    <p:animEffect transition="in" filter="wipe(down)">
-                                      <p:cBhvr>
-                                        <p:cTn id="7" dur="500"/>
-                                        <p:tgtEl>
-                                          <p:spTgt spid="4"/>
-                                        </p:tgtEl>
-                                      </p:cBhvr>
-                                    </p:animEffect>
-                                  </p:childTnLst>
-                                </p:cTn>
-                              </p:par>
-                            </p:childTnLst>
-                          </p:cTn>
-                        </p:par>
-                      </p:childTnLst>
-                    </p:cTn>
-                  </p:par>
-                </p:childTnLst>
-              </p:cTn>
-              <p:prevCondLst>
-                <p:cond evt="onPrev" delay="0">
-                  <p:tgtEl>
-                    <p:sldTgt/>
-                  </p:tgtEl>
-                </p:cond>
-              </p:prevCondLst>
-              <p:nextCondLst>
-                <p:cond evt="onNext" delay="0">
-                  <p:tgtEl>
-                    <p:sldTgt/>
-                  </p:tgtEl>
-                </p:cond>
-              </p:nextCondLst>
-            </p:seq>
-          </p:childTnLst>
-        </p:cTn>
+        <p:cTn id="1" dur="indefinite" restart="never" nodeType="tmRoot"/>
       </p:par>
     </p:tnLst>
-    <p:bldLst>
-      <p:bldP spid="4" grpId="0" animBg="1"/>
-    </p:bldLst>
   </p:timing>
 </p:sld>
 </file>
@@ -9420,98 +11480,24 @@
       </p:grpSpPr>
       <p:sp>
         <p:nvSpPr>
-          <p:cNvPr id="30722" name="内容占位符 3"/>
+          <p:cNvPr id="21506" name="矩形 2"/>
           <p:cNvSpPr>
-            <a:spLocks noGrp="1"/>
+            <a:spLocks noChangeArrowheads="1"/>
           </p:cNvSpPr>
-          <p:nvPr>
-            <p:ph sz="quarter" idx="10"/>
-          </p:nvPr>
+          <p:nvPr/>
         </p:nvSpPr>
         <p:spPr bwMode="auto">
           <a:xfrm>
-            <a:off x="693526" y="907845"/>
-            <a:ext cx="9436322" cy="4898244"/>
+            <a:off x="1053690" y="258763"/>
+            <a:ext cx="3186523" cy="585787"/>
           </a:xfrm>
-          <a:solidFill>
-            <a:schemeClr val="bg1"/>
-          </a:solidFill>
-        </p:spPr>
-        <p:txBody>
-          <a:bodyPr vert="horz" wrap="square" lIns="91440" tIns="45720" rIns="91440" bIns="45720" numCol="1" anchor="t" anchorCtr="0" compatLnSpc="1"/>
-          <a:lstStyle/>
-          <a:p>
-            <a:pPr marL="360045"/>
-            <a:r>
-              <a:rPr lang="en-US" altLang="zh-CN" dirty="0"/>
-              <a:t> </a:t>
-            </a:r>
-            <a:r>
-              <a:rPr lang="zh-CN" altLang="en-US" dirty="0" smtClean="0"/>
-              <a:t>事件处理函数绑定 </a:t>
-            </a:r>
-            <a:r>
-              <a:rPr lang="en-US" altLang="zh-CN" dirty="0" smtClean="0"/>
-              <a:t>this </a:t>
-            </a:r>
-            <a:r>
-              <a:rPr lang="zh-CN" altLang="en-US" dirty="0" smtClean="0"/>
-              <a:t>（续）</a:t>
-            </a:r>
-            <a:endParaRPr lang="en-US" altLang="zh-CN" dirty="0" smtClean="0"/>
-          </a:p>
-          <a:p>
-            <a:pPr marL="591820" lvl="1"/>
-            <a:r>
-              <a:rPr lang="zh-CN" altLang="en-US" dirty="0" smtClean="0"/>
-              <a:t> 箭头函数</a:t>
-            </a:r>
-            <a:endParaRPr lang="en-US" altLang="zh-CN" sz="2000" dirty="0" smtClean="0"/>
-          </a:p>
-          <a:p>
-            <a:pPr marL="361315" lvl="1" indent="0">
-              <a:buNone/>
-            </a:pPr>
-            <a:endParaRPr lang="en-US" altLang="zh-CN" sz="2200" dirty="0" smtClean="0">
-              <a:latin typeface="+mj-ea"/>
-              <a:ea typeface="+mj-ea"/>
-            </a:endParaRPr>
-          </a:p>
-          <a:p>
-            <a:pPr marL="360045" lvl="1" indent="0">
-              <a:buFont typeface="Arial" panose="020B0604020202020204" pitchFamily="34" charset="0"/>
-              <a:buNone/>
-              <a:defRPr/>
-            </a:pPr>
-            <a:r>
-              <a:rPr lang="en-US" altLang="zh-CN" sz="2400" dirty="0" smtClean="0">
-                <a:latin typeface="+mj-ea"/>
-                <a:ea typeface="+mj-ea"/>
-              </a:rPr>
-              <a:t>		</a:t>
-            </a:r>
-            <a:endParaRPr lang="zh-CN" altLang="en-US" dirty="0" smtClean="0">
-              <a:latin typeface="+mj-ea"/>
-              <a:ea typeface="+mj-ea"/>
-            </a:endParaRPr>
-          </a:p>
-        </p:txBody>
-      </p:sp>
-      <p:sp>
-        <p:nvSpPr>
-          <p:cNvPr id="25603" name="内容占位符 4"/>
-          <p:cNvSpPr>
-            <a:spLocks noGrp="1"/>
-          </p:cNvSpPr>
-          <p:nvPr>
-            <p:ph sz="quarter" idx="11"/>
-          </p:nvPr>
-        </p:nvSpPr>
-        <p:spPr bwMode="auto">
-          <a:xfrm>
-            <a:off x="909638" y="236538"/>
-            <a:ext cx="7575550" cy="490537"/>
-          </a:xfrm>
+          <a:prstGeom prst="rect">
+            <a:avLst/>
+          </a:prstGeom>
+          <a:noFill/>
+          <a:ln>
+            <a:noFill/>
+          </a:ln>
           <a:extLst>
             <a:ext uri="{909E8E84-426E-40DD-AFC4-6F175D3DCCD1}">
               <a14:hiddenFill xmlns:a14="http://schemas.microsoft.com/office/drawing/2010/main">
@@ -9533,385 +11519,416 @@
           </a:extLst>
         </p:spPr>
         <p:txBody>
-          <a:bodyPr vert="horz" wrap="square" lIns="91440" tIns="45720" rIns="91440" bIns="45720" numCol="1" anchor="t" anchorCtr="0" compatLnSpc="1"/>
-          <a:lstStyle/>
-          <a:p>
-            <a:pPr>
-              <a:defRPr/>
-            </a:pPr>
-            <a:r>
-              <a:rPr lang="en-US" altLang="zh-CN" dirty="0">
-                <a:latin typeface="+mn-ea"/>
-                <a:ea typeface="+mn-ea"/>
-              </a:rPr>
-              <a:t>this</a:t>
-            </a:r>
-            <a:endParaRPr lang="zh-CN" altLang="en-US" dirty="0" smtClean="0">
-              <a:latin typeface="+mn-ea"/>
-              <a:ea typeface="+mn-ea"/>
+          <a:bodyPr wrap="square">
+            <a:spAutoFit/>
+          </a:bodyPr>
+          <a:lstStyle>
+            <a:lvl1pPr>
+              <a:defRPr sz="3200">
+                <a:solidFill>
+                  <a:schemeClr val="tx1"/>
+                </a:solidFill>
+                <a:latin typeface="Arial" panose="020B0604020202020204" pitchFamily="34" charset="0"/>
+                <a:ea typeface="微软雅黑" panose="020B0503020204020204" pitchFamily="34" charset="-122"/>
+              </a:defRPr>
+            </a:lvl1pPr>
+            <a:lvl2pPr marL="742950" indent="-285750">
+              <a:defRPr sz="3200">
+                <a:solidFill>
+                  <a:schemeClr val="tx1"/>
+                </a:solidFill>
+                <a:latin typeface="Arial" panose="020B0604020202020204" pitchFamily="34" charset="0"/>
+                <a:ea typeface="微软雅黑" panose="020B0503020204020204" pitchFamily="34" charset="-122"/>
+              </a:defRPr>
+            </a:lvl2pPr>
+            <a:lvl3pPr marL="1143000" indent="-228600">
+              <a:defRPr sz="3200">
+                <a:solidFill>
+                  <a:schemeClr val="tx1"/>
+                </a:solidFill>
+                <a:latin typeface="Arial" panose="020B0604020202020204" pitchFamily="34" charset="0"/>
+                <a:ea typeface="微软雅黑" panose="020B0503020204020204" pitchFamily="34" charset="-122"/>
+              </a:defRPr>
+            </a:lvl3pPr>
+            <a:lvl4pPr marL="1600200" indent="-228600">
+              <a:defRPr sz="3200">
+                <a:solidFill>
+                  <a:schemeClr val="tx1"/>
+                </a:solidFill>
+                <a:latin typeface="Arial" panose="020B0604020202020204" pitchFamily="34" charset="0"/>
+                <a:ea typeface="微软雅黑" panose="020B0503020204020204" pitchFamily="34" charset="-122"/>
+              </a:defRPr>
+            </a:lvl4pPr>
+            <a:lvl5pPr marL="2057400" indent="-228600">
+              <a:defRPr sz="3200">
+                <a:solidFill>
+                  <a:schemeClr val="tx1"/>
+                </a:solidFill>
+                <a:latin typeface="Arial" panose="020B0604020202020204" pitchFamily="34" charset="0"/>
+                <a:ea typeface="微软雅黑" panose="020B0503020204020204" pitchFamily="34" charset="-122"/>
+              </a:defRPr>
+            </a:lvl5pPr>
+            <a:lvl6pPr marL="2514600" indent="-228600" eaLnBrk="0" fontAlgn="base" hangingPunct="0">
+              <a:spcBef>
+                <a:spcPct val="0"/>
+              </a:spcBef>
+              <a:spcAft>
+                <a:spcPct val="0"/>
+              </a:spcAft>
+              <a:defRPr sz="3200">
+                <a:solidFill>
+                  <a:schemeClr val="tx1"/>
+                </a:solidFill>
+                <a:latin typeface="Arial" panose="020B0604020202020204" pitchFamily="34" charset="0"/>
+                <a:ea typeface="微软雅黑" panose="020B0503020204020204" pitchFamily="34" charset="-122"/>
+              </a:defRPr>
+            </a:lvl6pPr>
+            <a:lvl7pPr marL="2971800" indent="-228600" eaLnBrk="0" fontAlgn="base" hangingPunct="0">
+              <a:spcBef>
+                <a:spcPct val="0"/>
+              </a:spcBef>
+              <a:spcAft>
+                <a:spcPct val="0"/>
+              </a:spcAft>
+              <a:defRPr sz="3200">
+                <a:solidFill>
+                  <a:schemeClr val="tx1"/>
+                </a:solidFill>
+                <a:latin typeface="Arial" panose="020B0604020202020204" pitchFamily="34" charset="0"/>
+                <a:ea typeface="微软雅黑" panose="020B0503020204020204" pitchFamily="34" charset="-122"/>
+              </a:defRPr>
+            </a:lvl7pPr>
+            <a:lvl8pPr marL="3429000" indent="-228600" eaLnBrk="0" fontAlgn="base" hangingPunct="0">
+              <a:spcBef>
+                <a:spcPct val="0"/>
+              </a:spcBef>
+              <a:spcAft>
+                <a:spcPct val="0"/>
+              </a:spcAft>
+              <a:defRPr sz="3200">
+                <a:solidFill>
+                  <a:schemeClr val="tx1"/>
+                </a:solidFill>
+                <a:latin typeface="Arial" panose="020B0604020202020204" pitchFamily="34" charset="0"/>
+                <a:ea typeface="微软雅黑" panose="020B0503020204020204" pitchFamily="34" charset="-122"/>
+              </a:defRPr>
+            </a:lvl8pPr>
+            <a:lvl9pPr marL="3886200" indent="-228600" eaLnBrk="0" fontAlgn="base" hangingPunct="0">
+              <a:spcBef>
+                <a:spcPct val="0"/>
+              </a:spcBef>
+              <a:spcAft>
+                <a:spcPct val="0"/>
+              </a:spcAft>
+              <a:defRPr sz="3200">
+                <a:solidFill>
+                  <a:schemeClr val="tx1"/>
+                </a:solidFill>
+                <a:latin typeface="Arial" panose="020B0604020202020204" pitchFamily="34" charset="0"/>
+                <a:ea typeface="微软雅黑" panose="020B0503020204020204" pitchFamily="34" charset="-122"/>
+              </a:defRPr>
+            </a:lvl9pPr>
+          </a:lstStyle>
+          <a:p>
+            <a:r>
+              <a:rPr lang="zh-CN" altLang="en-US" dirty="0" smtClean="0">
+                <a:solidFill>
+                  <a:srgbClr val="C00000"/>
+                </a:solidFill>
+                <a:latin typeface="+mj-ea"/>
+                <a:ea typeface="+mj-ea"/>
+              </a:rPr>
+              <a:t>内容提纲</a:t>
+            </a:r>
+            <a:endParaRPr lang="zh-CN" altLang="en-US" dirty="0">
+              <a:solidFill>
+                <a:srgbClr val="C00000"/>
+              </a:solidFill>
+              <a:latin typeface="+mj-ea"/>
+              <a:ea typeface="+mj-ea"/>
             </a:endParaRPr>
           </a:p>
         </p:txBody>
       </p:sp>
       <p:sp>
         <p:nvSpPr>
-          <p:cNvPr id="4" name="TextBox 3"/>
-          <p:cNvSpPr txBox="1"/>
+          <p:cNvPr id="21507" name="AutoShape 6"/>
+          <p:cNvSpPr>
+            <a:spLocks noChangeArrowheads="1"/>
+          </p:cNvSpPr>
           <p:nvPr/>
         </p:nvSpPr>
-        <p:spPr>
+        <p:spPr bwMode="auto">
           <a:xfrm>
-            <a:off x="1125723" y="2204439"/>
-            <a:ext cx="9148191" cy="3785652"/>
+            <a:off x="2309813" y="1428750"/>
+            <a:ext cx="6532562" cy="3943350"/>
           </a:xfrm>
-          <a:prstGeom prst="rect">
-            <a:avLst/>
+          <a:prstGeom prst="roundRect">
+            <a:avLst>
+              <a:gd name="adj" fmla="val 16667"/>
+            </a:avLst>
           </a:prstGeom>
-          <a:solidFill>
-            <a:schemeClr val="accent1">
-              <a:lumMod val="10000"/>
-              <a:lumOff val="90000"/>
-            </a:schemeClr>
-          </a:solidFill>
+          <a:noFill/>
+          <a:ln w="28575">
+            <a:solidFill>
+              <a:srgbClr val="C0C0C0"/>
+            </a:solidFill>
+            <a:prstDash val="sysDot"/>
+            <a:round/>
+          </a:ln>
+          <a:extLst>
+            <a:ext uri="{909E8E84-426E-40DD-AFC4-6F175D3DCCD1}">
+              <a14:hiddenFill xmlns:a14="http://schemas.microsoft.com/office/drawing/2010/main">
+                <a:solidFill>
+                  <a:srgbClr val="FFFFFF"/>
+                </a:solidFill>
+              </a14:hiddenFill>
+            </a:ext>
+          </a:extLst>
         </p:spPr>
         <p:txBody>
-          <a:bodyPr wrap="square" rtlCol="0">
-            <a:spAutoFit/>
-          </a:bodyPr>
-          <a:lstStyle/>
-          <a:p>
-            <a:r>
-              <a:rPr lang="en-US" altLang="zh-CN" sz="2400" dirty="0"/>
-              <a:t>class Hello extends</a:t>
-            </a:r>
-            <a:r>
-              <a:rPr lang="en-US" altLang="zh-CN" sz="2400" dirty="0">
-                <a:solidFill>
-                  <a:srgbClr val="FF0000"/>
-                </a:solidFill>
-              </a:rPr>
-              <a:t> </a:t>
-            </a:r>
-            <a:r>
-              <a:rPr lang="en-US" altLang="zh-CN" sz="2400" dirty="0" err="1"/>
-              <a:t>React.Component</a:t>
-            </a:r>
-            <a:r>
-              <a:rPr lang="en-US" altLang="zh-CN" sz="2400" dirty="0"/>
-              <a:t> { </a:t>
-            </a:r>
-            <a:endParaRPr lang="en-US" altLang="zh-CN" sz="2400" dirty="0" smtClean="0"/>
-          </a:p>
-          <a:p>
-            <a:r>
-              <a:rPr lang="en-US" altLang="zh-CN" sz="2400" dirty="0"/>
-              <a:t>	</a:t>
-            </a:r>
-            <a:r>
-              <a:rPr lang="en-US" altLang="zh-CN" sz="2400" dirty="0" err="1"/>
-              <a:t>handleChange</a:t>
-            </a:r>
-            <a:r>
-              <a:rPr lang="en-US" altLang="zh-CN" sz="2400" dirty="0"/>
-              <a:t> = </a:t>
-            </a:r>
-            <a:r>
-              <a:rPr lang="en-US" altLang="zh-CN" sz="2400" dirty="0" smtClean="0">
-                <a:solidFill>
-                  <a:srgbClr val="FF0000"/>
-                </a:solidFill>
-              </a:rPr>
-              <a:t>(</a:t>
-            </a:r>
-            <a:r>
-              <a:rPr lang="en-US" altLang="zh-CN" sz="2400" i="1" dirty="0">
-                <a:solidFill>
-                  <a:srgbClr val="FF0000"/>
-                </a:solidFill>
-              </a:rPr>
-              <a:t> </a:t>
-            </a:r>
-            <a:r>
-              <a:rPr lang="en-US" altLang="zh-CN" sz="2400" i="1" dirty="0" smtClean="0">
-                <a:solidFill>
-                  <a:srgbClr val="FF0000"/>
-                </a:solidFill>
-              </a:rPr>
-              <a:t> </a:t>
-            </a:r>
-            <a:r>
-              <a:rPr lang="en-US" altLang="zh-CN" sz="2400" dirty="0" smtClean="0">
-                <a:solidFill>
-                  <a:srgbClr val="FF0000"/>
-                </a:solidFill>
-              </a:rPr>
-              <a:t>) </a:t>
-            </a:r>
-            <a:r>
-              <a:rPr lang="en-US" altLang="zh-CN" sz="2400" i="1" dirty="0" smtClean="0">
-                <a:solidFill>
-                  <a:srgbClr val="FF0000"/>
-                </a:solidFill>
-              </a:rPr>
-              <a:t>=&gt; </a:t>
-            </a:r>
-            <a:r>
-              <a:rPr lang="en-US" altLang="zh-CN" sz="2400" dirty="0" smtClean="0">
-                <a:solidFill>
-                  <a:srgbClr val="FF0000"/>
-                </a:solidFill>
-              </a:rPr>
-              <a:t>{</a:t>
-            </a:r>
-            <a:r>
-              <a:rPr lang="en-US" altLang="zh-CN" sz="2400" dirty="0">
-                <a:solidFill>
-                  <a:srgbClr val="FF0000"/>
-                </a:solidFill>
-              </a:rPr>
-              <a:t>  </a:t>
-            </a:r>
-            <a:r>
-              <a:rPr lang="en-US" altLang="zh-CN" sz="2400" dirty="0" smtClean="0">
-                <a:solidFill>
-                  <a:srgbClr val="FF0000"/>
-                </a:solidFill>
-              </a:rPr>
-              <a:t>}</a:t>
-            </a:r>
-            <a:endParaRPr lang="en-US" altLang="zh-CN" sz="2400" dirty="0">
+          <a:bodyPr wrap="none" anchor="ctr"/>
+          <a:lstStyle>
+            <a:lvl1pPr marL="457200" indent="-457200">
+              <a:defRPr sz="3200">
+                <a:solidFill>
+                  <a:schemeClr val="tx1"/>
+                </a:solidFill>
+                <a:latin typeface="Arial" panose="020B0604020202020204" pitchFamily="34" charset="0"/>
+                <a:ea typeface="微软雅黑" panose="020B0503020204020204" pitchFamily="34" charset="-122"/>
+              </a:defRPr>
+            </a:lvl1pPr>
+            <a:lvl2pPr marL="742950" indent="-285750">
+              <a:defRPr sz="3200">
+                <a:solidFill>
+                  <a:schemeClr val="tx1"/>
+                </a:solidFill>
+                <a:latin typeface="Arial" panose="020B0604020202020204" pitchFamily="34" charset="0"/>
+                <a:ea typeface="微软雅黑" panose="020B0503020204020204" pitchFamily="34" charset="-122"/>
+              </a:defRPr>
+            </a:lvl2pPr>
+            <a:lvl3pPr marL="1143000" indent="-228600">
+              <a:defRPr sz="3200">
+                <a:solidFill>
+                  <a:schemeClr val="tx1"/>
+                </a:solidFill>
+                <a:latin typeface="Arial" panose="020B0604020202020204" pitchFamily="34" charset="0"/>
+                <a:ea typeface="微软雅黑" panose="020B0503020204020204" pitchFamily="34" charset="-122"/>
+              </a:defRPr>
+            </a:lvl3pPr>
+            <a:lvl4pPr marL="1600200" indent="-228600">
+              <a:defRPr sz="3200">
+                <a:solidFill>
+                  <a:schemeClr val="tx1"/>
+                </a:solidFill>
+                <a:latin typeface="Arial" panose="020B0604020202020204" pitchFamily="34" charset="0"/>
+                <a:ea typeface="微软雅黑" panose="020B0503020204020204" pitchFamily="34" charset="-122"/>
+              </a:defRPr>
+            </a:lvl4pPr>
+            <a:lvl5pPr marL="2057400" indent="-228600">
+              <a:defRPr sz="3200">
+                <a:solidFill>
+                  <a:schemeClr val="tx1"/>
+                </a:solidFill>
+                <a:latin typeface="Arial" panose="020B0604020202020204" pitchFamily="34" charset="0"/>
+                <a:ea typeface="微软雅黑" panose="020B0503020204020204" pitchFamily="34" charset="-122"/>
+              </a:defRPr>
+            </a:lvl5pPr>
+            <a:lvl6pPr marL="2514600" indent="-228600" eaLnBrk="0" fontAlgn="base" hangingPunct="0">
+              <a:spcBef>
+                <a:spcPct val="0"/>
+              </a:spcBef>
+              <a:spcAft>
+                <a:spcPct val="0"/>
+              </a:spcAft>
+              <a:defRPr sz="3200">
+                <a:solidFill>
+                  <a:schemeClr val="tx1"/>
+                </a:solidFill>
+                <a:latin typeface="Arial" panose="020B0604020202020204" pitchFamily="34" charset="0"/>
+                <a:ea typeface="微软雅黑" panose="020B0503020204020204" pitchFamily="34" charset="-122"/>
+              </a:defRPr>
+            </a:lvl6pPr>
+            <a:lvl7pPr marL="2971800" indent="-228600" eaLnBrk="0" fontAlgn="base" hangingPunct="0">
+              <a:spcBef>
+                <a:spcPct val="0"/>
+              </a:spcBef>
+              <a:spcAft>
+                <a:spcPct val="0"/>
+              </a:spcAft>
+              <a:defRPr sz="3200">
+                <a:solidFill>
+                  <a:schemeClr val="tx1"/>
+                </a:solidFill>
+                <a:latin typeface="Arial" panose="020B0604020202020204" pitchFamily="34" charset="0"/>
+                <a:ea typeface="微软雅黑" panose="020B0503020204020204" pitchFamily="34" charset="-122"/>
+              </a:defRPr>
+            </a:lvl7pPr>
+            <a:lvl8pPr marL="3429000" indent="-228600" eaLnBrk="0" fontAlgn="base" hangingPunct="0">
+              <a:spcBef>
+                <a:spcPct val="0"/>
+              </a:spcBef>
+              <a:spcAft>
+                <a:spcPct val="0"/>
+              </a:spcAft>
+              <a:defRPr sz="3200">
+                <a:solidFill>
+                  <a:schemeClr val="tx1"/>
+                </a:solidFill>
+                <a:latin typeface="Arial" panose="020B0604020202020204" pitchFamily="34" charset="0"/>
+                <a:ea typeface="微软雅黑" panose="020B0503020204020204" pitchFamily="34" charset="-122"/>
+              </a:defRPr>
+            </a:lvl8pPr>
+            <a:lvl9pPr marL="3886200" indent="-228600" eaLnBrk="0" fontAlgn="base" hangingPunct="0">
+              <a:spcBef>
+                <a:spcPct val="0"/>
+              </a:spcBef>
+              <a:spcAft>
+                <a:spcPct val="0"/>
+              </a:spcAft>
+              <a:defRPr sz="3200">
+                <a:solidFill>
+                  <a:schemeClr val="tx1"/>
+                </a:solidFill>
+                <a:latin typeface="Arial" panose="020B0604020202020204" pitchFamily="34" charset="0"/>
+                <a:ea typeface="微软雅黑" panose="020B0503020204020204" pitchFamily="34" charset="-122"/>
+              </a:defRPr>
+            </a:lvl9pPr>
+          </a:lstStyle>
+          <a:p>
+            <a:pPr>
+              <a:lnSpc>
+                <a:spcPct val="200000"/>
+              </a:lnSpc>
+              <a:buClr>
+                <a:srgbClr val="92D050"/>
+              </a:buClr>
+              <a:buFont typeface="Wingdings" panose="05000000000000000000" pitchFamily="2" charset="2"/>
+              <a:buChar char="Ø"/>
+            </a:pPr>
+            <a:r>
+              <a:rPr lang="en-US" altLang="zh-CN" sz="2800" b="1" dirty="0" smtClean="0">
+                <a:latin typeface="+mj-ea"/>
+                <a:ea typeface="+mj-ea"/>
+              </a:rPr>
+              <a:t>JSX </a:t>
+            </a:r>
+            <a:r>
+              <a:rPr lang="zh-CN" altLang="en-US" sz="2800" b="1" dirty="0" smtClean="0">
+                <a:latin typeface="+mj-ea"/>
+                <a:ea typeface="+mj-ea"/>
+              </a:rPr>
+              <a:t>语法</a:t>
+            </a:r>
+            <a:endParaRPr lang="en-US" altLang="zh-CN" sz="2800" b="1" dirty="0">
+              <a:latin typeface="+mj-ea"/>
+              <a:ea typeface="+mj-ea"/>
+            </a:endParaRPr>
+          </a:p>
+          <a:p>
+            <a:pPr>
+              <a:lnSpc>
+                <a:spcPct val="200000"/>
+              </a:lnSpc>
+              <a:buClr>
+                <a:srgbClr val="92D050"/>
+              </a:buClr>
+              <a:buFont typeface="Wingdings" panose="05000000000000000000" pitchFamily="2" charset="2"/>
+              <a:buChar char="Ø"/>
+            </a:pPr>
+            <a:r>
+              <a:rPr lang="zh-CN" altLang="en-US" sz="2800" b="1" dirty="0" smtClean="0">
+                <a:latin typeface="+mj-ea"/>
+                <a:ea typeface="+mj-ea"/>
+              </a:rPr>
+              <a:t>元素渲染</a:t>
+            </a:r>
+            <a:endParaRPr lang="en-US" altLang="zh-CN" sz="2800" b="1" dirty="0" smtClean="0">
+              <a:latin typeface="+mj-ea"/>
+              <a:ea typeface="+mj-ea"/>
+            </a:endParaRPr>
+          </a:p>
+          <a:p>
+            <a:pPr>
+              <a:lnSpc>
+                <a:spcPct val="200000"/>
+              </a:lnSpc>
+              <a:buClr>
+                <a:srgbClr val="92D050"/>
+              </a:buClr>
+              <a:buFont typeface="Wingdings" panose="05000000000000000000" pitchFamily="2" charset="2"/>
+              <a:buChar char="Ø"/>
+            </a:pPr>
+            <a:r>
+              <a:rPr lang="zh-CN" altLang="en-US" sz="2800" b="1" dirty="0" smtClean="0">
+                <a:latin typeface="+mj-ea"/>
+                <a:ea typeface="+mj-ea"/>
+              </a:rPr>
+              <a:t>组件</a:t>
+            </a:r>
+            <a:endParaRPr lang="en-US" altLang="zh-CN" sz="2800" b="1" dirty="0" smtClean="0">
+              <a:latin typeface="+mj-ea"/>
+              <a:ea typeface="+mj-ea"/>
+            </a:endParaRPr>
+          </a:p>
+          <a:p>
+            <a:pPr>
+              <a:lnSpc>
+                <a:spcPct val="200000"/>
+              </a:lnSpc>
+              <a:buClr>
+                <a:srgbClr val="92D050"/>
+              </a:buClr>
+              <a:buFont typeface="Wingdings" panose="05000000000000000000" pitchFamily="2" charset="2"/>
+              <a:buChar char="Ø"/>
+            </a:pPr>
+            <a:r>
+              <a:rPr lang="zh-CN" altLang="en-US" sz="2800" b="1" dirty="0" smtClean="0">
+                <a:solidFill>
+                  <a:srgbClr val="C00000"/>
+                </a:solidFill>
+                <a:latin typeface="+mj-ea"/>
+                <a:ea typeface="+mj-ea"/>
+              </a:rPr>
+              <a:t>事件</a:t>
+            </a:r>
+            <a:r>
+              <a:rPr lang="zh-CN" altLang="en-US" sz="2800" b="1" dirty="0">
+                <a:solidFill>
+                  <a:srgbClr val="C00000"/>
+                </a:solidFill>
+                <a:latin typeface="+mj-ea"/>
+                <a:ea typeface="+mj-ea"/>
+              </a:rPr>
+              <a:t>处理</a:t>
+            </a:r>
+            <a:endParaRPr lang="en-US" altLang="zh-CN" sz="2800" b="1" dirty="0">
               <a:solidFill>
-                <a:srgbClr val="FF0000"/>
+                <a:srgbClr val="C00000"/>
               </a:solidFill>
+              <a:latin typeface="+mj-ea"/>
+              <a:ea typeface="+mj-ea"/>
             </a:endParaRPr>
-          </a:p>
-          <a:p>
-            <a:r>
-              <a:rPr lang="en-US" altLang="zh-CN" sz="2400" dirty="0"/>
-              <a:t>	</a:t>
-            </a:r>
-            <a:r>
-              <a:rPr lang="en-US" altLang="zh-CN" sz="2400" dirty="0" smtClean="0">
-                <a:solidFill>
-                  <a:srgbClr val="FF0000"/>
-                </a:solidFill>
-              </a:rPr>
-              <a:t>render</a:t>
-            </a:r>
-            <a:r>
-              <a:rPr lang="en-US" altLang="zh-CN" sz="2400" dirty="0"/>
-              <a:t>( ) </a:t>
-            </a:r>
-            <a:r>
-              <a:rPr lang="en-US" altLang="zh-CN" sz="2400" dirty="0" smtClean="0"/>
-              <a:t>{</a:t>
-            </a:r>
-          </a:p>
-          <a:p>
-            <a:r>
-              <a:rPr lang="en-US" altLang="zh-CN" sz="2400" dirty="0"/>
-              <a:t>	</a:t>
-            </a:r>
-            <a:r>
-              <a:rPr lang="en-US" altLang="zh-CN" sz="2400" dirty="0" smtClean="0"/>
-              <a:t>	return (</a:t>
-            </a:r>
-          </a:p>
-          <a:p>
-            <a:r>
-              <a:rPr lang="en-US" altLang="zh-CN" sz="2400" dirty="0"/>
-              <a:t>	</a:t>
-            </a:r>
-            <a:r>
-              <a:rPr lang="en-US" altLang="zh-CN" sz="2400" dirty="0" smtClean="0"/>
-              <a:t>		&lt;button </a:t>
-            </a:r>
-            <a:r>
-              <a:rPr lang="en-US" altLang="zh-CN" sz="2400" dirty="0" err="1">
-                <a:solidFill>
-                  <a:schemeClr val="accent3"/>
-                </a:solidFill>
-              </a:rPr>
-              <a:t>onClick</a:t>
-            </a:r>
-            <a:r>
-              <a:rPr lang="en-US" altLang="zh-CN" sz="2400" dirty="0"/>
-              <a:t>={ </a:t>
-            </a:r>
-            <a:r>
-              <a:rPr lang="en-US" altLang="zh-CN" sz="2400" dirty="0" err="1" smtClean="0"/>
-              <a:t>this.</a:t>
-            </a:r>
-            <a:r>
-              <a:rPr lang="en-US" altLang="zh-CN" sz="2400" dirty="0" err="1" smtClean="0">
-                <a:solidFill>
-                  <a:schemeClr val="accent3"/>
-                </a:solidFill>
-              </a:rPr>
-              <a:t>handleClick</a:t>
-            </a:r>
-            <a:r>
-              <a:rPr lang="en-US" altLang="zh-CN" sz="2400" dirty="0" smtClean="0">
-                <a:solidFill>
-                  <a:schemeClr val="accent3"/>
-                </a:solidFill>
-              </a:rPr>
-              <a:t> </a:t>
-            </a:r>
-            <a:r>
-              <a:rPr lang="en-US" altLang="zh-CN" sz="2400" dirty="0"/>
-              <a:t>}&gt; </a:t>
-            </a:r>
-          </a:p>
-          <a:p>
-            <a:r>
-              <a:rPr lang="en-US" altLang="zh-CN" sz="2400" dirty="0"/>
-              <a:t>	</a:t>
-            </a:r>
-            <a:r>
-              <a:rPr lang="en-US" altLang="zh-CN" sz="2400" dirty="0" smtClean="0"/>
-              <a:t>			Click </a:t>
-            </a:r>
-            <a:endParaRPr lang="en-US" altLang="zh-CN" sz="2400" dirty="0"/>
-          </a:p>
-          <a:p>
-            <a:r>
-              <a:rPr lang="en-US" altLang="zh-CN" sz="2400" dirty="0" smtClean="0"/>
-              <a:t>			&lt;/</a:t>
-            </a:r>
-            <a:r>
-              <a:rPr lang="en-US" altLang="zh-CN" sz="2400" dirty="0"/>
-              <a:t>button</a:t>
-            </a:r>
-            <a:r>
-              <a:rPr lang="en-US" altLang="zh-CN" sz="2400" dirty="0" smtClean="0"/>
-              <a:t>&gt;</a:t>
-            </a:r>
-          </a:p>
-          <a:p>
-            <a:r>
-              <a:rPr lang="en-US" altLang="zh-CN" sz="2400" dirty="0"/>
-              <a:t>	</a:t>
-            </a:r>
-            <a:r>
-              <a:rPr lang="en-US" altLang="zh-CN" sz="2400" dirty="0" smtClean="0"/>
-              <a:t>	)</a:t>
-            </a:r>
-          </a:p>
-          <a:p>
-            <a:r>
-              <a:rPr lang="en-US" altLang="zh-CN" sz="2400" dirty="0"/>
-              <a:t>	</a:t>
-            </a:r>
-            <a:r>
-              <a:rPr lang="en-US" altLang="zh-CN" sz="2400" dirty="0" smtClean="0"/>
-              <a:t>} </a:t>
-            </a:r>
-            <a:endParaRPr lang="en-US" altLang="zh-CN" sz="2400" dirty="0"/>
-          </a:p>
-          <a:p>
-            <a:r>
-              <a:rPr lang="en-US" altLang="zh-CN" sz="2400" dirty="0"/>
-              <a:t>}</a:t>
-            </a:r>
           </a:p>
         </p:txBody>
       </p:sp>
     </p:spTree>
     <p:extLst>
       <p:ext uri="{BB962C8B-B14F-4D97-AF65-F5344CB8AC3E}">
-        <p14:creationId xmlns:p14="http://schemas.microsoft.com/office/powerpoint/2010/main" val="2628345991"/>
+        <p14:creationId xmlns:p14="http://schemas.microsoft.com/office/powerpoint/2010/main" val="4028929191"/>
       </p:ext>
     </p:extLst>
   </p:cSld>
   <p:clrMapOvr>
     <a:masterClrMapping/>
   </p:clrMapOvr>
+  <p:transition/>
   <p:timing>
     <p:tnLst>
       <p:par>
-        <p:cTn id="1" dur="indefinite" restart="never" nodeType="tmRoot">
-          <p:childTnLst>
-            <p:seq concurrent="1" nextAc="seek">
-              <p:cTn id="2" dur="indefinite" nodeType="mainSeq">
-                <p:childTnLst>
-                  <p:par>
-                    <p:cTn id="3" fill="hold">
-                      <p:stCondLst>
-                        <p:cond delay="indefinite"/>
-                      </p:stCondLst>
-                      <p:childTnLst>
-                        <p:par>
-                          <p:cTn id="4" fill="hold">
-                            <p:stCondLst>
-                              <p:cond delay="0"/>
-                            </p:stCondLst>
-                            <p:childTnLst>
-                              <p:par>
-                                <p:cTn id="5" presetID="22" presetClass="entr" presetSubtype="4" fill="hold" grpId="0" nodeType="clickEffect">
-                                  <p:stCondLst>
-                                    <p:cond delay="0"/>
-                                  </p:stCondLst>
-                                  <p:childTnLst>
-                                    <p:set>
-                                      <p:cBhvr>
-                                        <p:cTn id="6" dur="1" fill="hold">
-                                          <p:stCondLst>
-                                            <p:cond delay="0"/>
-                                          </p:stCondLst>
-                                        </p:cTn>
-                                        <p:tgtEl>
-                                          <p:spTgt spid="4"/>
-                                        </p:tgtEl>
-                                        <p:attrNameLst>
-                                          <p:attrName>style.visibility</p:attrName>
-                                        </p:attrNameLst>
-                                      </p:cBhvr>
-                                      <p:to>
-                                        <p:strVal val="visible"/>
-                                      </p:to>
-                                    </p:set>
-                                    <p:animEffect transition="in" filter="wipe(down)">
-                                      <p:cBhvr>
-                                        <p:cTn id="7" dur="500"/>
-                                        <p:tgtEl>
-                                          <p:spTgt spid="4"/>
-                                        </p:tgtEl>
-                                      </p:cBhvr>
-                                    </p:animEffect>
-                                  </p:childTnLst>
-                                </p:cTn>
-                              </p:par>
-                            </p:childTnLst>
-                          </p:cTn>
-                        </p:par>
-                      </p:childTnLst>
-                    </p:cTn>
-                  </p:par>
-                </p:childTnLst>
-              </p:cTn>
-              <p:prevCondLst>
-                <p:cond evt="onPrev" delay="0">
-                  <p:tgtEl>
-                    <p:sldTgt/>
-                  </p:tgtEl>
-                </p:cond>
-              </p:prevCondLst>
-              <p:nextCondLst>
-                <p:cond evt="onNext" delay="0">
-                  <p:tgtEl>
-                    <p:sldTgt/>
-                  </p:tgtEl>
-                </p:cond>
-              </p:nextCondLst>
-            </p:seq>
-          </p:childTnLst>
-        </p:cTn>
+        <p:cTn id="1" dur="indefinite" restart="never" nodeType="tmRoot"/>
       </p:par>
     </p:tnLst>
-    <p:bldLst>
-      <p:bldP spid="4" grpId="0" animBg="1"/>
-    </p:bldLst>
   </p:timing>
 </p:sld>
 </file>
@@ -9962,57 +11979,66 @@
               <a:t> </a:t>
             </a:r>
             <a:r>
+              <a:rPr lang="zh-CN" altLang="en-US" dirty="0" smtClean="0"/>
+              <a:t>事件绑定</a:t>
+            </a:r>
+            <a:endParaRPr lang="en-US" altLang="zh-CN" dirty="0" smtClean="0"/>
+          </a:p>
+          <a:p>
+            <a:pPr marL="591820" lvl="1"/>
+            <a:r>
+              <a:rPr lang="en-US" altLang="zh-CN" dirty="0"/>
+              <a:t> React </a:t>
+            </a:r>
+            <a:r>
               <a:rPr lang="zh-CN" altLang="en-US" dirty="0"/>
-              <a:t>传</a:t>
-            </a:r>
+              <a:t>事件绑定属性的命名采用驼峰式写法，而不是小写</a:t>
+            </a:r>
+            <a:endParaRPr lang="en-US" altLang="zh-CN" dirty="0" smtClean="0"/>
+          </a:p>
+          <a:p>
+            <a:pPr marL="591820" lvl="1"/>
             <a:r>
               <a:rPr lang="zh-CN" altLang="en-US" dirty="0" smtClean="0"/>
-              <a:t>参</a:t>
+              <a:t> 采用 </a:t>
+            </a:r>
+            <a:r>
+              <a:rPr lang="en-US" altLang="zh-CN" dirty="0"/>
+              <a:t>JSX </a:t>
+            </a:r>
+            <a:r>
+              <a:rPr lang="zh-CN" altLang="en-US" dirty="0" smtClean="0"/>
+              <a:t>语法需传入</a:t>
+            </a:r>
+            <a:r>
+              <a:rPr lang="zh-CN" altLang="en-US" dirty="0"/>
+              <a:t>一个函数作为事件处理函数，而不是一个字符串</a:t>
             </a:r>
             <a:r>
               <a:rPr lang="en-US" altLang="zh-CN" dirty="0" smtClean="0"/>
-              <a:t>(</a:t>
+              <a:t>( </a:t>
+            </a:r>
+            <a:r>
+              <a:rPr lang="en-US" altLang="zh-CN" dirty="0" smtClean="0"/>
+              <a:t>DOM </a:t>
             </a:r>
             <a:r>
               <a:rPr lang="zh-CN" altLang="en-US" dirty="0" smtClean="0"/>
-              <a:t>两种形式</a:t>
+              <a:t>元素</a:t>
+            </a:r>
+            <a:r>
+              <a:rPr lang="zh-CN" altLang="en-US" dirty="0"/>
+              <a:t>的</a:t>
+            </a:r>
+            <a:r>
+              <a:rPr lang="zh-CN" altLang="en-US" dirty="0" smtClean="0"/>
+              <a:t>写法 </a:t>
             </a:r>
             <a:r>
               <a:rPr lang="en-US" altLang="zh-CN" dirty="0" smtClean="0"/>
               <a:t>)</a:t>
             </a:r>
-          </a:p>
-          <a:p>
-            <a:pPr marL="591820" lvl="1"/>
-            <a:r>
-              <a:rPr lang="en-US" altLang="zh-CN" dirty="0"/>
-              <a:t> </a:t>
-            </a:r>
-            <a:r>
-              <a:rPr lang="zh-CN" altLang="en-US" dirty="0" smtClean="0"/>
-              <a:t>函数声明时事件对象作为最后一个参数传入</a:t>
-            </a:r>
-            <a:endParaRPr lang="en-US" altLang="zh-CN" dirty="0" smtClean="0"/>
-          </a:p>
-          <a:p>
-            <a:pPr marL="591820" lvl="1"/>
-            <a:r>
-              <a:rPr lang="en-US" altLang="zh-CN" dirty="0"/>
-              <a:t> </a:t>
-            </a:r>
-            <a:r>
-              <a:rPr lang="zh-CN" altLang="en-US" dirty="0" smtClean="0"/>
-              <a:t>箭头函数的事件对象显示传入；</a:t>
-            </a:r>
-            <a:r>
-              <a:rPr lang="en-US" altLang="zh-CN" dirty="0" smtClean="0"/>
-              <a:t>bind </a:t>
-            </a:r>
-            <a:r>
-              <a:rPr lang="zh-CN" altLang="en-US" dirty="0" smtClean="0"/>
-              <a:t>会隐式传入</a:t>
-            </a:r>
-            <a:endParaRPr lang="en-US" altLang="zh-CN" sz="1200" dirty="0" smtClean="0"/>
+            <a:endParaRPr lang="en-US" altLang="zh-CN" sz="2000" dirty="0" smtClean="0"/>
           </a:p>
           <a:p>
             <a:pPr marL="361315" lvl="1" indent="0">
@@ -10090,7 +12116,7 @@
                 <a:latin typeface="+mn-ea"/>
                 <a:ea typeface="+mn-ea"/>
               </a:rPr>
-              <a:t>事件处理函数传参</a:t>
+              <a:t>事件绑定</a:t>
             </a:r>
           </a:p>
         </p:txBody>
@@ -10103,8 +12129,8 @@
         </p:nvSpPr>
         <p:spPr>
           <a:xfrm>
-            <a:off x="1125723" y="2975200"/>
-            <a:ext cx="9148191" cy="3046988"/>
+            <a:off x="1125723" y="3669331"/>
+            <a:ext cx="9148191" cy="1938992"/>
           </a:xfrm>
           <a:prstGeom prst="rect">
             <a:avLst/>
@@ -10124,22 +12150,19 @@
           <a:p>
             <a:r>
               <a:rPr lang="en-US" altLang="zh-CN" sz="2400" dirty="0" err="1" smtClean="0"/>
-              <a:t>deleteRow</a:t>
-            </a:r>
-            <a:r>
-              <a:rPr lang="en-US" altLang="zh-CN" sz="2400" dirty="0"/>
-              <a:t> </a:t>
+              <a:t>handleClick</a:t>
             </a:r>
             <a:r>
               <a:rPr lang="en-US" altLang="zh-CN" sz="2400" dirty="0" smtClean="0"/>
-              <a:t>= ( id, e ) =&gt; {  } </a:t>
+              <a:t> = ( ) =&gt; { }</a:t>
             </a:r>
           </a:p>
           <a:p>
             <a:r>
               <a:rPr lang="en-US" altLang="zh-CN" sz="2400" dirty="0" smtClean="0"/>
-              <a:t>…</a:t>
-            </a:r>
+              <a:t>….</a:t>
+            </a:r>
+            <a:endParaRPr lang="en-US" altLang="zh-CN" sz="2400" dirty="0" smtClean="0"/>
           </a:p>
           <a:p>
             <a:r>
@@ -10151,30 +12174,42 @@
               <a:t>button </a:t>
             </a:r>
             <a:r>
-              <a:rPr lang="en-US" altLang="zh-CN" sz="2400" dirty="0" err="1"/>
+              <a:rPr lang="en-US" altLang="zh-CN" sz="2400" dirty="0" err="1">
+                <a:solidFill>
+                  <a:schemeClr val="accent3"/>
+                </a:solidFill>
+              </a:rPr>
               <a:t>onClick</a:t>
             </a:r>
             <a:r>
-              <a:rPr lang="en-US" altLang="zh-CN" sz="2400" dirty="0"/>
-              <a:t>={(e) =&gt; </a:t>
-            </a:r>
-            <a:r>
-              <a:rPr lang="en-US" altLang="zh-CN" sz="2400" dirty="0" err="1"/>
-              <a:t>this.deleteRow</a:t>
-            </a:r>
-            <a:r>
-              <a:rPr lang="en-US" altLang="zh-CN" sz="2400" dirty="0"/>
-              <a:t>(id, e</a:t>
-            </a:r>
-            <a:r>
               <a:rPr lang="en-US" altLang="zh-CN" sz="2400" dirty="0" smtClean="0"/>
-              <a:t>)}&gt;</a:t>
-            </a:r>
-          </a:p>
-          <a:p>
+              <a:t>={ </a:t>
+            </a:r>
+            <a:r>
+              <a:rPr lang="en-US" altLang="zh-CN" sz="2400" dirty="0" err="1" smtClean="0">
+                <a:solidFill>
+                  <a:schemeClr val="accent3"/>
+                </a:solidFill>
+              </a:rPr>
+              <a:t>handleClick</a:t>
+            </a:r>
+            <a:r>
+              <a:rPr lang="en-US" altLang="zh-CN" sz="2400" dirty="0" smtClean="0">
+                <a:solidFill>
+                  <a:schemeClr val="accent3"/>
+                </a:solidFill>
+              </a:rPr>
+              <a:t> </a:t>
+            </a:r>
             <a:r>
               <a:rPr lang="en-US" altLang="zh-CN" sz="2400" dirty="0" smtClean="0"/>
-              <a:t>	Delete Row</a:t>
+              <a:t>}&gt; </a:t>
+            </a:r>
+          </a:p>
+          <a:p>
+            <a:r>
+              <a:rPr lang="en-US" altLang="zh-CN" sz="2400" dirty="0" smtClean="0"/>
+              <a:t>	Click </a:t>
             </a:r>
           </a:p>
           <a:p>
@@ -10184,62 +12219,44 @@
             </a:r>
             <a:r>
               <a:rPr lang="en-US" altLang="zh-CN" sz="2400" dirty="0"/>
-              <a:t>button&gt; </a:t>
-            </a:r>
-            <a:endParaRPr lang="en-US" altLang="zh-CN" sz="2400" dirty="0" smtClean="0"/>
-          </a:p>
+              <a:t>button&gt;</a:t>
+            </a:r>
+          </a:p>
+        </p:txBody>
+      </p:sp>
+      <p:sp>
+        <p:nvSpPr>
+          <p:cNvPr id="5" name="矩形 4"/>
+          <p:cNvSpPr/>
+          <p:nvPr/>
+        </p:nvSpPr>
+        <p:spPr>
+          <a:xfrm>
+            <a:off x="10201881" y="5724591"/>
+            <a:ext cx="1368627" cy="461665"/>
+          </a:xfrm>
+          <a:prstGeom prst="rect">
+            <a:avLst/>
+          </a:prstGeom>
+        </p:spPr>
+        <p:txBody>
+          <a:bodyPr wrap="square">
+            <a:spAutoFit/>
+          </a:bodyPr>
+          <a:lstStyle/>
           <a:p>
             <a:r>
               <a:rPr lang="en-US" altLang="zh-CN" sz="2400" dirty="0" smtClean="0"/>
-              <a:t>&lt;</a:t>
-            </a:r>
-            <a:r>
-              <a:rPr lang="en-US" altLang="zh-CN" sz="2400" dirty="0"/>
-              <a:t>button </a:t>
-            </a:r>
-            <a:r>
-              <a:rPr lang="en-US" altLang="zh-CN" sz="2400" dirty="0" err="1"/>
-              <a:t>onClick</a:t>
-            </a:r>
-            <a:r>
-              <a:rPr lang="en-US" altLang="zh-CN" sz="2400" dirty="0"/>
-              <a:t>={</a:t>
-            </a:r>
-            <a:r>
-              <a:rPr lang="en-US" altLang="zh-CN" sz="2400" dirty="0" err="1"/>
-              <a:t>this.deleteRow.bind</a:t>
-            </a:r>
-            <a:r>
-              <a:rPr lang="en-US" altLang="zh-CN" sz="2400" dirty="0"/>
-              <a:t>(this, id</a:t>
-            </a:r>
-            <a:r>
-              <a:rPr lang="en-US" altLang="zh-CN" sz="2400" dirty="0" smtClean="0"/>
-              <a:t>)}&gt;</a:t>
-            </a:r>
-          </a:p>
-          <a:p>
-            <a:r>
-              <a:rPr lang="en-US" altLang="zh-CN" sz="2400" dirty="0" smtClean="0"/>
-              <a:t>	Delete Row</a:t>
-            </a:r>
-          </a:p>
-          <a:p>
-            <a:r>
-              <a:rPr lang="en-US" altLang="zh-CN" sz="2400" dirty="0" smtClean="0"/>
-              <a:t>&lt;/</a:t>
-            </a:r>
-            <a:r>
-              <a:rPr lang="en-US" altLang="zh-CN" sz="2400" dirty="0"/>
-              <a:t>button&gt;</a:t>
-            </a:r>
+              <a:t>demo07</a:t>
+            </a:r>
+            <a:endParaRPr lang="zh-CN" altLang="en-US" sz="2400" dirty="0"/>
           </a:p>
         </p:txBody>
       </p:sp>
     </p:spTree>
     <p:extLst>
       <p:ext uri="{BB962C8B-B14F-4D97-AF65-F5344CB8AC3E}">
-        <p14:creationId xmlns:p14="http://schemas.microsoft.com/office/powerpoint/2010/main" val="3716847114"/>
+        <p14:creationId xmlns:p14="http://schemas.microsoft.com/office/powerpoint/2010/main" val="2691461166"/>
       </p:ext>
     </p:extLst>
   </p:cSld>
@@ -10352,6 +12369,1436 @@
           <a:chExt cx="0" cy="0"/>
         </a:xfrm>
       </p:grpSpPr>
+      <p:sp>
+        <p:nvSpPr>
+          <p:cNvPr id="30722" name="内容占位符 3"/>
+          <p:cNvSpPr>
+            <a:spLocks noGrp="1"/>
+          </p:cNvSpPr>
+          <p:nvPr>
+            <p:ph sz="quarter" idx="10"/>
+          </p:nvPr>
+        </p:nvSpPr>
+        <p:spPr bwMode="auto">
+          <a:xfrm>
+            <a:off x="693526" y="907845"/>
+            <a:ext cx="9436322" cy="4898244"/>
+          </a:xfrm>
+          <a:solidFill>
+            <a:schemeClr val="bg1"/>
+          </a:solidFill>
+        </p:spPr>
+        <p:txBody>
+          <a:bodyPr vert="horz" wrap="square" lIns="91440" tIns="45720" rIns="91440" bIns="45720" numCol="1" anchor="t" anchorCtr="0" compatLnSpc="1"/>
+          <a:lstStyle/>
+          <a:p>
+            <a:pPr marL="360045"/>
+            <a:r>
+              <a:rPr lang="en-US" altLang="zh-CN" dirty="0"/>
+              <a:t> </a:t>
+            </a:r>
+            <a:r>
+              <a:rPr lang="zh-CN" altLang="en-US" dirty="0" smtClean="0"/>
+              <a:t>事件处理函数绑定 </a:t>
+            </a:r>
+            <a:r>
+              <a:rPr lang="en-US" altLang="zh-CN" dirty="0" smtClean="0"/>
+              <a:t>this</a:t>
+            </a:r>
+          </a:p>
+          <a:p>
+            <a:pPr marL="591820" lvl="1"/>
+            <a:r>
+              <a:rPr lang="zh-CN" altLang="en-US" dirty="0" smtClean="0"/>
+              <a:t> 类</a:t>
+            </a:r>
+            <a:r>
+              <a:rPr lang="zh-CN" altLang="en-US" dirty="0"/>
+              <a:t>的方法默认是不会绑定 </a:t>
+            </a:r>
+            <a:r>
+              <a:rPr lang="en-US" altLang="zh-CN" dirty="0"/>
+              <a:t>this</a:t>
+            </a:r>
+            <a:r>
+              <a:rPr lang="zh-CN" altLang="en-US" dirty="0"/>
+              <a:t> </a:t>
+            </a:r>
+            <a:r>
+              <a:rPr lang="zh-CN" altLang="en-US" dirty="0" smtClean="0"/>
+              <a:t>的</a:t>
+            </a:r>
+            <a:endParaRPr lang="en-US" altLang="zh-CN" dirty="0" smtClean="0"/>
+          </a:p>
+          <a:p>
+            <a:pPr marL="591820" lvl="1"/>
+            <a:r>
+              <a:rPr lang="en-US" altLang="zh-CN" dirty="0"/>
+              <a:t> </a:t>
+            </a:r>
+            <a:r>
+              <a:rPr lang="zh-CN" altLang="en-US" dirty="0" smtClean="0"/>
+              <a:t>通过 </a:t>
+            </a:r>
+            <a:r>
+              <a:rPr lang="en-US" altLang="zh-CN" dirty="0" smtClean="0"/>
+              <a:t>bind </a:t>
+            </a:r>
+            <a:r>
+              <a:rPr lang="zh-CN" altLang="en-US" dirty="0" smtClean="0"/>
+              <a:t>绑定 </a:t>
+            </a:r>
+            <a:r>
+              <a:rPr lang="en-US" altLang="zh-CN" dirty="0" smtClean="0"/>
+              <a:t>this</a:t>
+            </a:r>
+            <a:r>
+              <a:rPr lang="zh-CN" altLang="en-US" dirty="0" smtClean="0"/>
+              <a:t>（ </a:t>
+            </a:r>
+            <a:r>
+              <a:rPr lang="zh-CN" altLang="en-US" dirty="0" smtClean="0">
+                <a:solidFill>
+                  <a:srgbClr val="FF0000"/>
+                </a:solidFill>
+              </a:rPr>
+              <a:t>两种形式 </a:t>
+            </a:r>
+            <a:r>
+              <a:rPr lang="zh-CN" altLang="en-US" dirty="0" smtClean="0"/>
+              <a:t>）</a:t>
+            </a:r>
+            <a:endParaRPr lang="en-US" altLang="zh-CN" sz="2000" dirty="0" smtClean="0"/>
+          </a:p>
+          <a:p>
+            <a:pPr marL="361315" lvl="1" indent="0">
+              <a:buNone/>
+            </a:pPr>
+            <a:endParaRPr lang="en-US" altLang="zh-CN" sz="2200" dirty="0" smtClean="0">
+              <a:latin typeface="+mj-ea"/>
+              <a:ea typeface="+mj-ea"/>
+            </a:endParaRPr>
+          </a:p>
+          <a:p>
+            <a:pPr marL="360045" lvl="1" indent="0">
+              <a:buFont typeface="Arial" panose="020B0604020202020204" pitchFamily="34" charset="0"/>
+              <a:buNone/>
+              <a:defRPr/>
+            </a:pPr>
+            <a:r>
+              <a:rPr lang="en-US" altLang="zh-CN" sz="2400" dirty="0" smtClean="0">
+                <a:latin typeface="+mj-ea"/>
+                <a:ea typeface="+mj-ea"/>
+              </a:rPr>
+              <a:t>		</a:t>
+            </a:r>
+            <a:endParaRPr lang="zh-CN" altLang="en-US" dirty="0" smtClean="0">
+              <a:latin typeface="+mj-ea"/>
+              <a:ea typeface="+mj-ea"/>
+            </a:endParaRPr>
+          </a:p>
+        </p:txBody>
+      </p:sp>
+      <p:sp>
+        <p:nvSpPr>
+          <p:cNvPr id="25603" name="内容占位符 4"/>
+          <p:cNvSpPr>
+            <a:spLocks noGrp="1"/>
+          </p:cNvSpPr>
+          <p:nvPr>
+            <p:ph sz="quarter" idx="11"/>
+          </p:nvPr>
+        </p:nvSpPr>
+        <p:spPr bwMode="auto">
+          <a:xfrm>
+            <a:off x="909638" y="236538"/>
+            <a:ext cx="7575550" cy="490537"/>
+          </a:xfrm>
+          <a:extLst>
+            <a:ext uri="{909E8E84-426E-40DD-AFC4-6F175D3DCCD1}">
+              <a14:hiddenFill xmlns:a14="http://schemas.microsoft.com/office/drawing/2010/main">
+                <a:solidFill>
+                  <a:srgbClr val="FFFFFF"/>
+                </a:solidFill>
+              </a14:hiddenFill>
+            </a:ext>
+            <a:ext uri="{91240B29-F687-4F45-9708-019B960494DF}">
+              <a14:hiddenLine xmlns:a14="http://schemas.microsoft.com/office/drawing/2010/main" w="9525">
+                <a:solidFill>
+                  <a:srgbClr val="000000"/>
+                </a:solidFill>
+                <a:miter lim="800000"/>
+                <a:headEnd/>
+                <a:tailEnd/>
+              </a14:hiddenLine>
+            </a:ext>
+          </a:extLst>
+        </p:spPr>
+        <p:txBody>
+          <a:bodyPr vert="horz" wrap="square" lIns="91440" tIns="45720" rIns="91440" bIns="45720" numCol="1" anchor="t" anchorCtr="0" compatLnSpc="1"/>
+          <a:lstStyle/>
+          <a:p>
+            <a:pPr>
+              <a:defRPr/>
+            </a:pPr>
+            <a:r>
+              <a:rPr lang="en-US" altLang="zh-CN" dirty="0">
+                <a:latin typeface="+mn-ea"/>
+                <a:ea typeface="+mn-ea"/>
+              </a:rPr>
+              <a:t>this</a:t>
+            </a:r>
+            <a:endParaRPr lang="zh-CN" altLang="en-US" dirty="0" smtClean="0">
+              <a:latin typeface="+mn-ea"/>
+              <a:ea typeface="+mn-ea"/>
+            </a:endParaRPr>
+          </a:p>
+        </p:txBody>
+      </p:sp>
+      <p:sp>
+        <p:nvSpPr>
+          <p:cNvPr id="4" name="TextBox 3"/>
+          <p:cNvSpPr txBox="1"/>
+          <p:nvPr/>
+        </p:nvSpPr>
+        <p:spPr>
+          <a:xfrm>
+            <a:off x="1125723" y="3140868"/>
+            <a:ext cx="9148191" cy="2677656"/>
+          </a:xfrm>
+          <a:prstGeom prst="rect">
+            <a:avLst/>
+          </a:prstGeom>
+          <a:solidFill>
+            <a:schemeClr val="accent1">
+              <a:lumMod val="10000"/>
+              <a:lumOff val="90000"/>
+            </a:schemeClr>
+          </a:solidFill>
+        </p:spPr>
+        <p:txBody>
+          <a:bodyPr wrap="square" rtlCol="0">
+            <a:spAutoFit/>
+          </a:bodyPr>
+          <a:lstStyle/>
+          <a:p>
+            <a:r>
+              <a:rPr lang="en-US" altLang="zh-CN" sz="2400" dirty="0">
+                <a:solidFill>
+                  <a:srgbClr val="FF0000"/>
+                </a:solidFill>
+              </a:rPr>
+              <a:t>constructor</a:t>
+            </a:r>
+            <a:r>
+              <a:rPr lang="en-US" altLang="zh-CN" sz="2400" dirty="0"/>
+              <a:t>( ){        </a:t>
+            </a:r>
+            <a:endParaRPr lang="en-US" altLang="zh-CN" sz="2400" dirty="0">
+              <a:solidFill>
+                <a:srgbClr val="FF0000"/>
+              </a:solidFill>
+            </a:endParaRPr>
+          </a:p>
+          <a:p>
+            <a:r>
+              <a:rPr lang="en-US" altLang="zh-CN" sz="2400" dirty="0"/>
+              <a:t>	</a:t>
+            </a:r>
+            <a:r>
+              <a:rPr lang="en-US" altLang="zh-CN" sz="2400" dirty="0" smtClean="0"/>
+              <a:t>super</a:t>
+            </a:r>
+            <a:r>
+              <a:rPr lang="en-US" altLang="zh-CN" sz="2400" dirty="0"/>
+              <a:t>();     </a:t>
+            </a:r>
+            <a:endParaRPr lang="en-US" altLang="zh-CN" sz="2400" dirty="0">
+              <a:solidFill>
+                <a:srgbClr val="FF0000"/>
+              </a:solidFill>
+            </a:endParaRPr>
+          </a:p>
+          <a:p>
+            <a:r>
+              <a:rPr lang="en-US" altLang="zh-CN" sz="2400" dirty="0"/>
+              <a:t>	</a:t>
+            </a:r>
+            <a:r>
+              <a:rPr lang="en-US" altLang="zh-CN" sz="2400" dirty="0" err="1" smtClean="0"/>
+              <a:t>this.handleClick</a:t>
+            </a:r>
+            <a:r>
+              <a:rPr lang="en-US" altLang="zh-CN" sz="2400" dirty="0" smtClean="0"/>
+              <a:t> = </a:t>
+            </a:r>
+            <a:r>
+              <a:rPr lang="en-US" altLang="zh-CN" sz="2400" dirty="0" err="1" smtClean="0"/>
+              <a:t>this.handleClick.</a:t>
+            </a:r>
+            <a:r>
+              <a:rPr lang="en-US" altLang="zh-CN" sz="2400" dirty="0" err="1" smtClean="0">
+                <a:solidFill>
+                  <a:srgbClr val="FF0000"/>
+                </a:solidFill>
+              </a:rPr>
+              <a:t>bind</a:t>
+            </a:r>
+            <a:r>
+              <a:rPr lang="en-US" altLang="zh-CN" sz="2400" dirty="0" smtClean="0"/>
+              <a:t>( this );</a:t>
+            </a:r>
+          </a:p>
+          <a:p>
+            <a:r>
+              <a:rPr lang="en-US" altLang="zh-CN" sz="2400" dirty="0" smtClean="0"/>
+              <a:t>}</a:t>
+            </a:r>
+          </a:p>
+          <a:p>
+            <a:r>
+              <a:rPr lang="en-US" altLang="zh-CN" sz="2400" dirty="0" smtClean="0"/>
+              <a:t>&lt;</a:t>
+            </a:r>
+            <a:r>
+              <a:rPr lang="en-US" altLang="zh-CN" sz="2400" dirty="0"/>
+              <a:t>button </a:t>
+            </a:r>
+            <a:r>
+              <a:rPr lang="en-US" altLang="zh-CN" sz="2400" dirty="0" err="1">
+                <a:solidFill>
+                  <a:schemeClr val="accent3"/>
+                </a:solidFill>
+              </a:rPr>
+              <a:t>onClick</a:t>
+            </a:r>
+            <a:r>
+              <a:rPr lang="en-US" altLang="zh-CN" sz="2400" dirty="0"/>
+              <a:t>={ </a:t>
+            </a:r>
+            <a:r>
+              <a:rPr lang="en-US" altLang="zh-CN" sz="2400" dirty="0" err="1" smtClean="0"/>
+              <a:t>this.handleClick</a:t>
+            </a:r>
+            <a:r>
+              <a:rPr lang="en-US" altLang="zh-CN" sz="2400" dirty="0" err="1" smtClean="0">
+                <a:solidFill>
+                  <a:schemeClr val="accent3"/>
+                </a:solidFill>
+              </a:rPr>
+              <a:t>.bind</a:t>
+            </a:r>
+            <a:r>
+              <a:rPr lang="en-US" altLang="zh-CN" sz="2400" dirty="0" smtClean="0">
+                <a:solidFill>
+                  <a:schemeClr val="accent3"/>
+                </a:solidFill>
+              </a:rPr>
+              <a:t>( this ) </a:t>
+            </a:r>
+            <a:r>
+              <a:rPr lang="en-US" altLang="zh-CN" sz="2400" dirty="0"/>
+              <a:t>}&gt; </a:t>
+            </a:r>
+          </a:p>
+          <a:p>
+            <a:r>
+              <a:rPr lang="en-US" altLang="zh-CN" sz="2400" dirty="0"/>
+              <a:t>	Click </a:t>
+            </a:r>
+          </a:p>
+          <a:p>
+            <a:r>
+              <a:rPr lang="en-US" altLang="zh-CN" sz="2400" dirty="0"/>
+              <a:t>&lt;/button</a:t>
+            </a:r>
+            <a:r>
+              <a:rPr lang="en-US" altLang="zh-CN" sz="2400" dirty="0" smtClean="0"/>
+              <a:t>&gt;</a:t>
+            </a:r>
+            <a:endParaRPr lang="en-US" altLang="zh-CN" sz="2400" dirty="0"/>
+          </a:p>
+        </p:txBody>
+      </p:sp>
+    </p:spTree>
+    <p:extLst>
+      <p:ext uri="{BB962C8B-B14F-4D97-AF65-F5344CB8AC3E}">
+        <p14:creationId xmlns:p14="http://schemas.microsoft.com/office/powerpoint/2010/main" val="4116435245"/>
+      </p:ext>
+    </p:extLst>
+  </p:cSld>
+  <p:clrMapOvr>
+    <a:masterClrMapping/>
+  </p:clrMapOvr>
+  <p:timing>
+    <p:tnLst>
+      <p:par>
+        <p:cTn id="1" dur="indefinite" restart="never" nodeType="tmRoot">
+          <p:childTnLst>
+            <p:seq concurrent="1" nextAc="seek">
+              <p:cTn id="2" dur="indefinite" nodeType="mainSeq">
+                <p:childTnLst>
+                  <p:par>
+                    <p:cTn id="3" fill="hold">
+                      <p:stCondLst>
+                        <p:cond delay="indefinite"/>
+                      </p:stCondLst>
+                      <p:childTnLst>
+                        <p:par>
+                          <p:cTn id="4" fill="hold">
+                            <p:stCondLst>
+                              <p:cond delay="0"/>
+                            </p:stCondLst>
+                            <p:childTnLst>
+                              <p:par>
+                                <p:cTn id="5" presetID="22" presetClass="entr" presetSubtype="4" fill="hold" grpId="0" nodeType="clickEffect">
+                                  <p:stCondLst>
+                                    <p:cond delay="0"/>
+                                  </p:stCondLst>
+                                  <p:childTnLst>
+                                    <p:set>
+                                      <p:cBhvr>
+                                        <p:cTn id="6" dur="1" fill="hold">
+                                          <p:stCondLst>
+                                            <p:cond delay="0"/>
+                                          </p:stCondLst>
+                                        </p:cTn>
+                                        <p:tgtEl>
+                                          <p:spTgt spid="4"/>
+                                        </p:tgtEl>
+                                        <p:attrNameLst>
+                                          <p:attrName>style.visibility</p:attrName>
+                                        </p:attrNameLst>
+                                      </p:cBhvr>
+                                      <p:to>
+                                        <p:strVal val="visible"/>
+                                      </p:to>
+                                    </p:set>
+                                    <p:animEffect transition="in" filter="wipe(down)">
+                                      <p:cBhvr>
+                                        <p:cTn id="7" dur="500"/>
+                                        <p:tgtEl>
+                                          <p:spTgt spid="4"/>
+                                        </p:tgtEl>
+                                      </p:cBhvr>
+                                    </p:animEffect>
+                                  </p:childTnLst>
+                                </p:cTn>
+                              </p:par>
+                            </p:childTnLst>
+                          </p:cTn>
+                        </p:par>
+                      </p:childTnLst>
+                    </p:cTn>
+                  </p:par>
+                </p:childTnLst>
+              </p:cTn>
+              <p:prevCondLst>
+                <p:cond evt="onPrev" delay="0">
+                  <p:tgtEl>
+                    <p:sldTgt/>
+                  </p:tgtEl>
+                </p:cond>
+              </p:prevCondLst>
+              <p:nextCondLst>
+                <p:cond evt="onNext" delay="0">
+                  <p:tgtEl>
+                    <p:sldTgt/>
+                  </p:tgtEl>
+                </p:cond>
+              </p:nextCondLst>
+            </p:seq>
+          </p:childTnLst>
+        </p:cTn>
+      </p:par>
+    </p:tnLst>
+    <p:bldLst>
+      <p:bldP spid="4" grpId="0" animBg="1"/>
+    </p:bldLst>
+  </p:timing>
+</p:sld>
+</file>
+
+<file path=ppt/slides/slide24.xml><?xml version="1.0" encoding="utf-8"?>
+<p:sld xmlns:a="http://schemas.openxmlformats.org/drawingml/2006/main" xmlns:r="http://schemas.openxmlformats.org/officeDocument/2006/relationships" xmlns:p="http://schemas.openxmlformats.org/presentationml/2006/main">
+  <p:cSld>
+    <p:spTree>
+      <p:nvGrpSpPr>
+        <p:cNvPr id="1" name=""/>
+        <p:cNvGrpSpPr/>
+        <p:nvPr/>
+      </p:nvGrpSpPr>
+      <p:grpSpPr>
+        <a:xfrm>
+          <a:off x="0" y="0"/>
+          <a:ext cx="0" cy="0"/>
+          <a:chOff x="0" y="0"/>
+          <a:chExt cx="0" cy="0"/>
+        </a:xfrm>
+      </p:grpSpPr>
+      <p:sp>
+        <p:nvSpPr>
+          <p:cNvPr id="30722" name="内容占位符 3"/>
+          <p:cNvSpPr>
+            <a:spLocks noGrp="1"/>
+          </p:cNvSpPr>
+          <p:nvPr>
+            <p:ph sz="quarter" idx="10"/>
+          </p:nvPr>
+        </p:nvSpPr>
+        <p:spPr bwMode="auto">
+          <a:xfrm>
+            <a:off x="693526" y="907845"/>
+            <a:ext cx="9436322" cy="4898244"/>
+          </a:xfrm>
+          <a:solidFill>
+            <a:schemeClr val="bg1"/>
+          </a:solidFill>
+        </p:spPr>
+        <p:txBody>
+          <a:bodyPr vert="horz" wrap="square" lIns="91440" tIns="45720" rIns="91440" bIns="45720" numCol="1" anchor="t" anchorCtr="0" compatLnSpc="1"/>
+          <a:lstStyle/>
+          <a:p>
+            <a:pPr marL="360045"/>
+            <a:r>
+              <a:rPr lang="en-US" altLang="zh-CN" dirty="0"/>
+              <a:t> </a:t>
+            </a:r>
+            <a:r>
+              <a:rPr lang="zh-CN" altLang="en-US" dirty="0" smtClean="0"/>
+              <a:t>事件处理函数绑定 </a:t>
+            </a:r>
+            <a:r>
+              <a:rPr lang="en-US" altLang="zh-CN" dirty="0" smtClean="0"/>
+              <a:t>this </a:t>
+            </a:r>
+            <a:r>
+              <a:rPr lang="zh-CN" altLang="en-US" dirty="0" smtClean="0"/>
+              <a:t>（续）</a:t>
+            </a:r>
+            <a:endParaRPr lang="en-US" altLang="zh-CN" dirty="0" smtClean="0"/>
+          </a:p>
+          <a:p>
+            <a:pPr marL="591820" lvl="1"/>
+            <a:r>
+              <a:rPr lang="zh-CN" altLang="en-US" dirty="0" smtClean="0"/>
+              <a:t> 箭头函数</a:t>
+            </a:r>
+            <a:endParaRPr lang="en-US" altLang="zh-CN" sz="2000" dirty="0" smtClean="0"/>
+          </a:p>
+          <a:p>
+            <a:pPr marL="361315" lvl="1" indent="0">
+              <a:buNone/>
+            </a:pPr>
+            <a:endParaRPr lang="en-US" altLang="zh-CN" sz="2200" dirty="0" smtClean="0">
+              <a:latin typeface="+mj-ea"/>
+              <a:ea typeface="+mj-ea"/>
+            </a:endParaRPr>
+          </a:p>
+          <a:p>
+            <a:pPr marL="360045" lvl="1" indent="0">
+              <a:buFont typeface="Arial" panose="020B0604020202020204" pitchFamily="34" charset="0"/>
+              <a:buNone/>
+              <a:defRPr/>
+            </a:pPr>
+            <a:r>
+              <a:rPr lang="en-US" altLang="zh-CN" sz="2400" dirty="0" smtClean="0">
+                <a:latin typeface="+mj-ea"/>
+                <a:ea typeface="+mj-ea"/>
+              </a:rPr>
+              <a:t>		</a:t>
+            </a:r>
+            <a:endParaRPr lang="zh-CN" altLang="en-US" dirty="0" smtClean="0">
+              <a:latin typeface="+mj-ea"/>
+              <a:ea typeface="+mj-ea"/>
+            </a:endParaRPr>
+          </a:p>
+        </p:txBody>
+      </p:sp>
+      <p:sp>
+        <p:nvSpPr>
+          <p:cNvPr id="25603" name="内容占位符 4"/>
+          <p:cNvSpPr>
+            <a:spLocks noGrp="1"/>
+          </p:cNvSpPr>
+          <p:nvPr>
+            <p:ph sz="quarter" idx="11"/>
+          </p:nvPr>
+        </p:nvSpPr>
+        <p:spPr bwMode="auto">
+          <a:xfrm>
+            <a:off x="909638" y="236538"/>
+            <a:ext cx="7575550" cy="490537"/>
+          </a:xfrm>
+          <a:extLst>
+            <a:ext uri="{909E8E84-426E-40DD-AFC4-6F175D3DCCD1}">
+              <a14:hiddenFill xmlns:a14="http://schemas.microsoft.com/office/drawing/2010/main">
+                <a:solidFill>
+                  <a:srgbClr val="FFFFFF"/>
+                </a:solidFill>
+              </a14:hiddenFill>
+            </a:ext>
+            <a:ext uri="{91240B29-F687-4F45-9708-019B960494DF}">
+              <a14:hiddenLine xmlns:a14="http://schemas.microsoft.com/office/drawing/2010/main" w="9525">
+                <a:solidFill>
+                  <a:srgbClr val="000000"/>
+                </a:solidFill>
+                <a:miter lim="800000"/>
+                <a:headEnd/>
+                <a:tailEnd/>
+              </a14:hiddenLine>
+            </a:ext>
+          </a:extLst>
+        </p:spPr>
+        <p:txBody>
+          <a:bodyPr vert="horz" wrap="square" lIns="91440" tIns="45720" rIns="91440" bIns="45720" numCol="1" anchor="t" anchorCtr="0" compatLnSpc="1"/>
+          <a:lstStyle/>
+          <a:p>
+            <a:pPr>
+              <a:defRPr/>
+            </a:pPr>
+            <a:r>
+              <a:rPr lang="en-US" altLang="zh-CN" dirty="0">
+                <a:latin typeface="+mn-ea"/>
+                <a:ea typeface="+mn-ea"/>
+              </a:rPr>
+              <a:t>this</a:t>
+            </a:r>
+            <a:endParaRPr lang="zh-CN" altLang="en-US" dirty="0" smtClean="0">
+              <a:latin typeface="+mn-ea"/>
+              <a:ea typeface="+mn-ea"/>
+            </a:endParaRPr>
+          </a:p>
+        </p:txBody>
+      </p:sp>
+      <p:sp>
+        <p:nvSpPr>
+          <p:cNvPr id="4" name="TextBox 3"/>
+          <p:cNvSpPr txBox="1"/>
+          <p:nvPr/>
+        </p:nvSpPr>
+        <p:spPr>
+          <a:xfrm>
+            <a:off x="1125723" y="2204439"/>
+            <a:ext cx="9148191" cy="3785652"/>
+          </a:xfrm>
+          <a:prstGeom prst="rect">
+            <a:avLst/>
+          </a:prstGeom>
+          <a:solidFill>
+            <a:schemeClr val="accent1">
+              <a:lumMod val="10000"/>
+              <a:lumOff val="90000"/>
+            </a:schemeClr>
+          </a:solidFill>
+        </p:spPr>
+        <p:txBody>
+          <a:bodyPr wrap="square" rtlCol="0">
+            <a:spAutoFit/>
+          </a:bodyPr>
+          <a:lstStyle/>
+          <a:p>
+            <a:r>
+              <a:rPr lang="en-US" altLang="zh-CN" sz="2400" dirty="0"/>
+              <a:t>class Hello extends</a:t>
+            </a:r>
+            <a:r>
+              <a:rPr lang="en-US" altLang="zh-CN" sz="2400" dirty="0">
+                <a:solidFill>
+                  <a:srgbClr val="FF0000"/>
+                </a:solidFill>
+              </a:rPr>
+              <a:t> </a:t>
+            </a:r>
+            <a:r>
+              <a:rPr lang="en-US" altLang="zh-CN" sz="2400" dirty="0" err="1"/>
+              <a:t>React.Component</a:t>
+            </a:r>
+            <a:r>
+              <a:rPr lang="en-US" altLang="zh-CN" sz="2400" dirty="0"/>
+              <a:t> { </a:t>
+            </a:r>
+            <a:endParaRPr lang="en-US" altLang="zh-CN" sz="2400" dirty="0" smtClean="0"/>
+          </a:p>
+          <a:p>
+            <a:r>
+              <a:rPr lang="en-US" altLang="zh-CN" sz="2400" dirty="0"/>
+              <a:t>	</a:t>
+            </a:r>
+            <a:r>
+              <a:rPr lang="en-US" altLang="zh-CN" sz="2400" dirty="0" err="1"/>
+              <a:t>handleChange</a:t>
+            </a:r>
+            <a:r>
+              <a:rPr lang="en-US" altLang="zh-CN" sz="2400" dirty="0"/>
+              <a:t> = </a:t>
+            </a:r>
+            <a:r>
+              <a:rPr lang="en-US" altLang="zh-CN" sz="2400" dirty="0" smtClean="0">
+                <a:solidFill>
+                  <a:srgbClr val="FF0000"/>
+                </a:solidFill>
+              </a:rPr>
+              <a:t>(</a:t>
+            </a:r>
+            <a:r>
+              <a:rPr lang="en-US" altLang="zh-CN" sz="2400" i="1" dirty="0">
+                <a:solidFill>
+                  <a:srgbClr val="FF0000"/>
+                </a:solidFill>
+              </a:rPr>
+              <a:t> </a:t>
+            </a:r>
+            <a:r>
+              <a:rPr lang="en-US" altLang="zh-CN" sz="2400" i="1" dirty="0" smtClean="0">
+                <a:solidFill>
+                  <a:srgbClr val="FF0000"/>
+                </a:solidFill>
+              </a:rPr>
+              <a:t> </a:t>
+            </a:r>
+            <a:r>
+              <a:rPr lang="en-US" altLang="zh-CN" sz="2400" dirty="0" smtClean="0">
+                <a:solidFill>
+                  <a:srgbClr val="FF0000"/>
+                </a:solidFill>
+              </a:rPr>
+              <a:t>) </a:t>
+            </a:r>
+            <a:r>
+              <a:rPr lang="en-US" altLang="zh-CN" sz="2400" i="1" dirty="0" smtClean="0">
+                <a:solidFill>
+                  <a:srgbClr val="FF0000"/>
+                </a:solidFill>
+              </a:rPr>
+              <a:t>=&gt; </a:t>
+            </a:r>
+            <a:r>
+              <a:rPr lang="en-US" altLang="zh-CN" sz="2400" dirty="0" smtClean="0">
+                <a:solidFill>
+                  <a:srgbClr val="FF0000"/>
+                </a:solidFill>
+              </a:rPr>
+              <a:t>{</a:t>
+            </a:r>
+            <a:r>
+              <a:rPr lang="en-US" altLang="zh-CN" sz="2400" dirty="0">
+                <a:solidFill>
+                  <a:srgbClr val="FF0000"/>
+                </a:solidFill>
+              </a:rPr>
+              <a:t>  </a:t>
+            </a:r>
+            <a:r>
+              <a:rPr lang="en-US" altLang="zh-CN" sz="2400" dirty="0" smtClean="0">
+                <a:solidFill>
+                  <a:srgbClr val="FF0000"/>
+                </a:solidFill>
+              </a:rPr>
+              <a:t>}</a:t>
+            </a:r>
+            <a:endParaRPr lang="en-US" altLang="zh-CN" sz="2400" dirty="0">
+              <a:solidFill>
+                <a:srgbClr val="FF0000"/>
+              </a:solidFill>
+            </a:endParaRPr>
+          </a:p>
+          <a:p>
+            <a:r>
+              <a:rPr lang="en-US" altLang="zh-CN" sz="2400" dirty="0"/>
+              <a:t>	</a:t>
+            </a:r>
+            <a:r>
+              <a:rPr lang="en-US" altLang="zh-CN" sz="2400" dirty="0" smtClean="0">
+                <a:solidFill>
+                  <a:srgbClr val="FF0000"/>
+                </a:solidFill>
+              </a:rPr>
+              <a:t>render</a:t>
+            </a:r>
+            <a:r>
+              <a:rPr lang="en-US" altLang="zh-CN" sz="2400" dirty="0"/>
+              <a:t>( ) </a:t>
+            </a:r>
+            <a:r>
+              <a:rPr lang="en-US" altLang="zh-CN" sz="2400" dirty="0" smtClean="0"/>
+              <a:t>{</a:t>
+            </a:r>
+          </a:p>
+          <a:p>
+            <a:r>
+              <a:rPr lang="en-US" altLang="zh-CN" sz="2400" dirty="0"/>
+              <a:t>	</a:t>
+            </a:r>
+            <a:r>
+              <a:rPr lang="en-US" altLang="zh-CN" sz="2400" dirty="0" smtClean="0"/>
+              <a:t>	return (</a:t>
+            </a:r>
+          </a:p>
+          <a:p>
+            <a:r>
+              <a:rPr lang="en-US" altLang="zh-CN" sz="2400" dirty="0"/>
+              <a:t>	</a:t>
+            </a:r>
+            <a:r>
+              <a:rPr lang="en-US" altLang="zh-CN" sz="2400" dirty="0" smtClean="0"/>
+              <a:t>		&lt;button </a:t>
+            </a:r>
+            <a:r>
+              <a:rPr lang="en-US" altLang="zh-CN" sz="2400" dirty="0" err="1">
+                <a:solidFill>
+                  <a:schemeClr val="accent3"/>
+                </a:solidFill>
+              </a:rPr>
+              <a:t>onClick</a:t>
+            </a:r>
+            <a:r>
+              <a:rPr lang="en-US" altLang="zh-CN" sz="2400" dirty="0"/>
+              <a:t>={ </a:t>
+            </a:r>
+            <a:r>
+              <a:rPr lang="en-US" altLang="zh-CN" sz="2400" dirty="0" err="1" smtClean="0"/>
+              <a:t>this.</a:t>
+            </a:r>
+            <a:r>
+              <a:rPr lang="en-US" altLang="zh-CN" sz="2400" dirty="0" err="1" smtClean="0">
+                <a:solidFill>
+                  <a:schemeClr val="accent3"/>
+                </a:solidFill>
+              </a:rPr>
+              <a:t>handleClick</a:t>
+            </a:r>
+            <a:r>
+              <a:rPr lang="en-US" altLang="zh-CN" sz="2400" dirty="0" smtClean="0">
+                <a:solidFill>
+                  <a:schemeClr val="accent3"/>
+                </a:solidFill>
+              </a:rPr>
+              <a:t> </a:t>
+            </a:r>
+            <a:r>
+              <a:rPr lang="en-US" altLang="zh-CN" sz="2400" dirty="0"/>
+              <a:t>}&gt; </a:t>
+            </a:r>
+          </a:p>
+          <a:p>
+            <a:r>
+              <a:rPr lang="en-US" altLang="zh-CN" sz="2400" dirty="0"/>
+              <a:t>	</a:t>
+            </a:r>
+            <a:r>
+              <a:rPr lang="en-US" altLang="zh-CN" sz="2400" dirty="0" smtClean="0"/>
+              <a:t>			Click </a:t>
+            </a:r>
+            <a:endParaRPr lang="en-US" altLang="zh-CN" sz="2400" dirty="0"/>
+          </a:p>
+          <a:p>
+            <a:r>
+              <a:rPr lang="en-US" altLang="zh-CN" sz="2400" dirty="0" smtClean="0"/>
+              <a:t>			&lt;/</a:t>
+            </a:r>
+            <a:r>
+              <a:rPr lang="en-US" altLang="zh-CN" sz="2400" dirty="0"/>
+              <a:t>button</a:t>
+            </a:r>
+            <a:r>
+              <a:rPr lang="en-US" altLang="zh-CN" sz="2400" dirty="0" smtClean="0"/>
+              <a:t>&gt;</a:t>
+            </a:r>
+          </a:p>
+          <a:p>
+            <a:r>
+              <a:rPr lang="en-US" altLang="zh-CN" sz="2400" dirty="0"/>
+              <a:t>	</a:t>
+            </a:r>
+            <a:r>
+              <a:rPr lang="en-US" altLang="zh-CN" sz="2400" dirty="0" smtClean="0"/>
+              <a:t>	)</a:t>
+            </a:r>
+          </a:p>
+          <a:p>
+            <a:r>
+              <a:rPr lang="en-US" altLang="zh-CN" sz="2400" dirty="0"/>
+              <a:t>	</a:t>
+            </a:r>
+            <a:r>
+              <a:rPr lang="en-US" altLang="zh-CN" sz="2400" dirty="0" smtClean="0"/>
+              <a:t>} </a:t>
+            </a:r>
+            <a:endParaRPr lang="en-US" altLang="zh-CN" sz="2400" dirty="0"/>
+          </a:p>
+          <a:p>
+            <a:r>
+              <a:rPr lang="en-US" altLang="zh-CN" sz="2400" dirty="0"/>
+              <a:t>}</a:t>
+            </a:r>
+          </a:p>
+        </p:txBody>
+      </p:sp>
+    </p:spTree>
+    <p:extLst>
+      <p:ext uri="{BB962C8B-B14F-4D97-AF65-F5344CB8AC3E}">
+        <p14:creationId xmlns:p14="http://schemas.microsoft.com/office/powerpoint/2010/main" val="2628345991"/>
+      </p:ext>
+    </p:extLst>
+  </p:cSld>
+  <p:clrMapOvr>
+    <a:masterClrMapping/>
+  </p:clrMapOvr>
+  <p:timing>
+    <p:tnLst>
+      <p:par>
+        <p:cTn id="1" dur="indefinite" restart="never" nodeType="tmRoot">
+          <p:childTnLst>
+            <p:seq concurrent="1" nextAc="seek">
+              <p:cTn id="2" dur="indefinite" nodeType="mainSeq">
+                <p:childTnLst>
+                  <p:par>
+                    <p:cTn id="3" fill="hold">
+                      <p:stCondLst>
+                        <p:cond delay="indefinite"/>
+                      </p:stCondLst>
+                      <p:childTnLst>
+                        <p:par>
+                          <p:cTn id="4" fill="hold">
+                            <p:stCondLst>
+                              <p:cond delay="0"/>
+                            </p:stCondLst>
+                            <p:childTnLst>
+                              <p:par>
+                                <p:cTn id="5" presetID="22" presetClass="entr" presetSubtype="4" fill="hold" grpId="0" nodeType="clickEffect">
+                                  <p:stCondLst>
+                                    <p:cond delay="0"/>
+                                  </p:stCondLst>
+                                  <p:childTnLst>
+                                    <p:set>
+                                      <p:cBhvr>
+                                        <p:cTn id="6" dur="1" fill="hold">
+                                          <p:stCondLst>
+                                            <p:cond delay="0"/>
+                                          </p:stCondLst>
+                                        </p:cTn>
+                                        <p:tgtEl>
+                                          <p:spTgt spid="4"/>
+                                        </p:tgtEl>
+                                        <p:attrNameLst>
+                                          <p:attrName>style.visibility</p:attrName>
+                                        </p:attrNameLst>
+                                      </p:cBhvr>
+                                      <p:to>
+                                        <p:strVal val="visible"/>
+                                      </p:to>
+                                    </p:set>
+                                    <p:animEffect transition="in" filter="wipe(down)">
+                                      <p:cBhvr>
+                                        <p:cTn id="7" dur="500"/>
+                                        <p:tgtEl>
+                                          <p:spTgt spid="4"/>
+                                        </p:tgtEl>
+                                      </p:cBhvr>
+                                    </p:animEffect>
+                                  </p:childTnLst>
+                                </p:cTn>
+                              </p:par>
+                            </p:childTnLst>
+                          </p:cTn>
+                        </p:par>
+                      </p:childTnLst>
+                    </p:cTn>
+                  </p:par>
+                </p:childTnLst>
+              </p:cTn>
+              <p:prevCondLst>
+                <p:cond evt="onPrev" delay="0">
+                  <p:tgtEl>
+                    <p:sldTgt/>
+                  </p:tgtEl>
+                </p:cond>
+              </p:prevCondLst>
+              <p:nextCondLst>
+                <p:cond evt="onNext" delay="0">
+                  <p:tgtEl>
+                    <p:sldTgt/>
+                  </p:tgtEl>
+                </p:cond>
+              </p:nextCondLst>
+            </p:seq>
+          </p:childTnLst>
+        </p:cTn>
+      </p:par>
+    </p:tnLst>
+    <p:bldLst>
+      <p:bldP spid="4" grpId="0" animBg="1"/>
+    </p:bldLst>
+  </p:timing>
+</p:sld>
+</file>
+
+<file path=ppt/slides/slide25.xml><?xml version="1.0" encoding="utf-8"?>
+<p:sld xmlns:a="http://schemas.openxmlformats.org/drawingml/2006/main" xmlns:r="http://schemas.openxmlformats.org/officeDocument/2006/relationships" xmlns:p="http://schemas.openxmlformats.org/presentationml/2006/main">
+  <p:cSld>
+    <p:spTree>
+      <p:nvGrpSpPr>
+        <p:cNvPr id="1" name=""/>
+        <p:cNvGrpSpPr/>
+        <p:nvPr/>
+      </p:nvGrpSpPr>
+      <p:grpSpPr>
+        <a:xfrm>
+          <a:off x="0" y="0"/>
+          <a:ext cx="0" cy="0"/>
+          <a:chOff x="0" y="0"/>
+          <a:chExt cx="0" cy="0"/>
+        </a:xfrm>
+      </p:grpSpPr>
+      <p:sp>
+        <p:nvSpPr>
+          <p:cNvPr id="30722" name="内容占位符 3"/>
+          <p:cNvSpPr>
+            <a:spLocks noGrp="1"/>
+          </p:cNvSpPr>
+          <p:nvPr>
+            <p:ph sz="quarter" idx="10"/>
+          </p:nvPr>
+        </p:nvSpPr>
+        <p:spPr bwMode="auto">
+          <a:xfrm>
+            <a:off x="693526" y="907845"/>
+            <a:ext cx="9436322" cy="4898244"/>
+          </a:xfrm>
+          <a:solidFill>
+            <a:schemeClr val="bg1"/>
+          </a:solidFill>
+        </p:spPr>
+        <p:txBody>
+          <a:bodyPr vert="horz" wrap="square" lIns="91440" tIns="45720" rIns="91440" bIns="45720" numCol="1" anchor="t" anchorCtr="0" compatLnSpc="1"/>
+          <a:lstStyle/>
+          <a:p>
+            <a:pPr marL="360045"/>
+            <a:r>
+              <a:rPr lang="en-US" altLang="zh-CN" dirty="0"/>
+              <a:t> </a:t>
+            </a:r>
+            <a:r>
+              <a:rPr lang="zh-CN" altLang="en-US" dirty="0"/>
+              <a:t>传</a:t>
+            </a:r>
+            <a:r>
+              <a:rPr lang="zh-CN" altLang="en-US" dirty="0" smtClean="0"/>
+              <a:t>参</a:t>
+            </a:r>
+            <a:r>
+              <a:rPr lang="en-US" altLang="zh-CN" dirty="0" smtClean="0"/>
+              <a:t>(</a:t>
+            </a:r>
+            <a:r>
+              <a:rPr lang="zh-CN" altLang="en-US" dirty="0" smtClean="0"/>
+              <a:t>两种形式</a:t>
+            </a:r>
+            <a:r>
+              <a:rPr lang="en-US" altLang="zh-CN" dirty="0" smtClean="0"/>
+              <a:t>)</a:t>
+            </a:r>
+          </a:p>
+          <a:p>
+            <a:pPr marL="591820" lvl="1"/>
+            <a:r>
+              <a:rPr lang="en-US" altLang="zh-CN" dirty="0"/>
+              <a:t> </a:t>
+            </a:r>
+            <a:r>
+              <a:rPr lang="zh-CN" altLang="en-US" dirty="0" smtClean="0"/>
+              <a:t>函数声明时事件对象作为最后一个参数传入</a:t>
+            </a:r>
+            <a:endParaRPr lang="en-US" altLang="zh-CN" dirty="0" smtClean="0"/>
+          </a:p>
+          <a:p>
+            <a:pPr marL="591820" lvl="1"/>
+            <a:r>
+              <a:rPr lang="en-US" altLang="zh-CN" dirty="0"/>
+              <a:t> </a:t>
+            </a:r>
+            <a:r>
+              <a:rPr lang="zh-CN" altLang="en-US" dirty="0" smtClean="0"/>
+              <a:t>箭头函数的事件对象显示传入；</a:t>
+            </a:r>
+            <a:r>
+              <a:rPr lang="en-US" altLang="zh-CN" dirty="0" smtClean="0"/>
+              <a:t>bind </a:t>
+            </a:r>
+            <a:r>
+              <a:rPr lang="zh-CN" altLang="en-US" dirty="0" smtClean="0"/>
+              <a:t>会隐式传入</a:t>
+            </a:r>
+            <a:endParaRPr lang="en-US" altLang="zh-CN" sz="1200" dirty="0" smtClean="0"/>
+          </a:p>
+          <a:p>
+            <a:pPr marL="361315" lvl="1" indent="0">
+              <a:buNone/>
+            </a:pPr>
+            <a:endParaRPr lang="en-US" altLang="zh-CN" sz="2200" dirty="0" smtClean="0">
+              <a:latin typeface="+mj-ea"/>
+              <a:ea typeface="+mj-ea"/>
+            </a:endParaRPr>
+          </a:p>
+          <a:p>
+            <a:pPr marL="360045" lvl="1" indent="0">
+              <a:buFont typeface="Arial" panose="020B0604020202020204" pitchFamily="34" charset="0"/>
+              <a:buNone/>
+              <a:defRPr/>
+            </a:pPr>
+            <a:r>
+              <a:rPr lang="en-US" altLang="zh-CN" sz="2400" dirty="0" smtClean="0">
+                <a:latin typeface="+mj-ea"/>
+                <a:ea typeface="+mj-ea"/>
+              </a:rPr>
+              <a:t>		</a:t>
+            </a:r>
+            <a:endParaRPr lang="zh-CN" altLang="en-US" dirty="0" smtClean="0">
+              <a:latin typeface="+mj-ea"/>
+              <a:ea typeface="+mj-ea"/>
+            </a:endParaRPr>
+          </a:p>
+        </p:txBody>
+      </p:sp>
+      <p:sp>
+        <p:nvSpPr>
+          <p:cNvPr id="25603" name="内容占位符 4"/>
+          <p:cNvSpPr>
+            <a:spLocks noGrp="1"/>
+          </p:cNvSpPr>
+          <p:nvPr>
+            <p:ph sz="quarter" idx="11"/>
+          </p:nvPr>
+        </p:nvSpPr>
+        <p:spPr bwMode="auto">
+          <a:xfrm>
+            <a:off x="909638" y="236538"/>
+            <a:ext cx="7575550" cy="490537"/>
+          </a:xfrm>
+          <a:extLst>
+            <a:ext uri="{909E8E84-426E-40DD-AFC4-6F175D3DCCD1}">
+              <a14:hiddenFill xmlns:a14="http://schemas.microsoft.com/office/drawing/2010/main">
+                <a:solidFill>
+                  <a:srgbClr val="FFFFFF"/>
+                </a:solidFill>
+              </a14:hiddenFill>
+            </a:ext>
+            <a:ext uri="{91240B29-F687-4F45-9708-019B960494DF}">
+              <a14:hiddenLine xmlns:a14="http://schemas.microsoft.com/office/drawing/2010/main" w="9525">
+                <a:solidFill>
+                  <a:srgbClr val="000000"/>
+                </a:solidFill>
+                <a:miter lim="800000"/>
+                <a:headEnd/>
+                <a:tailEnd/>
+              </a14:hiddenLine>
+            </a:ext>
+          </a:extLst>
+        </p:spPr>
+        <p:txBody>
+          <a:bodyPr vert="horz" wrap="square" lIns="91440" tIns="45720" rIns="91440" bIns="45720" numCol="1" anchor="t" anchorCtr="0" compatLnSpc="1"/>
+          <a:lstStyle/>
+          <a:p>
+            <a:pPr>
+              <a:defRPr/>
+            </a:pPr>
+            <a:r>
+              <a:rPr lang="zh-CN" altLang="en-US" dirty="0" smtClean="0">
+                <a:latin typeface="+mn-ea"/>
+                <a:ea typeface="+mn-ea"/>
+              </a:rPr>
+              <a:t>事件处理函数传参</a:t>
+            </a:r>
+          </a:p>
+        </p:txBody>
+      </p:sp>
+      <p:sp>
+        <p:nvSpPr>
+          <p:cNvPr id="4" name="TextBox 3"/>
+          <p:cNvSpPr txBox="1"/>
+          <p:nvPr/>
+        </p:nvSpPr>
+        <p:spPr>
+          <a:xfrm>
+            <a:off x="1125723" y="2975200"/>
+            <a:ext cx="9148191" cy="3046988"/>
+          </a:xfrm>
+          <a:prstGeom prst="rect">
+            <a:avLst/>
+          </a:prstGeom>
+          <a:solidFill>
+            <a:schemeClr val="accent1">
+              <a:lumMod val="10000"/>
+              <a:lumOff val="90000"/>
+            </a:schemeClr>
+          </a:solidFill>
+        </p:spPr>
+        <p:txBody>
+          <a:bodyPr wrap="square" rtlCol="0">
+            <a:spAutoFit/>
+          </a:bodyPr>
+          <a:lstStyle/>
+          <a:p>
+            <a:r>
+              <a:rPr lang="en-US" altLang="zh-CN" sz="2400" dirty="0" err="1" smtClean="0"/>
+              <a:t>deleteRow</a:t>
+            </a:r>
+            <a:r>
+              <a:rPr lang="en-US" altLang="zh-CN" sz="2400" dirty="0"/>
+              <a:t> </a:t>
+            </a:r>
+            <a:r>
+              <a:rPr lang="en-US" altLang="zh-CN" sz="2400" dirty="0" smtClean="0"/>
+              <a:t>= ( id, e ) =&gt; {  } </a:t>
+            </a:r>
+          </a:p>
+          <a:p>
+            <a:r>
+              <a:rPr lang="en-US" altLang="zh-CN" sz="2400" dirty="0" smtClean="0"/>
+              <a:t>…</a:t>
+            </a:r>
+          </a:p>
+          <a:p>
+            <a:r>
+              <a:rPr lang="en-US" altLang="zh-CN" sz="2400" dirty="0" smtClean="0"/>
+              <a:t>&lt;</a:t>
+            </a:r>
+            <a:r>
+              <a:rPr lang="en-US" altLang="zh-CN" sz="2400" dirty="0"/>
+              <a:t>button </a:t>
+            </a:r>
+            <a:r>
+              <a:rPr lang="en-US" altLang="zh-CN" sz="2400" dirty="0" err="1"/>
+              <a:t>onClick</a:t>
+            </a:r>
+            <a:r>
+              <a:rPr lang="en-US" altLang="zh-CN" sz="2400" dirty="0"/>
+              <a:t>={(e) =&gt; </a:t>
+            </a:r>
+            <a:r>
+              <a:rPr lang="en-US" altLang="zh-CN" sz="2400" dirty="0" err="1"/>
+              <a:t>this.deleteRow</a:t>
+            </a:r>
+            <a:r>
+              <a:rPr lang="en-US" altLang="zh-CN" sz="2400" dirty="0"/>
+              <a:t>(id, e</a:t>
+            </a:r>
+            <a:r>
+              <a:rPr lang="en-US" altLang="zh-CN" sz="2400" dirty="0" smtClean="0"/>
+              <a:t>)}&gt;</a:t>
+            </a:r>
+          </a:p>
+          <a:p>
+            <a:r>
+              <a:rPr lang="en-US" altLang="zh-CN" sz="2400" dirty="0" smtClean="0"/>
+              <a:t>	Delete Row</a:t>
+            </a:r>
+          </a:p>
+          <a:p>
+            <a:r>
+              <a:rPr lang="en-US" altLang="zh-CN" sz="2400" dirty="0" smtClean="0"/>
+              <a:t>&lt;/</a:t>
+            </a:r>
+            <a:r>
+              <a:rPr lang="en-US" altLang="zh-CN" sz="2400" dirty="0"/>
+              <a:t>button&gt; </a:t>
+            </a:r>
+            <a:endParaRPr lang="en-US" altLang="zh-CN" sz="2400" dirty="0" smtClean="0"/>
+          </a:p>
+          <a:p>
+            <a:r>
+              <a:rPr lang="en-US" altLang="zh-CN" sz="2400" dirty="0" smtClean="0"/>
+              <a:t>&lt;</a:t>
+            </a:r>
+            <a:r>
+              <a:rPr lang="en-US" altLang="zh-CN" sz="2400" dirty="0"/>
+              <a:t>button </a:t>
+            </a:r>
+            <a:r>
+              <a:rPr lang="en-US" altLang="zh-CN" sz="2400" dirty="0" err="1"/>
+              <a:t>onClick</a:t>
+            </a:r>
+            <a:r>
+              <a:rPr lang="en-US" altLang="zh-CN" sz="2400" dirty="0"/>
+              <a:t>={</a:t>
+            </a:r>
+            <a:r>
+              <a:rPr lang="en-US" altLang="zh-CN" sz="2400" dirty="0" err="1"/>
+              <a:t>this.deleteRow.bind</a:t>
+            </a:r>
+            <a:r>
+              <a:rPr lang="en-US" altLang="zh-CN" sz="2400" dirty="0"/>
+              <a:t>(this, id</a:t>
+            </a:r>
+            <a:r>
+              <a:rPr lang="en-US" altLang="zh-CN" sz="2400" dirty="0" smtClean="0"/>
+              <a:t>)}&gt;</a:t>
+            </a:r>
+          </a:p>
+          <a:p>
+            <a:r>
+              <a:rPr lang="en-US" altLang="zh-CN" sz="2400" dirty="0" smtClean="0"/>
+              <a:t>	Delete Row</a:t>
+            </a:r>
+          </a:p>
+          <a:p>
+            <a:r>
+              <a:rPr lang="en-US" altLang="zh-CN" sz="2400" dirty="0" smtClean="0"/>
+              <a:t>&lt;/</a:t>
+            </a:r>
+            <a:r>
+              <a:rPr lang="en-US" altLang="zh-CN" sz="2400" dirty="0"/>
+              <a:t>button&gt;</a:t>
+            </a:r>
+          </a:p>
+        </p:txBody>
+      </p:sp>
+      <p:sp>
+        <p:nvSpPr>
+          <p:cNvPr id="5" name="矩形 4"/>
+          <p:cNvSpPr/>
+          <p:nvPr/>
+        </p:nvSpPr>
+        <p:spPr>
+          <a:xfrm>
+            <a:off x="10201881" y="5724591"/>
+            <a:ext cx="1368627" cy="461665"/>
+          </a:xfrm>
+          <a:prstGeom prst="rect">
+            <a:avLst/>
+          </a:prstGeom>
+        </p:spPr>
+        <p:txBody>
+          <a:bodyPr wrap="square">
+            <a:spAutoFit/>
+          </a:bodyPr>
+          <a:lstStyle/>
+          <a:p>
+            <a:r>
+              <a:rPr lang="en-US" altLang="zh-CN" sz="2400" dirty="0" smtClean="0"/>
+              <a:t>demo08</a:t>
+            </a:r>
+            <a:endParaRPr lang="zh-CN" altLang="en-US" sz="2400" dirty="0"/>
+          </a:p>
+        </p:txBody>
+      </p:sp>
+    </p:spTree>
+    <p:extLst>
+      <p:ext uri="{BB962C8B-B14F-4D97-AF65-F5344CB8AC3E}">
+        <p14:creationId xmlns:p14="http://schemas.microsoft.com/office/powerpoint/2010/main" val="3716847114"/>
+      </p:ext>
+    </p:extLst>
+  </p:cSld>
+  <p:clrMapOvr>
+    <a:masterClrMapping/>
+  </p:clrMapOvr>
+  <p:timing>
+    <p:tnLst>
+      <p:par>
+        <p:cTn id="1" dur="indefinite" restart="never" nodeType="tmRoot">
+          <p:childTnLst>
+            <p:seq concurrent="1" nextAc="seek">
+              <p:cTn id="2" dur="indefinite" nodeType="mainSeq">
+                <p:childTnLst>
+                  <p:par>
+                    <p:cTn id="3" fill="hold">
+                      <p:stCondLst>
+                        <p:cond delay="indefinite"/>
+                      </p:stCondLst>
+                      <p:childTnLst>
+                        <p:par>
+                          <p:cTn id="4" fill="hold">
+                            <p:stCondLst>
+                              <p:cond delay="0"/>
+                            </p:stCondLst>
+                            <p:childTnLst>
+                              <p:par>
+                                <p:cTn id="5" presetID="22" presetClass="entr" presetSubtype="4" fill="hold" grpId="0" nodeType="clickEffect">
+                                  <p:stCondLst>
+                                    <p:cond delay="0"/>
+                                  </p:stCondLst>
+                                  <p:childTnLst>
+                                    <p:set>
+                                      <p:cBhvr>
+                                        <p:cTn id="6" dur="1" fill="hold">
+                                          <p:stCondLst>
+                                            <p:cond delay="0"/>
+                                          </p:stCondLst>
+                                        </p:cTn>
+                                        <p:tgtEl>
+                                          <p:spTgt spid="4"/>
+                                        </p:tgtEl>
+                                        <p:attrNameLst>
+                                          <p:attrName>style.visibility</p:attrName>
+                                        </p:attrNameLst>
+                                      </p:cBhvr>
+                                      <p:to>
+                                        <p:strVal val="visible"/>
+                                      </p:to>
+                                    </p:set>
+                                    <p:animEffect transition="in" filter="wipe(down)">
+                                      <p:cBhvr>
+                                        <p:cTn id="7" dur="500"/>
+                                        <p:tgtEl>
+                                          <p:spTgt spid="4"/>
+                                        </p:tgtEl>
+                                      </p:cBhvr>
+                                    </p:animEffect>
+                                  </p:childTnLst>
+                                </p:cTn>
+                              </p:par>
+                            </p:childTnLst>
+                          </p:cTn>
+                        </p:par>
+                      </p:childTnLst>
+                    </p:cTn>
+                  </p:par>
+                </p:childTnLst>
+              </p:cTn>
+              <p:prevCondLst>
+                <p:cond evt="onPrev" delay="0">
+                  <p:tgtEl>
+                    <p:sldTgt/>
+                  </p:tgtEl>
+                </p:cond>
+              </p:prevCondLst>
+              <p:nextCondLst>
+                <p:cond evt="onNext" delay="0">
+                  <p:tgtEl>
+                    <p:sldTgt/>
+                  </p:tgtEl>
+                </p:cond>
+              </p:nextCondLst>
+            </p:seq>
+          </p:childTnLst>
+        </p:cTn>
+      </p:par>
+    </p:tnLst>
+    <p:bldLst>
+      <p:bldP spid="4" grpId="0" animBg="1"/>
+    </p:bldLst>
+  </p:timing>
+</p:sld>
+</file>
+
+<file path=ppt/slides/slide26.xml><?xml version="1.0" encoding="utf-8"?>
+<p:sld xmlns:a="http://schemas.openxmlformats.org/drawingml/2006/main" xmlns:r="http://schemas.openxmlformats.org/officeDocument/2006/relationships" xmlns:p="http://schemas.openxmlformats.org/presentationml/2006/main">
+  <p:cSld>
+    <p:spTree>
+      <p:nvGrpSpPr>
+        <p:cNvPr id="1" name=""/>
+        <p:cNvGrpSpPr/>
+        <p:nvPr/>
+      </p:nvGrpSpPr>
+      <p:grpSpPr>
+        <a:xfrm>
+          <a:off x="0" y="0"/>
+          <a:ext cx="0" cy="0"/>
+          <a:chOff x="0" y="0"/>
+          <a:chExt cx="0" cy="0"/>
+        </a:xfrm>
+      </p:grpSpPr>
       <p:pic>
         <p:nvPicPr>
           <p:cNvPr id="69634" name="Picture 5"/>
@@ -11016,7 +14463,7 @@
                             </p:stCondLst>
                             <p:childTnLst>
                               <p:par>
-                                <p:cTn id="5" presetID="2" presetClass="entr" presetSubtype="4" fill="hold" nodeType="clickEffect">
+                                <p:cTn id="5" presetID="42" presetClass="entr" presetSubtype="0" fill="hold" nodeType="clickEffect">
                                   <p:stCondLst>
                                     <p:cond delay="0"/>
                                   </p:stCondLst>
@@ -11024,6 +14471,218 @@
                                     <p:set>
                                       <p:cBhvr>
                                         <p:cTn id="6" dur="1" fill="hold">
+                                          <p:stCondLst>
+                                            <p:cond delay="0"/>
+                                          </p:stCondLst>
+                                        </p:cTn>
+                                        <p:tgtEl>
+                                          <p:spTgt spid="30722">
+                                            <p:txEl>
+                                              <p:pRg st="3" end="3"/>
+                                            </p:txEl>
+                                          </p:spTgt>
+                                        </p:tgtEl>
+                                        <p:attrNameLst>
+                                          <p:attrName>style.visibility</p:attrName>
+                                        </p:attrNameLst>
+                                      </p:cBhvr>
+                                      <p:to>
+                                        <p:strVal val="visible"/>
+                                      </p:to>
+                                    </p:set>
+                                    <p:animEffect transition="in" filter="fade">
+                                      <p:cBhvr>
+                                        <p:cTn id="7" dur="1000"/>
+                                        <p:tgtEl>
+                                          <p:spTgt spid="30722">
+                                            <p:txEl>
+                                              <p:pRg st="3" end="3"/>
+                                            </p:txEl>
+                                          </p:spTgt>
+                                        </p:tgtEl>
+                                      </p:cBhvr>
+                                    </p:animEffect>
+                                    <p:anim calcmode="lin" valueType="num">
+                                      <p:cBhvr>
+                                        <p:cTn id="8" dur="1000" fill="hold"/>
+                                        <p:tgtEl>
+                                          <p:spTgt spid="30722">
+                                            <p:txEl>
+                                              <p:pRg st="3" end="3"/>
+                                            </p:txEl>
+                                          </p:spTgt>
+                                        </p:tgtEl>
+                                        <p:attrNameLst>
+                                          <p:attrName>ppt_x</p:attrName>
+                                        </p:attrNameLst>
+                                      </p:cBhvr>
+                                      <p:tavLst>
+                                        <p:tav tm="0">
+                                          <p:val>
+                                            <p:strVal val="#ppt_x"/>
+                                          </p:val>
+                                        </p:tav>
+                                        <p:tav tm="100000">
+                                          <p:val>
+                                            <p:strVal val="#ppt_x"/>
+                                          </p:val>
+                                        </p:tav>
+                                      </p:tavLst>
+                                    </p:anim>
+                                    <p:anim calcmode="lin" valueType="num">
+                                      <p:cBhvr>
+                                        <p:cTn id="9" dur="1000" fill="hold"/>
+                                        <p:tgtEl>
+                                          <p:spTgt spid="30722">
+                                            <p:txEl>
+                                              <p:pRg st="3" end="3"/>
+                                            </p:txEl>
+                                          </p:spTgt>
+                                        </p:tgtEl>
+                                        <p:attrNameLst>
+                                          <p:attrName>ppt_y</p:attrName>
+                                        </p:attrNameLst>
+                                      </p:cBhvr>
+                                      <p:tavLst>
+                                        <p:tav tm="0">
+                                          <p:val>
+                                            <p:strVal val="#ppt_y+.1"/>
+                                          </p:val>
+                                        </p:tav>
+                                        <p:tav tm="100000">
+                                          <p:val>
+                                            <p:strVal val="#ppt_y"/>
+                                          </p:val>
+                                        </p:tav>
+                                      </p:tavLst>
+                                    </p:anim>
+                                  </p:childTnLst>
+                                </p:cTn>
+                              </p:par>
+                              <p:par>
+                                <p:cTn id="10" presetID="42" presetClass="entr" presetSubtype="0" fill="hold" nodeType="withEffect">
+                                  <p:stCondLst>
+                                    <p:cond delay="0"/>
+                                  </p:stCondLst>
+                                  <p:childTnLst>
+                                    <p:set>
+                                      <p:cBhvr>
+                                        <p:cTn id="11" dur="1" fill="hold">
+                                          <p:stCondLst>
+                                            <p:cond delay="0"/>
+                                          </p:stCondLst>
+                                        </p:cTn>
+                                        <p:tgtEl>
+                                          <p:spTgt spid="30722">
+                                            <p:txEl>
+                                              <p:pRg st="4" end="4"/>
+                                            </p:txEl>
+                                          </p:spTgt>
+                                        </p:tgtEl>
+                                        <p:attrNameLst>
+                                          <p:attrName>style.visibility</p:attrName>
+                                        </p:attrNameLst>
+                                      </p:cBhvr>
+                                      <p:to>
+                                        <p:strVal val="visible"/>
+                                      </p:to>
+                                    </p:set>
+                                    <p:animEffect transition="in" filter="fade">
+                                      <p:cBhvr>
+                                        <p:cTn id="12" dur="1000"/>
+                                        <p:tgtEl>
+                                          <p:spTgt spid="30722">
+                                            <p:txEl>
+                                              <p:pRg st="4" end="4"/>
+                                            </p:txEl>
+                                          </p:spTgt>
+                                        </p:tgtEl>
+                                      </p:cBhvr>
+                                    </p:animEffect>
+                                    <p:anim calcmode="lin" valueType="num">
+                                      <p:cBhvr>
+                                        <p:cTn id="13" dur="1000" fill="hold"/>
+                                        <p:tgtEl>
+                                          <p:spTgt spid="30722">
+                                            <p:txEl>
+                                              <p:pRg st="4" end="4"/>
+                                            </p:txEl>
+                                          </p:spTgt>
+                                        </p:tgtEl>
+                                        <p:attrNameLst>
+                                          <p:attrName>ppt_x</p:attrName>
+                                        </p:attrNameLst>
+                                      </p:cBhvr>
+                                      <p:tavLst>
+                                        <p:tav tm="0">
+                                          <p:val>
+                                            <p:strVal val="#ppt_x"/>
+                                          </p:val>
+                                        </p:tav>
+                                        <p:tav tm="100000">
+                                          <p:val>
+                                            <p:strVal val="#ppt_x"/>
+                                          </p:val>
+                                        </p:tav>
+                                      </p:tavLst>
+                                    </p:anim>
+                                    <p:anim calcmode="lin" valueType="num">
+                                      <p:cBhvr>
+                                        <p:cTn id="14" dur="1000" fill="hold"/>
+                                        <p:tgtEl>
+                                          <p:spTgt spid="30722">
+                                            <p:txEl>
+                                              <p:pRg st="4" end="4"/>
+                                            </p:txEl>
+                                          </p:spTgt>
+                                        </p:tgtEl>
+                                        <p:attrNameLst>
+                                          <p:attrName>ppt_y</p:attrName>
+                                        </p:attrNameLst>
+                                      </p:cBhvr>
+                                      <p:tavLst>
+                                        <p:tav tm="0">
+                                          <p:val>
+                                            <p:strVal val="#ppt_y+.1"/>
+                                          </p:val>
+                                        </p:tav>
+                                        <p:tav tm="100000">
+                                          <p:val>
+                                            <p:strVal val="#ppt_y"/>
+                                          </p:val>
+                                        </p:tav>
+                                      </p:tavLst>
+                                    </p:anim>
+                                  </p:childTnLst>
+                                </p:cTn>
+                              </p:par>
+                            </p:childTnLst>
+                          </p:cTn>
+                        </p:par>
+                      </p:childTnLst>
+                    </p:cTn>
+                  </p:par>
+                  <p:par>
+                    <p:cTn id="15" fill="hold">
+                      <p:stCondLst>
+                        <p:cond delay="indefinite"/>
+                      </p:stCondLst>
+                      <p:childTnLst>
+                        <p:par>
+                          <p:cTn id="16" fill="hold">
+                            <p:stCondLst>
+                              <p:cond delay="0"/>
+                            </p:stCondLst>
+                            <p:childTnLst>
+                              <p:par>
+                                <p:cTn id="17" presetID="2" presetClass="entr" presetSubtype="4" fill="hold" nodeType="clickEffect">
+                                  <p:stCondLst>
+                                    <p:cond delay="0"/>
+                                  </p:stCondLst>
+                                  <p:childTnLst>
+                                    <p:set>
+                                      <p:cBhvr>
+                                        <p:cTn id="18" dur="1" fill="hold">
                                           <p:stCondLst>
                                             <p:cond delay="0"/>
                                           </p:stCondLst>
@@ -11045,7 +14704,7 @@
                                     </p:set>
                                     <p:anim calcmode="lin" valueType="num">
                                       <p:cBhvr additive="base">
-                                        <p:cTn id="7" dur="500" fill="hold"/>
+                                        <p:cTn id="19" dur="500" fill="hold"/>
                                         <p:tgtEl>
                                           <p:spTgt spid="30722">
                                             <p:txEl>
@@ -11072,7 +14731,7 @@
                                     </p:anim>
                                     <p:anim calcmode="lin" valueType="num">
                                       <p:cBhvr additive="base">
-                                        <p:cTn id="8" dur="500" fill="hold"/>
+                                        <p:cTn id="20" dur="500" fill="hold"/>
                                         <p:tgtEl>
                                           <p:spTgt spid="30722">
                                             <p:txEl>
@@ -11101,14 +14760,14 @@
                                 </p:cTn>
                               </p:par>
                               <p:par>
-                                <p:cTn id="9" presetID="2" presetClass="entr" presetSubtype="4" fill="hold" nodeType="withEffect">
+                                <p:cTn id="21" presetID="2" presetClass="entr" presetSubtype="4" fill="hold" nodeType="withEffect">
                                   <p:stCondLst>
                                     <p:cond delay="0"/>
                                   </p:stCondLst>
                                   <p:childTnLst>
                                     <p:set>
                                       <p:cBhvr>
-                                        <p:cTn id="10" dur="1" fill="hold">
+                                        <p:cTn id="22" dur="1" fill="hold">
                                           <p:stCondLst>
                                             <p:cond delay="0"/>
                                           </p:stCondLst>
@@ -11130,7 +14789,7 @@
                                     </p:set>
                                     <p:anim calcmode="lin" valueType="num">
                                       <p:cBhvr additive="base">
-                                        <p:cTn id="11" dur="500" fill="hold"/>
+                                        <p:cTn id="23" dur="500" fill="hold"/>
                                         <p:tgtEl>
                                           <p:spTgt spid="30722">
                                             <p:txEl>
@@ -11157,7 +14816,7 @@
                                     </p:anim>
                                     <p:anim calcmode="lin" valueType="num">
                                       <p:cBhvr additive="base">
-                                        <p:cTn id="12" dur="500" fill="hold"/>
+                                        <p:cTn id="24" dur="500" fill="hold"/>
                                         <p:tgtEl>
                                           <p:spTgt spid="30722">
                                             <p:txEl>
@@ -11186,14 +14845,14 @@
                                 </p:cTn>
                               </p:par>
                               <p:par>
-                                <p:cTn id="13" presetID="2" presetClass="entr" presetSubtype="4" fill="hold" nodeType="withEffect">
+                                <p:cTn id="25" presetID="2" presetClass="entr" presetSubtype="4" fill="hold" nodeType="withEffect">
                                   <p:stCondLst>
                                     <p:cond delay="0"/>
                                   </p:stCondLst>
                                   <p:childTnLst>
                                     <p:set>
                                       <p:cBhvr>
-                                        <p:cTn id="14" dur="1" fill="hold">
+                                        <p:cTn id="26" dur="1" fill="hold">
                                           <p:stCondLst>
                                             <p:cond delay="0"/>
                                           </p:stCondLst>
@@ -11215,7 +14874,7 @@
                                     </p:set>
                                     <p:anim calcmode="lin" valueType="num">
                                       <p:cBhvr additive="base">
-                                        <p:cTn id="15" dur="500" fill="hold"/>
+                                        <p:cTn id="27" dur="500" fill="hold"/>
                                         <p:tgtEl>
                                           <p:spTgt spid="30722">
                                             <p:txEl>
@@ -11242,7 +14901,7 @@
                                     </p:anim>
                                     <p:anim calcmode="lin" valueType="num">
                                       <p:cBhvr additive="base">
-                                        <p:cTn id="16" dur="500" fill="hold"/>
+                                        <p:cTn id="28" dur="500" fill="hold"/>
                                         <p:tgtEl>
                                           <p:spTgt spid="30722">
                                             <p:txEl>
@@ -11650,6 +15309,35 @@
               </a:rPr>
               <a:t>}</a:t>
             </a:r>
+          </a:p>
+        </p:txBody>
+      </p:sp>
+      <p:sp>
+        <p:nvSpPr>
+          <p:cNvPr id="5" name="矩形 4"/>
+          <p:cNvSpPr/>
+          <p:nvPr/>
+        </p:nvSpPr>
+        <p:spPr>
+          <a:xfrm>
+            <a:off x="10201881" y="5724591"/>
+            <a:ext cx="1368627" cy="461665"/>
+          </a:xfrm>
+          <a:prstGeom prst="rect">
+            <a:avLst/>
+          </a:prstGeom>
+        </p:spPr>
+        <p:txBody>
+          <a:bodyPr wrap="square">
+            <a:spAutoFit/>
+          </a:bodyPr>
+          <a:lstStyle/>
+          <a:p>
+            <a:r>
+              <a:rPr lang="en-US" altLang="zh-CN" sz="2400" dirty="0" smtClean="0"/>
+              <a:t>demo01</a:t>
+            </a:r>
+            <a:endParaRPr lang="zh-CN" altLang="en-US" sz="2400" dirty="0"/>
           </a:p>
         </p:txBody>
       </p:sp>
@@ -12968,6 +16656,35 @@
           </a:p>
         </p:txBody>
       </p:sp>
+      <p:sp>
+        <p:nvSpPr>
+          <p:cNvPr id="4" name="矩形 3"/>
+          <p:cNvSpPr/>
+          <p:nvPr/>
+        </p:nvSpPr>
+        <p:spPr>
+          <a:xfrm>
+            <a:off x="10201881" y="5724591"/>
+            <a:ext cx="1368627" cy="461665"/>
+          </a:xfrm>
+          <a:prstGeom prst="rect">
+            <a:avLst/>
+          </a:prstGeom>
+        </p:spPr>
+        <p:txBody>
+          <a:bodyPr wrap="square">
+            <a:spAutoFit/>
+          </a:bodyPr>
+          <a:lstStyle/>
+          <a:p>
+            <a:r>
+              <a:rPr lang="en-US" altLang="zh-CN" sz="2400" dirty="0" smtClean="0"/>
+              <a:t>demo02</a:t>
+            </a:r>
+            <a:endParaRPr lang="zh-CN" altLang="en-US" sz="2400" dirty="0"/>
+          </a:p>
+        </p:txBody>
+      </p:sp>
     </p:spTree>
     <p:extLst>
       <p:ext uri="{BB962C8B-B14F-4D97-AF65-F5344CB8AC3E}">
@@ -12981,7 +16698,339 @@
   <p:timing>
     <p:tnLst>
       <p:par>
-        <p:cTn id="1" dur="indefinite" restart="never" nodeType="tmRoot"/>
+        <p:cTn id="1" dur="indefinite" restart="never" nodeType="tmRoot">
+          <p:childTnLst>
+            <p:seq concurrent="1" nextAc="seek">
+              <p:cTn id="2" dur="indefinite" nodeType="mainSeq">
+                <p:childTnLst>
+                  <p:par>
+                    <p:cTn id="3" fill="hold">
+                      <p:stCondLst>
+                        <p:cond delay="indefinite"/>
+                      </p:stCondLst>
+                      <p:childTnLst>
+                        <p:par>
+                          <p:cTn id="4" fill="hold">
+                            <p:stCondLst>
+                              <p:cond delay="0"/>
+                            </p:stCondLst>
+                            <p:childTnLst>
+                              <p:par>
+                                <p:cTn id="5" presetID="42" presetClass="entr" presetSubtype="0" fill="hold" nodeType="clickEffect">
+                                  <p:stCondLst>
+                                    <p:cond delay="0"/>
+                                  </p:stCondLst>
+                                  <p:childTnLst>
+                                    <p:set>
+                                      <p:cBhvr>
+                                        <p:cTn id="6" dur="1" fill="hold">
+                                          <p:stCondLst>
+                                            <p:cond delay="0"/>
+                                          </p:stCondLst>
+                                        </p:cTn>
+                                        <p:tgtEl>
+                                          <p:spTgt spid="30722">
+                                            <p:txEl>
+                                              <p:pRg st="3" end="3"/>
+                                            </p:txEl>
+                                          </p:spTgt>
+                                        </p:tgtEl>
+                                        <p:attrNameLst>
+                                          <p:attrName>style.visibility</p:attrName>
+                                        </p:attrNameLst>
+                                      </p:cBhvr>
+                                      <p:to>
+                                        <p:strVal val="visible"/>
+                                      </p:to>
+                                    </p:set>
+                                    <p:animEffect transition="in" filter="fade">
+                                      <p:cBhvr>
+                                        <p:cTn id="7" dur="1000"/>
+                                        <p:tgtEl>
+                                          <p:spTgt spid="30722">
+                                            <p:txEl>
+                                              <p:pRg st="3" end="3"/>
+                                            </p:txEl>
+                                          </p:spTgt>
+                                        </p:tgtEl>
+                                      </p:cBhvr>
+                                    </p:animEffect>
+                                    <p:anim calcmode="lin" valueType="num">
+                                      <p:cBhvr>
+                                        <p:cTn id="8" dur="1000" fill="hold"/>
+                                        <p:tgtEl>
+                                          <p:spTgt spid="30722">
+                                            <p:txEl>
+                                              <p:pRg st="3" end="3"/>
+                                            </p:txEl>
+                                          </p:spTgt>
+                                        </p:tgtEl>
+                                        <p:attrNameLst>
+                                          <p:attrName>ppt_x</p:attrName>
+                                        </p:attrNameLst>
+                                      </p:cBhvr>
+                                      <p:tavLst>
+                                        <p:tav tm="0">
+                                          <p:val>
+                                            <p:strVal val="#ppt_x"/>
+                                          </p:val>
+                                        </p:tav>
+                                        <p:tav tm="100000">
+                                          <p:val>
+                                            <p:strVal val="#ppt_x"/>
+                                          </p:val>
+                                        </p:tav>
+                                      </p:tavLst>
+                                    </p:anim>
+                                    <p:anim calcmode="lin" valueType="num">
+                                      <p:cBhvr>
+                                        <p:cTn id="9" dur="1000" fill="hold"/>
+                                        <p:tgtEl>
+                                          <p:spTgt spid="30722">
+                                            <p:txEl>
+                                              <p:pRg st="3" end="3"/>
+                                            </p:txEl>
+                                          </p:spTgt>
+                                        </p:tgtEl>
+                                        <p:attrNameLst>
+                                          <p:attrName>ppt_y</p:attrName>
+                                        </p:attrNameLst>
+                                      </p:cBhvr>
+                                      <p:tavLst>
+                                        <p:tav tm="0">
+                                          <p:val>
+                                            <p:strVal val="#ppt_y+.1"/>
+                                          </p:val>
+                                        </p:tav>
+                                        <p:tav tm="100000">
+                                          <p:val>
+                                            <p:strVal val="#ppt_y"/>
+                                          </p:val>
+                                        </p:tav>
+                                      </p:tavLst>
+                                    </p:anim>
+                                  </p:childTnLst>
+                                </p:cTn>
+                              </p:par>
+                              <p:par>
+                                <p:cTn id="10" presetID="42" presetClass="entr" presetSubtype="0" fill="hold" nodeType="withEffect">
+                                  <p:stCondLst>
+                                    <p:cond delay="0"/>
+                                  </p:stCondLst>
+                                  <p:childTnLst>
+                                    <p:set>
+                                      <p:cBhvr>
+                                        <p:cTn id="11" dur="1" fill="hold">
+                                          <p:stCondLst>
+                                            <p:cond delay="0"/>
+                                          </p:stCondLst>
+                                        </p:cTn>
+                                        <p:tgtEl>
+                                          <p:spTgt spid="30722">
+                                            <p:txEl>
+                                              <p:pRg st="4" end="4"/>
+                                            </p:txEl>
+                                          </p:spTgt>
+                                        </p:tgtEl>
+                                        <p:attrNameLst>
+                                          <p:attrName>style.visibility</p:attrName>
+                                        </p:attrNameLst>
+                                      </p:cBhvr>
+                                      <p:to>
+                                        <p:strVal val="visible"/>
+                                      </p:to>
+                                    </p:set>
+                                    <p:animEffect transition="in" filter="fade">
+                                      <p:cBhvr>
+                                        <p:cTn id="12" dur="1000"/>
+                                        <p:tgtEl>
+                                          <p:spTgt spid="30722">
+                                            <p:txEl>
+                                              <p:pRg st="4" end="4"/>
+                                            </p:txEl>
+                                          </p:spTgt>
+                                        </p:tgtEl>
+                                      </p:cBhvr>
+                                    </p:animEffect>
+                                    <p:anim calcmode="lin" valueType="num">
+                                      <p:cBhvr>
+                                        <p:cTn id="13" dur="1000" fill="hold"/>
+                                        <p:tgtEl>
+                                          <p:spTgt spid="30722">
+                                            <p:txEl>
+                                              <p:pRg st="4" end="4"/>
+                                            </p:txEl>
+                                          </p:spTgt>
+                                        </p:tgtEl>
+                                        <p:attrNameLst>
+                                          <p:attrName>ppt_x</p:attrName>
+                                        </p:attrNameLst>
+                                      </p:cBhvr>
+                                      <p:tavLst>
+                                        <p:tav tm="0">
+                                          <p:val>
+                                            <p:strVal val="#ppt_x"/>
+                                          </p:val>
+                                        </p:tav>
+                                        <p:tav tm="100000">
+                                          <p:val>
+                                            <p:strVal val="#ppt_x"/>
+                                          </p:val>
+                                        </p:tav>
+                                      </p:tavLst>
+                                    </p:anim>
+                                    <p:anim calcmode="lin" valueType="num">
+                                      <p:cBhvr>
+                                        <p:cTn id="14" dur="1000" fill="hold"/>
+                                        <p:tgtEl>
+                                          <p:spTgt spid="30722">
+                                            <p:txEl>
+                                              <p:pRg st="4" end="4"/>
+                                            </p:txEl>
+                                          </p:spTgt>
+                                        </p:tgtEl>
+                                        <p:attrNameLst>
+                                          <p:attrName>ppt_y</p:attrName>
+                                        </p:attrNameLst>
+                                      </p:cBhvr>
+                                      <p:tavLst>
+                                        <p:tav tm="0">
+                                          <p:val>
+                                            <p:strVal val="#ppt_y+.1"/>
+                                          </p:val>
+                                        </p:tav>
+                                        <p:tav tm="100000">
+                                          <p:val>
+                                            <p:strVal val="#ppt_y"/>
+                                          </p:val>
+                                        </p:tav>
+                                      </p:tavLst>
+                                    </p:anim>
+                                  </p:childTnLst>
+                                </p:cTn>
+                              </p:par>
+                              <p:par>
+                                <p:cTn id="15" presetID="42" presetClass="entr" presetSubtype="0" fill="hold" nodeType="withEffect">
+                                  <p:stCondLst>
+                                    <p:cond delay="0"/>
+                                  </p:stCondLst>
+                                  <p:childTnLst>
+                                    <p:set>
+                                      <p:cBhvr>
+                                        <p:cTn id="16" dur="1" fill="hold">
+                                          <p:stCondLst>
+                                            <p:cond delay="0"/>
+                                          </p:stCondLst>
+                                        </p:cTn>
+                                        <p:tgtEl>
+                                          <p:spTgt spid="30722">
+                                            <p:txEl>
+                                              <p:pRg st="5" end="5"/>
+                                            </p:txEl>
+                                          </p:spTgt>
+                                        </p:tgtEl>
+                                        <p:attrNameLst>
+                                          <p:attrName>style.visibility</p:attrName>
+                                        </p:attrNameLst>
+                                      </p:cBhvr>
+                                      <p:to>
+                                        <p:strVal val="visible"/>
+                                      </p:to>
+                                    </p:set>
+                                    <p:animEffect transition="in" filter="fade">
+                                      <p:cBhvr>
+                                        <p:cTn id="17" dur="1000"/>
+                                        <p:tgtEl>
+                                          <p:spTgt spid="30722">
+                                            <p:txEl>
+                                              <p:pRg st="5" end="5"/>
+                                            </p:txEl>
+                                          </p:spTgt>
+                                        </p:tgtEl>
+                                      </p:cBhvr>
+                                    </p:animEffect>
+                                    <p:anim calcmode="lin" valueType="num">
+                                      <p:cBhvr>
+                                        <p:cTn id="18" dur="1000" fill="hold"/>
+                                        <p:tgtEl>
+                                          <p:spTgt spid="30722">
+                                            <p:txEl>
+                                              <p:pRg st="5" end="5"/>
+                                            </p:txEl>
+                                          </p:spTgt>
+                                        </p:tgtEl>
+                                        <p:attrNameLst>
+                                          <p:attrName>ppt_x</p:attrName>
+                                        </p:attrNameLst>
+                                      </p:cBhvr>
+                                      <p:tavLst>
+                                        <p:tav tm="0">
+                                          <p:val>
+                                            <p:strVal val="#ppt_x"/>
+                                          </p:val>
+                                        </p:tav>
+                                        <p:tav tm="100000">
+                                          <p:val>
+                                            <p:strVal val="#ppt_x"/>
+                                          </p:val>
+                                        </p:tav>
+                                      </p:tavLst>
+                                    </p:anim>
+                                    <p:anim calcmode="lin" valueType="num">
+                                      <p:cBhvr>
+                                        <p:cTn id="19" dur="1000" fill="hold"/>
+                                        <p:tgtEl>
+                                          <p:spTgt spid="30722">
+                                            <p:txEl>
+                                              <p:pRg st="5" end="5"/>
+                                            </p:txEl>
+                                          </p:spTgt>
+                                        </p:tgtEl>
+                                        <p:attrNameLst>
+                                          <p:attrName>ppt_y</p:attrName>
+                                        </p:attrNameLst>
+                                      </p:cBhvr>
+                                      <p:tavLst>
+                                        <p:tav tm="0">
+                                          <p:val>
+                                            <p:strVal val="#ppt_y+.1"/>
+                                          </p:val>
+                                        </p:tav>
+                                        <p:tav tm="100000">
+                                          <p:val>
+                                            <p:strVal val="#ppt_y"/>
+                                          </p:val>
+                                        </p:tav>
+                                      </p:tavLst>
+                                    </p:anim>
+                                  </p:childTnLst>
+                                </p:cTn>
+                              </p:par>
+                            </p:childTnLst>
+                          </p:cTn>
+                        </p:par>
+                      </p:childTnLst>
+                    </p:cTn>
+                  </p:par>
+                </p:childTnLst>
+              </p:cTn>
+              <p:prevCondLst>
+                <p:cond evt="onPrev" delay="0">
+                  <p:tgtEl>
+                    <p:sldTgt/>
+                  </p:tgtEl>
+                </p:cond>
+              </p:prevCondLst>
+              <p:nextCondLst>
+                <p:cond evt="onNext" delay="0">
+                  <p:tgtEl>
+                    <p:sldTgt/>
+                  </p:tgtEl>
+                </p:cond>
+              </p:nextCondLst>
+            </p:seq>
+          </p:childTnLst>
+        </p:cTn>
       </p:par>
     </p:tnLst>
   </p:timing>
@@ -13245,7 +17294,7 @@
         <p:spPr>
           <a:xfrm>
             <a:off x="1125723" y="3146767"/>
-            <a:ext cx="9148191" cy="1938992"/>
+            <a:ext cx="9436323" cy="1938992"/>
           </a:xfrm>
           <a:prstGeom prst="rect">
             <a:avLst/>
@@ -13324,7 +17373,11 @@
             </a:r>
             <a:r>
               <a:rPr lang="en-US" altLang="zh-CN" sz="2400" dirty="0"/>
-              <a:t>Date().</a:t>
+              <a:t>Date</a:t>
+            </a:r>
+            <a:r>
+              <a:rPr lang="en-US" altLang="zh-CN" sz="2400" dirty="0" smtClean="0"/>
+              <a:t>( ).</a:t>
             </a:r>
             <a:r>
               <a:rPr lang="en-US" altLang="zh-CN" sz="2400" dirty="0" err="1"/>
@@ -13332,7 +17385,7 @@
             </a:r>
             <a:r>
               <a:rPr lang="en-US" altLang="zh-CN" sz="2400" dirty="0" smtClean="0"/>
-              <a:t>()}</a:t>
+              <a:t>( )}</a:t>
             </a:r>
             <a:r>
               <a:rPr lang="en-US" altLang="zh-CN" sz="2400" dirty="0" smtClean="0">
@@ -13411,6 +17464,35 @@
               <a:latin typeface="+mj-ea"/>
               <a:ea typeface="+mj-ea"/>
             </a:endParaRPr>
+          </a:p>
+        </p:txBody>
+      </p:sp>
+      <p:sp>
+        <p:nvSpPr>
+          <p:cNvPr id="6" name="矩形 5"/>
+          <p:cNvSpPr/>
+          <p:nvPr/>
+        </p:nvSpPr>
+        <p:spPr>
+          <a:xfrm>
+            <a:off x="10201881" y="5724591"/>
+            <a:ext cx="1368627" cy="461665"/>
+          </a:xfrm>
+          <a:prstGeom prst="rect">
+            <a:avLst/>
+          </a:prstGeom>
+        </p:spPr>
+        <p:txBody>
+          <a:bodyPr wrap="square">
+            <a:spAutoFit/>
+          </a:bodyPr>
+          <a:lstStyle/>
+          <a:p>
+            <a:r>
+              <a:rPr lang="en-US" altLang="zh-CN" sz="2400" dirty="0" smtClean="0"/>
+              <a:t>demo03</a:t>
+            </a:r>
+            <a:endParaRPr lang="zh-CN" altLang="en-US" sz="2400" dirty="0"/>
           </a:p>
         </p:txBody>
       </p:sp>
